--- a/Slides-RPR/2019-H1-DAA-L43-BackTrack-algos.pptx
+++ b/Slides-RPR/2019-H1-DAA-L43-BackTrack-algos.pptx
@@ -1117,14 +1117,14 @@
       </p:sp>
       <p:sp>
         <p:nvSpPr>
-          <p:cNvPr id="5" name="DAA/Dynamic Programming"/>
+          <p:cNvPr id="5" name="DAA/Backtracking, Branch&amp;Bound, NP-Complete"/>
           <p:cNvSpPr txBox="1"/>
           <p:nvPr/>
         </p:nvSpPr>
         <p:spPr>
           <a:xfrm>
             <a:off x="423212" y="6963885"/>
-            <a:ext cx="3769679" cy="431552"/>
+            <a:ext cx="6436083" cy="431552"/>
           </a:xfrm>
           <a:prstGeom prst="rect">
             <a:avLst/>
@@ -1150,7 +1150,7 @@
           <a:p>
             <a:pPr/>
             <a:r>
-              <a:t>DAA/Dynamic Programming</a:t>
+              <a:t>DAA/Backtracking, Branch&amp;Bound, NP-Complete</a:t>
             </a:r>
           </a:p>
         </p:txBody>
@@ -2254,14 +2254,14 @@
       </p:sp>
       <p:sp>
         <p:nvSpPr>
-          <p:cNvPr id="43" name="DAA/Dynamic Programming"/>
+          <p:cNvPr id="43" name="DAA/Backtracking, Branch&amp;Bound, NP-Complete"/>
           <p:cNvSpPr txBox="1"/>
           <p:nvPr/>
         </p:nvSpPr>
         <p:spPr>
           <a:xfrm>
             <a:off x="423212" y="6963885"/>
-            <a:ext cx="3769679" cy="431552"/>
+            <a:ext cx="6436083" cy="431552"/>
           </a:xfrm>
           <a:prstGeom prst="rect">
             <a:avLst/>
@@ -2287,7 +2287,7 @@
           <a:p>
             <a:pPr/>
             <a:r>
-              <a:t>DAA/Dynamic Programming</a:t>
+              <a:t>DAA/Backtracking, Branch&amp;Bound, NP-Complete</a:t>
             </a:r>
           </a:p>
         </p:txBody>
@@ -2515,8 +2515,8 @@
         </p:nvSpPr>
         <p:spPr>
           <a:xfrm>
-            <a:off x="761999" y="-105960"/>
-            <a:ext cx="8636001" cy="737370"/>
+            <a:off x="762000" y="-105960"/>
+            <a:ext cx="8636000" cy="737370"/>
           </a:xfrm>
           <a:prstGeom prst="rect">
             <a:avLst/>
@@ -2932,14 +2932,14 @@
       </p:sp>
       <p:sp>
         <p:nvSpPr>
-          <p:cNvPr id="149" name="DAA/Dynamic Programming"/>
+          <p:cNvPr id="149" name="DAA/Backtracking, Branch&amp;Bound, NP-Complete"/>
           <p:cNvSpPr txBox="1"/>
           <p:nvPr/>
         </p:nvSpPr>
         <p:spPr>
           <a:xfrm>
             <a:off x="423212" y="6963885"/>
-            <a:ext cx="3769679" cy="431552"/>
+            <a:ext cx="6436083" cy="431552"/>
           </a:xfrm>
           <a:prstGeom prst="rect">
             <a:avLst/>
@@ -2965,7 +2965,7 @@
           <a:p>
             <a:pPr/>
             <a:r>
-              <a:t>DAA/Dynamic Programming</a:t>
+              <a:t>DAA/Backtracking, Branch&amp;Bound, NP-Complete</a:t>
             </a:r>
           </a:p>
         </p:txBody>
@@ -5003,14 +5003,14 @@
       </p:sp>
       <p:sp>
         <p:nvSpPr>
-          <p:cNvPr id="176" name="DAA/Dynamic Programming"/>
+          <p:cNvPr id="176" name="DAA/Backtracking, Branch&amp;Bound, NP-Complete"/>
           <p:cNvSpPr txBox="1"/>
           <p:nvPr/>
         </p:nvSpPr>
         <p:spPr>
           <a:xfrm>
             <a:off x="423212" y="6963885"/>
-            <a:ext cx="3769679" cy="431552"/>
+            <a:ext cx="6436083" cy="431552"/>
           </a:xfrm>
           <a:prstGeom prst="rect">
             <a:avLst/>
@@ -5036,7 +5036,7 @@
           <a:p>
             <a:pPr/>
             <a:r>
-              <a:t>DAA/Dynamic Programming</a:t>
+              <a:t>DAA/Backtracking, Branch&amp;Bound, NP-Complete</a:t>
             </a:r>
           </a:p>
         </p:txBody>
@@ -5206,7 +5206,7 @@
           <p:spPr>
             <a:xfrm>
               <a:off x="5587000" y="313983"/>
-              <a:ext cx="629263" cy="408094"/>
+              <a:ext cx="629262" cy="408094"/>
             </a:xfrm>
             <a:prstGeom prst="ellipse">
               <a:avLst/>
@@ -5308,7 +5308,7 @@
           <p:spPr>
             <a:xfrm>
               <a:off x="50701" y="1377667"/>
-              <a:ext cx="629262" cy="408093"/>
+              <a:ext cx="629262" cy="408094"/>
             </a:xfrm>
             <a:prstGeom prst="ellipse">
               <a:avLst/>
@@ -5359,7 +5359,7 @@
           <p:spPr>
             <a:xfrm>
               <a:off x="2119845" y="1377667"/>
-              <a:ext cx="629262" cy="408093"/>
+              <a:ext cx="629262" cy="408094"/>
             </a:xfrm>
             <a:prstGeom prst="ellipse">
               <a:avLst/>
@@ -5410,7 +5410,7 @@
           <p:spPr>
             <a:xfrm>
               <a:off x="5637701" y="1377667"/>
-              <a:ext cx="629263" cy="408093"/>
+              <a:ext cx="629263" cy="408094"/>
             </a:xfrm>
             <a:prstGeom prst="ellipse">
               <a:avLst/>
@@ -5461,7 +5461,7 @@
           <p:spPr>
             <a:xfrm>
               <a:off x="7769369" y="1377667"/>
-              <a:ext cx="629262" cy="408093"/>
+              <a:ext cx="629262" cy="408094"/>
             </a:xfrm>
             <a:prstGeom prst="ellipse">
               <a:avLst/>
@@ -5546,7 +5546,7 @@
           <p:spPr>
             <a:xfrm>
               <a:off x="6216796" y="518030"/>
-              <a:ext cx="1438814" cy="1"/>
+              <a:ext cx="1438815" cy="1"/>
             </a:xfrm>
             <a:prstGeom prst="line">
               <a:avLst/>
@@ -5614,7 +5614,7 @@
           <p:spPr>
             <a:xfrm>
               <a:off x="6216796" y="1581713"/>
-              <a:ext cx="1438814" cy="1"/>
+              <a:ext cx="1438815" cy="1"/>
             </a:xfrm>
             <a:prstGeom prst="line">
               <a:avLst/>
@@ -5648,7 +5648,7 @@
           <p:spPr>
             <a:xfrm>
               <a:off x="452152" y="724037"/>
-              <a:ext cx="1794101" cy="720277"/>
+              <a:ext cx="1794102" cy="720277"/>
             </a:xfrm>
             <a:prstGeom prst="line">
               <a:avLst/>
@@ -5878,8 +5878,8 @@
           </p:nvSpPr>
           <p:spPr>
             <a:xfrm flipV="1">
-              <a:off x="546991" y="625267"/>
-              <a:ext cx="1575059" cy="790062"/>
+              <a:off x="546991" y="625268"/>
+              <a:ext cx="1575059" cy="790061"/>
             </a:xfrm>
             <a:prstGeom prst="line">
               <a:avLst/>
@@ -7091,14 +7091,14 @@
       </p:sp>
       <p:sp>
         <p:nvSpPr>
-          <p:cNvPr id="203" name="DAA/Dynamic Programming"/>
+          <p:cNvPr id="203" name="DAA/Backtracking, Branch&amp;Bound, NP-Complete"/>
           <p:cNvSpPr txBox="1"/>
           <p:nvPr/>
         </p:nvSpPr>
         <p:spPr>
           <a:xfrm>
             <a:off x="423212" y="6963885"/>
-            <a:ext cx="3769679" cy="431552"/>
+            <a:ext cx="6436083" cy="431552"/>
           </a:xfrm>
           <a:prstGeom prst="rect">
             <a:avLst/>
@@ -7124,7 +7124,7 @@
           <a:p>
             <a:pPr/>
             <a:r>
-              <a:t>DAA/Dynamic Programming</a:t>
+              <a:t>DAA/Backtracking, Branch&amp;Bound, NP-Complete</a:t>
             </a:r>
           </a:p>
         </p:txBody>
@@ -9083,14 +9083,14 @@
       </p:sp>
       <p:sp>
         <p:nvSpPr>
-          <p:cNvPr id="230" name="DAA/Dynamic Programming"/>
+          <p:cNvPr id="230" name="DAA/Backtracking, Branch&amp;Bound, NP-Complete"/>
           <p:cNvSpPr txBox="1"/>
           <p:nvPr/>
         </p:nvSpPr>
         <p:spPr>
           <a:xfrm>
             <a:off x="423212" y="6963885"/>
-            <a:ext cx="3769679" cy="431552"/>
+            <a:ext cx="6436083" cy="431552"/>
           </a:xfrm>
           <a:prstGeom prst="rect">
             <a:avLst/>
@@ -9116,7 +9116,7 @@
           <a:p>
             <a:pPr/>
             <a:r>
-              <a:t>DAA/Dynamic Programming</a:t>
+              <a:t>DAA/Backtracking, Branch&amp;Bound, NP-Complete</a:t>
             </a:r>
           </a:p>
         </p:txBody>
@@ -10824,14 +10824,14 @@
       </p:sp>
       <p:sp>
         <p:nvSpPr>
-          <p:cNvPr id="257" name="DAA/Dynamic Programming"/>
+          <p:cNvPr id="257" name="DAA/Backtracking, Branch&amp;Bound, NP-Complete"/>
           <p:cNvSpPr txBox="1"/>
           <p:nvPr/>
         </p:nvSpPr>
         <p:spPr>
           <a:xfrm>
             <a:off x="423212" y="6963885"/>
-            <a:ext cx="3769679" cy="431552"/>
+            <a:ext cx="6436083" cy="431552"/>
           </a:xfrm>
           <a:prstGeom prst="rect">
             <a:avLst/>
@@ -10857,7 +10857,7 @@
           <a:p>
             <a:pPr/>
             <a:r>
-              <a:t>DAA/Dynamic Programming</a:t>
+              <a:t>DAA/Backtracking, Branch&amp;Bound, NP-Complete</a:t>
             </a:r>
           </a:p>
         </p:txBody>
@@ -11679,14 +11679,14 @@
       </p:sp>
       <p:sp>
         <p:nvSpPr>
-          <p:cNvPr id="263" name="DAA/Dynamic Programming"/>
+          <p:cNvPr id="263" name="DAA/Backtracking, Branch&amp;Bound, NP-Complete"/>
           <p:cNvSpPr txBox="1"/>
           <p:nvPr/>
         </p:nvSpPr>
         <p:spPr>
           <a:xfrm>
             <a:off x="423212" y="6963885"/>
-            <a:ext cx="3769679" cy="431552"/>
+            <a:ext cx="6436083" cy="431552"/>
           </a:xfrm>
           <a:prstGeom prst="rect">
             <a:avLst/>
@@ -11712,7 +11712,7 @@
           <a:p>
             <a:pPr/>
             <a:r>
-              <a:t>DAA/Dynamic Programming</a:t>
+              <a:t>DAA/Backtracking, Branch&amp;Bound, NP-Complete</a:t>
             </a:r>
           </a:p>
         </p:txBody>
@@ -12643,14 +12643,14 @@
       </p:sp>
       <p:sp>
         <p:nvSpPr>
-          <p:cNvPr id="269" name="DAA/Dynamic Programming"/>
+          <p:cNvPr id="269" name="DAA/Backtracking, Branch&amp;Bound, NP-Complete"/>
           <p:cNvSpPr txBox="1"/>
           <p:nvPr/>
         </p:nvSpPr>
         <p:spPr>
           <a:xfrm>
             <a:off x="423212" y="6963885"/>
-            <a:ext cx="3769679" cy="431552"/>
+            <a:ext cx="6436083" cy="431552"/>
           </a:xfrm>
           <a:prstGeom prst="rect">
             <a:avLst/>
@@ -12676,7 +12676,7 @@
           <a:p>
             <a:pPr/>
             <a:r>
-              <a:t>DAA/Dynamic Programming</a:t>
+              <a:t>DAA/Backtracking, Branch&amp;Bound, NP-Complete</a:t>
             </a:r>
           </a:p>
         </p:txBody>
@@ -13884,14 +13884,14 @@
       </p:sp>
       <p:sp>
         <p:nvSpPr>
-          <p:cNvPr id="275" name="DAA/Dynamic Programming"/>
+          <p:cNvPr id="275" name="DAA/Backtracking, Branch&amp;Bound, NP-Complete"/>
           <p:cNvSpPr txBox="1"/>
           <p:nvPr/>
         </p:nvSpPr>
         <p:spPr>
           <a:xfrm>
             <a:off x="423212" y="6963885"/>
-            <a:ext cx="3769679" cy="431552"/>
+            <a:ext cx="6436083" cy="431552"/>
           </a:xfrm>
           <a:prstGeom prst="rect">
             <a:avLst/>
@@ -13917,7 +13917,7 @@
           <a:p>
             <a:pPr/>
             <a:r>
-              <a:t>DAA/Dynamic Programming</a:t>
+              <a:t>DAA/Backtracking, Branch&amp;Bound, NP-Complete</a:t>
             </a:r>
           </a:p>
         </p:txBody>
@@ -14777,14 +14777,14 @@
       </p:sp>
       <p:sp>
         <p:nvSpPr>
-          <p:cNvPr id="281" name="DAA/Dynamic Programming"/>
+          <p:cNvPr id="281" name="DAA/Backtracking, Branch&amp;Bound, NP-Complete"/>
           <p:cNvSpPr txBox="1"/>
           <p:nvPr/>
         </p:nvSpPr>
         <p:spPr>
           <a:xfrm>
             <a:off x="423212" y="6963885"/>
-            <a:ext cx="3769679" cy="431552"/>
+            <a:ext cx="6436083" cy="431552"/>
           </a:xfrm>
           <a:prstGeom prst="rect">
             <a:avLst/>
@@ -14810,7 +14810,7 @@
           <a:p>
             <a:pPr/>
             <a:r>
-              <a:t>DAA/Dynamic Programming</a:t>
+              <a:t>DAA/Backtracking, Branch&amp;Bound, NP-Complete</a:t>
             </a:r>
           </a:p>
         </p:txBody>
@@ -15524,14 +15524,14 @@
       </p:sp>
       <p:sp>
         <p:nvSpPr>
-          <p:cNvPr id="287" name="DAA/Dynamic Programming"/>
+          <p:cNvPr id="287" name="DAA/Backtracking, Branch&amp;Bound, NP-Complete"/>
           <p:cNvSpPr txBox="1"/>
           <p:nvPr/>
         </p:nvSpPr>
         <p:spPr>
           <a:xfrm>
             <a:off x="423212" y="6963885"/>
-            <a:ext cx="3769679" cy="431552"/>
+            <a:ext cx="6436083" cy="431552"/>
           </a:xfrm>
           <a:prstGeom prst="rect">
             <a:avLst/>
@@ -15557,7 +15557,7 @@
           <a:p>
             <a:pPr/>
             <a:r>
-              <a:t>DAA/Dynamic Programming</a:t>
+              <a:t>DAA/Backtracking, Branch&amp;Bound, NP-Complete</a:t>
             </a:r>
           </a:p>
         </p:txBody>
@@ -16328,14 +16328,14 @@
       </p:sp>
       <p:sp>
         <p:nvSpPr>
-          <p:cNvPr id="50" name="DAA/Dynamic Programming"/>
+          <p:cNvPr id="50" name="DAA/Backtracking, Branch&amp;Bound, NP-Complete"/>
           <p:cNvSpPr txBox="1"/>
           <p:nvPr/>
         </p:nvSpPr>
         <p:spPr>
           <a:xfrm>
             <a:off x="423212" y="6963885"/>
-            <a:ext cx="3769679" cy="431552"/>
+            <a:ext cx="6436083" cy="431552"/>
           </a:xfrm>
           <a:prstGeom prst="rect">
             <a:avLst/>
@@ -16361,7 +16361,7 @@
           <a:p>
             <a:pPr/>
             <a:r>
-              <a:t>DAA/Dynamic Programming</a:t>
+              <a:t>DAA/Backtracking, Branch&amp;Bound, NP-Complete</a:t>
             </a:r>
           </a:p>
         </p:txBody>
@@ -16526,14 +16526,14 @@
       </p:sp>
       <p:sp>
         <p:nvSpPr>
-          <p:cNvPr id="293" name="DAA/Dynamic Programming"/>
+          <p:cNvPr id="293" name="DAA/Backtracking, Branch&amp;Bound, NP-Complete"/>
           <p:cNvSpPr txBox="1"/>
           <p:nvPr/>
         </p:nvSpPr>
         <p:spPr>
           <a:xfrm>
             <a:off x="423212" y="6963885"/>
-            <a:ext cx="3769679" cy="431552"/>
+            <a:ext cx="6436083" cy="431552"/>
           </a:xfrm>
           <a:prstGeom prst="rect">
             <a:avLst/>
@@ -16559,7 +16559,7 @@
           <a:p>
             <a:pPr/>
             <a:r>
-              <a:t>DAA/Dynamic Programming</a:t>
+              <a:t>DAA/Backtracking, Branch&amp;Bound, NP-Complete</a:t>
             </a:r>
           </a:p>
         </p:txBody>
@@ -17170,14 +17170,14 @@
       </p:sp>
       <p:sp>
         <p:nvSpPr>
-          <p:cNvPr id="56" name="DAA/Dynamic Programming"/>
+          <p:cNvPr id="56" name="DAA/Backtracking, Branch&amp;Bound, NP-Complete"/>
           <p:cNvSpPr txBox="1"/>
           <p:nvPr/>
         </p:nvSpPr>
         <p:spPr>
           <a:xfrm>
             <a:off x="423212" y="6963885"/>
-            <a:ext cx="3769679" cy="431552"/>
+            <a:ext cx="6436083" cy="431552"/>
           </a:xfrm>
           <a:prstGeom prst="rect">
             <a:avLst/>
@@ -17203,7 +17203,7 @@
           <a:p>
             <a:pPr/>
             <a:r>
-              <a:t>DAA/Dynamic Programming</a:t>
+              <a:t>DAA/Backtracking, Branch&amp;Bound, NP-Complete</a:t>
             </a:r>
           </a:p>
         </p:txBody>
@@ -17900,14 +17900,14 @@
       </p:sp>
       <p:sp>
         <p:nvSpPr>
-          <p:cNvPr id="62" name="DAA/Dynamic Programming"/>
+          <p:cNvPr id="62" name="DAA/Backtracking, Branch&amp;Bound, NP-Complete"/>
           <p:cNvSpPr txBox="1"/>
           <p:nvPr/>
         </p:nvSpPr>
         <p:spPr>
           <a:xfrm>
             <a:off x="423212" y="6963885"/>
-            <a:ext cx="3769679" cy="431552"/>
+            <a:ext cx="6436083" cy="431552"/>
           </a:xfrm>
           <a:prstGeom prst="rect">
             <a:avLst/>
@@ -17933,7 +17933,7 @@
           <a:p>
             <a:pPr/>
             <a:r>
-              <a:t>DAA/Dynamic Programming</a:t>
+              <a:t>DAA/Backtracking, Branch&amp;Bound, NP-Complete</a:t>
             </a:r>
           </a:p>
         </p:txBody>
@@ -19212,9 +19212,9 @@
       </p:par>
     </p:tnLst>
     <p:bldLst>
+      <p:bldP build="whole" bldLvl="1" animBg="1" rev="0" advAuto="0" spid="83" grpId="2"/>
       <p:bldP build="p" bldLvl="5" animBg="1" rev="0" advAuto="0" spid="84" grpId="3"/>
       <p:bldP build="whole" bldLvl="1" animBg="1" rev="0" advAuto="0" spid="60" grpId="1"/>
-      <p:bldP build="whole" bldLvl="1" animBg="1" rev="0" advAuto="0" spid="83" grpId="2"/>
     </p:bldLst>
   </p:timing>
 </p:sld>
@@ -19322,14 +19322,14 @@
       </p:sp>
       <p:sp>
         <p:nvSpPr>
-          <p:cNvPr id="90" name="DAA/Dynamic Programming"/>
+          <p:cNvPr id="90" name="DAA/Backtracking, Branch&amp;Bound, NP-Complete"/>
           <p:cNvSpPr txBox="1"/>
           <p:nvPr/>
         </p:nvSpPr>
         <p:spPr>
           <a:xfrm>
             <a:off x="423212" y="6963885"/>
-            <a:ext cx="3769679" cy="431552"/>
+            <a:ext cx="6436083" cy="431552"/>
           </a:xfrm>
           <a:prstGeom prst="rect">
             <a:avLst/>
@@ -19355,7 +19355,7 @@
           <a:p>
             <a:pPr/>
             <a:r>
-              <a:t>DAA/Dynamic Programming</a:t>
+              <a:t>DAA/Backtracking, Branch&amp;Bound, NP-Complete</a:t>
             </a:r>
           </a:p>
         </p:txBody>
@@ -21440,13 +21440,13 @@
       </p:par>
     </p:tnLst>
     <p:bldLst>
-      <p:bldP build="whole" bldLvl="1" animBg="1" rev="0" advAuto="0" spid="118" grpId="3"/>
-      <p:bldP build="whole" bldLvl="1" animBg="1" rev="0" advAuto="0" spid="117" grpId="5"/>
       <p:bldP build="whole" bldLvl="1" animBg="1" rev="0" advAuto="0" spid="104" grpId="4"/>
       <p:bldP build="whole" bldLvl="1" animBg="1" rev="0" advAuto="0" spid="88" grpId="1"/>
+      <p:bldP build="whole" bldLvl="1" animBg="1" rev="0" advAuto="0" spid="117" grpId="5"/>
+      <p:bldP build="whole" bldLvl="1" animBg="1" rev="0" advAuto="0" spid="119" grpId="6"/>
+      <p:bldP build="whole" bldLvl="1" animBg="1" rev="0" advAuto="0" spid="118" grpId="3"/>
+      <p:bldP build="p" bldLvl="5" animBg="1" rev="0" advAuto="0" spid="120" grpId="7"/>
       <p:bldP build="whole" bldLvl="1" animBg="1" rev="0" advAuto="0" spid="103" grpId="2"/>
-      <p:bldP build="p" bldLvl="5" animBg="1" rev="0" advAuto="0" spid="120" grpId="7"/>
-      <p:bldP build="whole" bldLvl="1" animBg="1" rev="0" advAuto="0" spid="119" grpId="6"/>
     </p:bldLst>
   </p:timing>
 </p:sld>
@@ -21774,14 +21774,14 @@
       </p:sp>
       <p:sp>
         <p:nvSpPr>
-          <p:cNvPr id="125" name="DAA/Dynamic Programming"/>
+          <p:cNvPr id="125" name="DAA/Backtracking, Branch&amp;Bound, NP-Complete"/>
           <p:cNvSpPr txBox="1"/>
           <p:nvPr/>
         </p:nvSpPr>
         <p:spPr>
           <a:xfrm>
             <a:off x="423212" y="6963885"/>
-            <a:ext cx="3769679" cy="431552"/>
+            <a:ext cx="6436083" cy="431552"/>
           </a:xfrm>
           <a:prstGeom prst="rect">
             <a:avLst/>
@@ -21807,7 +21807,7 @@
           <a:p>
             <a:pPr/>
             <a:r>
-              <a:t>DAA/Dynamic Programming</a:t>
+              <a:t>DAA/Backtracking, Branch&amp;Bound, NP-Complete</a:t>
             </a:r>
           </a:p>
         </p:txBody>
@@ -22947,14 +22947,14 @@
       </p:sp>
       <p:sp>
         <p:nvSpPr>
-          <p:cNvPr id="131" name="DAA/Dynamic Programming"/>
+          <p:cNvPr id="131" name="DAA/Backtracking, Branch&amp;Bound, NP-Complete"/>
           <p:cNvSpPr txBox="1"/>
           <p:nvPr/>
         </p:nvSpPr>
         <p:spPr>
           <a:xfrm>
             <a:off x="423212" y="6963885"/>
-            <a:ext cx="3769679" cy="431552"/>
+            <a:ext cx="6436083" cy="431552"/>
           </a:xfrm>
           <a:prstGeom prst="rect">
             <a:avLst/>
@@ -22980,7 +22980,7 @@
           <a:p>
             <a:pPr/>
             <a:r>
-              <a:t>DAA/Dynamic Programming</a:t>
+              <a:t>DAA/Backtracking, Branch&amp;Bound, NP-Complete</a:t>
             </a:r>
           </a:p>
         </p:txBody>
@@ -24447,14 +24447,14 @@
       </p:sp>
       <p:sp>
         <p:nvSpPr>
-          <p:cNvPr id="137" name="DAA/Dynamic Programming"/>
+          <p:cNvPr id="137" name="DAA/Backtracking, Branch&amp;Bound, NP-Complete"/>
           <p:cNvSpPr txBox="1"/>
           <p:nvPr/>
         </p:nvSpPr>
         <p:spPr>
           <a:xfrm>
             <a:off x="423212" y="6963885"/>
-            <a:ext cx="3769679" cy="431552"/>
+            <a:ext cx="6436083" cy="431552"/>
           </a:xfrm>
           <a:prstGeom prst="rect">
             <a:avLst/>
@@ -24480,7 +24480,7 @@
           <a:p>
             <a:pPr/>
             <a:r>
-              <a:t>DAA/Dynamic Programming</a:t>
+              <a:t>DAA/Backtracking, Branch&amp;Bound, NP-Complete</a:t>
             </a:r>
           </a:p>
         </p:txBody>
@@ -25986,14 +25986,14 @@
       </p:sp>
       <p:sp>
         <p:nvSpPr>
-          <p:cNvPr id="143" name="DAA/Dynamic Programming"/>
+          <p:cNvPr id="143" name="DAA/Backtracking, Branch&amp;Bound, NP-Complete"/>
           <p:cNvSpPr txBox="1"/>
           <p:nvPr/>
         </p:nvSpPr>
         <p:spPr>
           <a:xfrm>
             <a:off x="423212" y="6963885"/>
-            <a:ext cx="3769679" cy="431552"/>
+            <a:ext cx="6436083" cy="431552"/>
           </a:xfrm>
           <a:prstGeom prst="rect">
             <a:avLst/>
@@ -26019,7 +26019,7 @@
           <a:p>
             <a:pPr/>
             <a:r>
-              <a:t>DAA/Dynamic Programming</a:t>
+              <a:t>DAA/Backtracking, Branch&amp;Bound, NP-Complete</a:t>
             </a:r>
           </a:p>
         </p:txBody>

--- a/Slides-RPR/2019-H1-DAA-L43-BackTrack-algos.pptx
+++ b/Slides-RPR/2019-H1-DAA-L43-BackTrack-algos.pptx
@@ -28,6 +28,7 @@
     <p:sldId id="273" r:id="rId25"/>
     <p:sldId id="274" r:id="rId26"/>
     <p:sldId id="275" r:id="rId27"/>
+    <p:sldId id="276" r:id="rId28"/>
   </p:sldIdLst>
   <p:sldSz cx="10160000" cy="7620000"/>
   <p:notesSz cx="6858000" cy="9144000"/>
@@ -2507,7 +2508,7 @@
       </p:grpSpPr>
       <p:sp>
         <p:nvSpPr>
-          <p:cNvPr id="146" name="Execution of HC Algo"/>
+          <p:cNvPr id="146" name="Algo: Hamiltonian Cycle (Main)"/>
           <p:cNvSpPr txBox="1"/>
           <p:nvPr>
             <p:ph type="title"/>
@@ -2515,8 +2516,8 @@
         </p:nvSpPr>
         <p:spPr>
           <a:xfrm>
-            <a:off x="762000" y="-105960"/>
-            <a:ext cx="8636000" cy="737370"/>
+            <a:off x="595715" y="-189103"/>
+            <a:ext cx="8636001" cy="952501"/>
           </a:xfrm>
           <a:prstGeom prst="rect">
             <a:avLst/>
@@ -2528,14 +2529,14 @@
           <a:p>
             <a:pPr/>
             <a:r>
-              <a:t>Execution of HC Algo </a:t>
+              <a:t>Algo: Hamiltonian Cycle (Main)</a:t>
             </a:r>
           </a:p>
         </p:txBody>
       </p:sp>
       <p:sp>
         <p:nvSpPr>
-          <p:cNvPr id="147" name="A2: x[K]==0 (False since k=2, x[2]=2)…"/>
+          <p:cNvPr id="147" name="Algo Hamiltonian(k)…"/>
           <p:cNvSpPr txBox="1"/>
           <p:nvPr>
             <p:ph type="body" idx="1"/>
@@ -2543,8 +2544,8 @@
         </p:nvSpPr>
         <p:spPr>
           <a:xfrm>
-            <a:off x="666288" y="3141971"/>
-            <a:ext cx="9055611" cy="3930619"/>
+            <a:off x="666288" y="2871563"/>
+            <a:ext cx="9225599" cy="4249678"/>
           </a:xfrm>
           <a:prstGeom prst="rect">
             <a:avLst/>
@@ -2556,11 +2557,11 @@
           <a:p>
             <a:pPr marL="0" indent="0">
               <a:spcBef>
-                <a:spcPts val="100"/>
+                <a:spcPts val="0"/>
               </a:spcBef>
               <a:buSzTx/>
               <a:buNone/>
-              <a:defRPr sz="2400">
+              <a:defRPr sz="2600">
                 <a:latin typeface="Courier New"/>
                 <a:ea typeface="Courier New"/>
                 <a:cs typeface="Courier New"/>
@@ -2568,7 +2569,84 @@
               </a:defRPr>
             </a:pPr>
             <a:r>
-              <a:t>A2: x[K]==0 </a:t>
+              <a:t>Algo Hamiltonian(k)</a:t>
+            </a:r>
+          </a:p>
+          <a:p>
+            <a:pPr marL="0" indent="0">
+              <a:spcBef>
+                <a:spcPts val="0"/>
+              </a:spcBef>
+              <a:buSzTx/>
+              <a:buNone/>
+              <a:defRPr i="1" sz="2600" u="sng">
+                <a:latin typeface="Gill Sans MT"/>
+                <a:ea typeface="Gill Sans MT"/>
+                <a:cs typeface="Gill Sans MT"/>
+                <a:sym typeface="Gill Sans MT"/>
+              </a:defRPr>
+            </a:pPr>
+            <a:r>
+              <a:t>do</a:t>
+            </a:r>
+            <a:r>
+              <a:rPr i="0" u="none"/>
+              <a:t> // generate values for </a:t>
+            </a:r>
+            <a:r>
+              <a:rPr i="0" u="none">
+                <a:latin typeface="Courier New"/>
+                <a:ea typeface="Courier New"/>
+                <a:cs typeface="Courier New"/>
+                <a:sym typeface="Courier New"/>
+              </a:rPr>
+              <a:t>k</a:t>
+            </a:r>
+            <a:r>
+              <a:rPr baseline="31999" i="0" u="none">
+                <a:latin typeface="Courier New"/>
+                <a:ea typeface="Courier New"/>
+                <a:cs typeface="Courier New"/>
+                <a:sym typeface="Courier New"/>
+              </a:rPr>
+              <a:t>th</a:t>
+            </a:r>
+            <a:r>
+              <a:rPr i="0" u="none"/>
+              <a:t> node i.e. </a:t>
+            </a:r>
+            <a:r>
+              <a:rPr i="0" u="none">
+                <a:latin typeface="Courier New"/>
+                <a:ea typeface="Courier New"/>
+                <a:cs typeface="Courier New"/>
+                <a:sym typeface="Courier New"/>
+              </a:rPr>
+              <a:t>x[k] …………</a:t>
+            </a:r>
+            <a:endParaRPr>
+              <a:latin typeface="Courier New"/>
+              <a:ea typeface="Courier New"/>
+              <a:cs typeface="Courier New"/>
+              <a:sym typeface="Courier New"/>
+            </a:endParaRPr>
+          </a:p>
+          <a:p>
+            <a:pPr lvl="2" marL="0" indent="457200">
+              <a:spcBef>
+                <a:spcPts val="0"/>
+              </a:spcBef>
+              <a:buSzTx/>
+              <a:buNone/>
+              <a:defRPr sz="2600">
+                <a:latin typeface="Courier New"/>
+                <a:ea typeface="Courier New"/>
+                <a:cs typeface="Courier New"/>
+                <a:sym typeface="Courier New"/>
+              </a:defRPr>
+            </a:pPr>
+            <a:r>
+              <a:t>NextValue(k)</a:t>
             </a:r>
             <a:r>
               <a:rPr>
@@ -2577,10 +2655,34 @@
                 <a:cs typeface="Gill Sans MT"/>
                 <a:sym typeface="Gill Sans MT"/>
               </a:rPr>
-              <a:t>(False since </a:t>
-            </a:r>
-            <a:r>
-              <a:t>k=2</a:t>
+              <a:t>// assign a legal value to</a:t>
+            </a:r>
+            <a:r>
+              <a:t> x[k] …………A1</a:t>
+            </a:r>
+          </a:p>
+          <a:p>
+            <a:pPr lvl="2" marL="0" indent="457200">
+              <a:spcBef>
+                <a:spcPts val="0"/>
+              </a:spcBef>
+              <a:buSzTx/>
+              <a:buNone/>
+              <a:defRPr sz="2600">
+                <a:latin typeface="Courier New"/>
+                <a:ea typeface="Courier New"/>
+                <a:cs typeface="Courier New"/>
+                <a:sym typeface="Courier New"/>
+              </a:defRPr>
+            </a:pPr>
+            <a:r>
+              <a:rPr i="1" u="sng">
+                <a:latin typeface="Gill Sans MT"/>
+                <a:ea typeface="Gill Sans MT"/>
+                <a:cs typeface="Gill Sans MT"/>
+                <a:sym typeface="Gill Sans MT"/>
+              </a:rPr>
+              <a:t>if</a:t>
             </a:r>
             <a:r>
               <a:rPr>
@@ -2589,10 +2691,10 @@
                 <a:cs typeface="Gill Sans MT"/>
                 <a:sym typeface="Gill Sans MT"/>
               </a:rPr>
-              <a:t>, </a:t>
-            </a:r>
-            <a:r>
-              <a:t>x[2]=2</a:t>
+              <a:t> </a:t>
+            </a:r>
+            <a:r>
+              <a:t>(x[k] == 0)</a:t>
             </a:r>
             <a:r>
               <a:rPr>
@@ -2601,7 +2703,76 @@
                 <a:cs typeface="Gill Sans MT"/>
                 <a:sym typeface="Gill Sans MT"/>
               </a:rPr>
-              <a:t>)</a:t>
+              <a:t>// no legal value can be found</a:t>
+            </a:r>
+            <a:r>
+              <a:t>  …………A2</a:t>
+            </a:r>
+          </a:p>
+          <a:p>
+            <a:pPr lvl="4" marL="0" indent="914400">
+              <a:spcBef>
+                <a:spcPts val="0"/>
+              </a:spcBef>
+              <a:buSzTx/>
+              <a:buNone/>
+              <a:defRPr sz="2600">
+                <a:latin typeface="Courier New"/>
+                <a:ea typeface="Courier New"/>
+                <a:cs typeface="Courier New"/>
+                <a:sym typeface="Courier New"/>
+              </a:defRPr>
+            </a:pPr>
+            <a:r>
+              <a:t>return</a:t>
+            </a:r>
+          </a:p>
+          <a:p>
+            <a:pPr lvl="2" marL="0" indent="457200">
+              <a:spcBef>
+                <a:spcPts val="0"/>
+              </a:spcBef>
+              <a:buSzTx/>
+              <a:buNone/>
+              <a:defRPr sz="2600">
+                <a:latin typeface="Courier New"/>
+                <a:ea typeface="Courier New"/>
+                <a:cs typeface="Courier New"/>
+                <a:sym typeface="Courier New"/>
+              </a:defRPr>
+            </a:pPr>
+            <a:r>
+              <a:rPr i="1" u="sng">
+                <a:latin typeface="Gill Sans MT"/>
+                <a:ea typeface="Gill Sans MT"/>
+                <a:cs typeface="Gill Sans MT"/>
+                <a:sym typeface="Gill Sans MT"/>
+              </a:rPr>
+              <a:t>if</a:t>
+            </a:r>
+            <a:r>
+              <a:rPr>
+                <a:latin typeface="Gill Sans MT"/>
+                <a:ea typeface="Gill Sans MT"/>
+                <a:cs typeface="Gill Sans MT"/>
+                <a:sym typeface="Gill Sans MT"/>
+              </a:rPr>
+              <a:t> </a:t>
+            </a:r>
+            <a:r>
+              <a:t>(k==n)</a:t>
+            </a:r>
+            <a:r>
+              <a:rPr>
+                <a:latin typeface="Gill Sans MT"/>
+                <a:ea typeface="Gill Sans MT"/>
+                <a:cs typeface="Gill Sans MT"/>
+                <a:sym typeface="Gill Sans MT"/>
+              </a:rPr>
+              <a:t> // if last node reached, print path</a:t>
+            </a:r>
+            <a:r>
+              <a:t>    …………A3</a:t>
             </a:r>
             <a:endParaRPr>
               <a:latin typeface="Gill Sans MT"/>
@@ -2611,13 +2782,13 @@
             </a:endParaRPr>
           </a:p>
           <a:p>
-            <a:pPr marL="0" indent="0">
+            <a:pPr lvl="4" marL="0" indent="914400">
               <a:spcBef>
-                <a:spcPts val="100"/>
+                <a:spcPts val="0"/>
               </a:spcBef>
               <a:buSzTx/>
               <a:buNone/>
-              <a:defRPr sz="2400">
+              <a:defRPr sz="2600">
                 <a:latin typeface="Courier New"/>
                 <a:ea typeface="Courier New"/>
                 <a:cs typeface="Courier New"/>
@@ -2625,7 +2796,13 @@
               </a:defRPr>
             </a:pPr>
             <a:r>
-              <a:t>A3: k==n (</a:t>
+              <a:rPr i="1" u="sng">
+                <a:latin typeface="Gill Sans MT"/>
+                <a:ea typeface="Gill Sans MT"/>
+                <a:cs typeface="Gill Sans MT"/>
+                <a:sym typeface="Gill Sans MT"/>
+              </a:rPr>
+              <a:t>for</a:t>
             </a:r>
             <a:r>
               <a:rPr>
@@ -2634,20 +2811,86 @@
                 <a:cs typeface="Gill Sans MT"/>
                 <a:sym typeface="Gill Sans MT"/>
               </a:rPr>
-              <a:t>False since</a:t>
-            </a:r>
-            <a:r>
-              <a:t> k=2, n=8)</a:t>
-            </a:r>
-          </a:p>
-          <a:p>
-            <a:pPr marL="0" indent="0">
+              <a:t> </a:t>
+            </a:r>
+            <a:r>
+              <a:t>i=1</a:t>
+            </a:r>
+            <a:r>
+              <a:rPr>
+                <a:latin typeface="Gill Sans MT"/>
+                <a:ea typeface="Gill Sans MT"/>
+                <a:cs typeface="Gill Sans MT"/>
+                <a:sym typeface="Gill Sans MT"/>
+              </a:rPr>
+              <a:t> </a:t>
+            </a:r>
+            <a:r>
+              <a:rPr i="1" u="sng">
+                <a:latin typeface="Gill Sans MT"/>
+                <a:ea typeface="Gill Sans MT"/>
+                <a:cs typeface="Gill Sans MT"/>
+                <a:sym typeface="Gill Sans MT"/>
+              </a:rPr>
+              <a:t>to</a:t>
+            </a:r>
+            <a:r>
+              <a:rPr>
+                <a:latin typeface="Gill Sans MT"/>
+                <a:ea typeface="Gill Sans MT"/>
+                <a:cs typeface="Gill Sans MT"/>
+                <a:sym typeface="Gill Sans MT"/>
+              </a:rPr>
+              <a:t> </a:t>
+            </a:r>
+            <a:r>
+              <a:t>n</a:t>
+            </a:r>
+            <a:r>
+              <a:rPr>
+                <a:latin typeface="Gill Sans MT"/>
+                <a:ea typeface="Gill Sans MT"/>
+                <a:cs typeface="Gill Sans MT"/>
+                <a:sym typeface="Gill Sans MT"/>
+              </a:rPr>
+              <a:t> </a:t>
+            </a:r>
+            <a:r>
+              <a:rPr i="1" u="sng">
+                <a:latin typeface="Gill Sans MT"/>
+                <a:ea typeface="Gill Sans MT"/>
+                <a:cs typeface="Gill Sans MT"/>
+                <a:sym typeface="Gill Sans MT"/>
+              </a:rPr>
+              <a:t>do</a:t>
+            </a:r>
+            <a:r>
+              <a:rPr>
+                <a:latin typeface="Gill Sans MT"/>
+                <a:ea typeface="Gill Sans MT"/>
+                <a:cs typeface="Gill Sans MT"/>
+                <a:sym typeface="Gill Sans MT"/>
+              </a:rPr>
+              <a:t>                                              </a:t>
+            </a:r>
+            <a:r>
+              <a:t>…………A4</a:t>
+            </a:r>
+            <a:endParaRPr>
+              <a:latin typeface="Gill Sans MT"/>
+              <a:ea typeface="Gill Sans MT"/>
+              <a:cs typeface="Gill Sans MT"/>
+              <a:sym typeface="Gill Sans MT"/>
+            </a:endParaRPr>
+          </a:p>
+          <a:p>
+            <a:pPr lvl="6" marL="0" indent="1371600">
               <a:spcBef>
-                <a:spcPts val="100"/>
+                <a:spcPts val="0"/>
               </a:spcBef>
               <a:buSzTx/>
               <a:buNone/>
-              <a:defRPr sz="2400">
+              <a:defRPr sz="2600">
                 <a:latin typeface="Courier New"/>
                 <a:ea typeface="Courier New"/>
                 <a:cs typeface="Courier New"/>
@@ -2655,32 +2898,77 @@
               </a:defRPr>
             </a:pPr>
             <a:r>
-              <a:t>A6: Hamiltonian(3) (since k=2)</a:t>
-            </a:r>
-          </a:p>
-          <a:p>
-            <a:pPr marL="0" indent="0">
+              <a:rPr i="1" u="sng">
+                <a:latin typeface="Gill Sans MT"/>
+                <a:ea typeface="Gill Sans MT"/>
+                <a:cs typeface="Gill Sans MT"/>
+                <a:sym typeface="Gill Sans MT"/>
+              </a:rPr>
+              <a:t>print</a:t>
+            </a:r>
+            <a:r>
+              <a:rPr>
+                <a:latin typeface="Gill Sans MT"/>
+                <a:ea typeface="Gill Sans MT"/>
+                <a:cs typeface="Gill Sans MT"/>
+                <a:sym typeface="Gill Sans MT"/>
+              </a:rPr>
+              <a:t> </a:t>
+            </a:r>
+            <a:r>
+              <a:t>x[i]                      …………A5</a:t>
+            </a:r>
+          </a:p>
+          <a:p>
+            <a:pPr lvl="2" marL="0" indent="457200">
               <a:spcBef>
-                <a:spcPts val="100"/>
+                <a:spcPts val="0"/>
               </a:spcBef>
               <a:buSzTx/>
               <a:buNone/>
-              <a:defRPr sz="2400">
+              <a:defRPr sz="2600">
                 <a:latin typeface="Courier New"/>
                 <a:ea typeface="Courier New"/>
                 <a:cs typeface="Courier New"/>
                 <a:sym typeface="Courier New"/>
               </a:defRPr>
             </a:pPr>
-          </a:p>
-          <a:p>
-            <a:pPr marL="0" indent="0">
+            <a:r>
+              <a:rPr i="1" u="sng">
+                <a:latin typeface="Gill Sans MT"/>
+                <a:ea typeface="Gill Sans MT"/>
+                <a:cs typeface="Gill Sans MT"/>
+                <a:sym typeface="Gill Sans MT"/>
+              </a:rPr>
+              <a:t>else</a:t>
+            </a:r>
+            <a:r>
+              <a:t> </a:t>
+            </a:r>
+            <a:r>
+              <a:rPr>
+                <a:latin typeface="Gill Sans MT"/>
+                <a:ea typeface="Gill Sans MT"/>
+                <a:cs typeface="Gill Sans MT"/>
+                <a:sym typeface="Gill Sans MT"/>
+              </a:rPr>
+              <a:t>// discover next node in the path</a:t>
+            </a:r>
+            <a:endParaRPr>
+              <a:latin typeface="Gill Sans MT"/>
+              <a:ea typeface="Gill Sans MT"/>
+              <a:cs typeface="Gill Sans MT"/>
+              <a:sym typeface="Gill Sans MT"/>
+            </a:endParaRPr>
+          </a:p>
+          <a:p>
+            <a:pPr lvl="4" marL="0" indent="914400">
               <a:spcBef>
-                <a:spcPts val="100"/>
+                <a:spcPts val="0"/>
               </a:spcBef>
               <a:buSzTx/>
               <a:buNone/>
-              <a:defRPr sz="2400">
+              <a:defRPr sz="2600">
                 <a:latin typeface="Courier New"/>
                 <a:ea typeface="Courier New"/>
                 <a:cs typeface="Courier New"/>
@@ -2688,217 +2976,38 @@
               </a:defRPr>
             </a:pPr>
             <a:r>
-              <a:t>A1: </a:t>
-            </a:r>
-            <a:r>
-              <a:rPr>
+              <a:t>Hamiltonian(k+1)                …………A6</a:t>
+            </a:r>
+          </a:p>
+          <a:p>
+            <a:pPr marL="0" indent="0">
+              <a:spcBef>
+                <a:spcPts val="0"/>
+              </a:spcBef>
+              <a:buSzTx/>
+              <a:buNone/>
+              <a:defRPr sz="2600">
                 <a:latin typeface="Gill Sans MT"/>
                 <a:ea typeface="Gill Sans MT"/>
                 <a:cs typeface="Gill Sans MT"/>
                 <a:sym typeface="Gill Sans MT"/>
-              </a:rPr>
-              <a:t>invoke</a:t>
-            </a:r>
-            <a:r>
-              <a:t> NextValue(3)</a:t>
-            </a:r>
-          </a:p>
-          <a:p>
-            <a:pPr lvl="1" marL="0" indent="228600">
-              <a:spcBef>
-                <a:spcPts val="100"/>
-              </a:spcBef>
-              <a:buSzTx/>
-              <a:buNone/>
-              <a:defRPr sz="2400">
+              </a:defRPr>
+            </a:pPr>
+            <a:r>
+              <a:rPr i="1" u="sng"/>
+              <a:t>while</a:t>
+            </a:r>
+            <a:r>
+              <a:t> </a:t>
+            </a:r>
+            <a:r>
+              <a:rPr>
                 <a:latin typeface="Courier New"/>
                 <a:ea typeface="Courier New"/>
                 <a:cs typeface="Courier New"/>
                 <a:sym typeface="Courier New"/>
-              </a:defRPr>
-            </a:pPr>
-            <a:r>
-              <a:t>N1:k=3→x[3]=(0+1)%9=1</a:t>
-            </a:r>
-          </a:p>
-          <a:p>
-            <a:pPr lvl="1" marL="0" indent="228600">
-              <a:spcBef>
-                <a:spcPts val="100"/>
-              </a:spcBef>
-              <a:buSzTx/>
-              <a:buNone/>
-              <a:defRPr sz="2400">
-                <a:latin typeface="Courier New"/>
-                <a:ea typeface="Courier New"/>
-                <a:cs typeface="Courier New"/>
-                <a:sym typeface="Courier New"/>
-              </a:defRPr>
-            </a:pPr>
-            <a:r>
-              <a:t>N2: x[k]==0 </a:t>
-            </a:r>
-            <a:r>
-              <a:rPr>
-                <a:latin typeface="Gill Sans MT"/>
-                <a:ea typeface="Gill Sans MT"/>
-                <a:cs typeface="Gill Sans MT"/>
-                <a:sym typeface="Gill Sans MT"/>
-              </a:rPr>
-              <a:t>(False)</a:t>
-            </a:r>
-            <a:endParaRPr>
-              <a:latin typeface="Gill Sans MT"/>
-              <a:ea typeface="Gill Sans MT"/>
-              <a:cs typeface="Gill Sans MT"/>
-              <a:sym typeface="Gill Sans MT"/>
-            </a:endParaRPr>
-          </a:p>
-          <a:p>
-            <a:pPr lvl="1" marL="0" indent="228600">
-              <a:spcBef>
-                <a:spcPts val="100"/>
-              </a:spcBef>
-              <a:buSzTx/>
-              <a:buNone/>
-              <a:defRPr sz="2400">
-                <a:latin typeface="Courier New"/>
-                <a:ea typeface="Courier New"/>
-                <a:cs typeface="Courier New"/>
-                <a:sym typeface="Courier New"/>
-              </a:defRPr>
-            </a:pPr>
-            <a:r>
-              <a:t>N3: G[x[2]][x[3]]→G[2][1]==1 (</a:t>
-            </a:r>
-            <a:r>
-              <a:rPr>
-                <a:latin typeface="Gill Sans MT"/>
-                <a:ea typeface="Gill Sans MT"/>
-                <a:cs typeface="Gill Sans MT"/>
-                <a:sym typeface="Gill Sans MT"/>
-              </a:rPr>
-              <a:t>True, edge exists)</a:t>
-            </a:r>
-            <a:endParaRPr>
-              <a:latin typeface="Gill Sans MT"/>
-              <a:ea typeface="Gill Sans MT"/>
-              <a:cs typeface="Gill Sans MT"/>
-              <a:sym typeface="Gill Sans MT"/>
-            </a:endParaRPr>
-          </a:p>
-          <a:p>
-            <a:pPr lvl="1" marL="0" indent="228600">
-              <a:spcBef>
-                <a:spcPts val="100"/>
-              </a:spcBef>
-              <a:buSzTx/>
-              <a:buNone/>
-              <a:defRPr sz="2400">
-                <a:latin typeface="Courier New"/>
-                <a:ea typeface="Courier New"/>
-                <a:cs typeface="Courier New"/>
-                <a:sym typeface="Courier New"/>
-              </a:defRPr>
-            </a:pPr>
-            <a:r>
-              <a:t>N4: j=1 (</a:t>
-            </a:r>
-            <a:r>
-              <a:rPr>
-                <a:latin typeface="Gill Sans MT"/>
-                <a:ea typeface="Gill Sans MT"/>
-                <a:cs typeface="Gill Sans MT"/>
-                <a:sym typeface="Gill Sans MT"/>
-              </a:rPr>
-              <a:t> iterates over </a:t>
-            </a:r>
-            <a:r>
-              <a:t>1, 2)</a:t>
-            </a:r>
-          </a:p>
-          <a:p>
-            <a:pPr lvl="1" marL="0" indent="228600">
-              <a:spcBef>
-                <a:spcPts val="100"/>
-              </a:spcBef>
-              <a:buSzTx/>
-              <a:buNone/>
-              <a:defRPr sz="2400">
-                <a:latin typeface="Courier New"/>
-                <a:ea typeface="Courier New"/>
-                <a:cs typeface="Courier New"/>
-                <a:sym typeface="Courier New"/>
-              </a:defRPr>
-            </a:pPr>
-            <a:r>
-              <a:t>N5: x[1]==x[3] (</a:t>
-            </a:r>
-            <a:r>
-              <a:rPr>
-                <a:latin typeface="Gill Sans MT"/>
-                <a:ea typeface="Gill Sans MT"/>
-                <a:cs typeface="Gill Sans MT"/>
-                <a:sym typeface="Gill Sans MT"/>
-              </a:rPr>
-              <a:t>True, </a:t>
-            </a:r>
-            <a:r>
-              <a:t>1=1</a:t>
-            </a:r>
-            <a:r>
-              <a:rPr>
-                <a:latin typeface="Gill Sans MT"/>
-                <a:ea typeface="Gill Sans MT"/>
-                <a:cs typeface="Gill Sans MT"/>
-                <a:sym typeface="Gill Sans MT"/>
-              </a:rPr>
-              <a:t>, node </a:t>
-            </a:r>
-            <a:r>
-              <a:t>1</a:t>
-            </a:r>
-            <a:r>
-              <a:rPr>
-                <a:latin typeface="Gill Sans MT"/>
-                <a:ea typeface="Gill Sans MT"/>
-                <a:cs typeface="Gill Sans MT"/>
-                <a:sym typeface="Gill Sans MT"/>
-              </a:rPr>
-              <a:t> already in path)</a:t>
-            </a:r>
-            <a:endParaRPr>
-              <a:latin typeface="Gill Sans MT"/>
-              <a:ea typeface="Gill Sans MT"/>
-              <a:cs typeface="Gill Sans MT"/>
-              <a:sym typeface="Gill Sans MT"/>
-            </a:endParaRPr>
-          </a:p>
-          <a:p>
-            <a:pPr lvl="1" marL="0" indent="228600">
-              <a:spcBef>
-                <a:spcPts val="100"/>
-              </a:spcBef>
-              <a:buSzTx/>
-              <a:buNone/>
-              <a:defRPr sz="2400">
-                <a:latin typeface="Courier New"/>
-                <a:ea typeface="Courier New"/>
-                <a:cs typeface="Courier New"/>
-                <a:sym typeface="Courier New"/>
-              </a:defRPr>
-            </a:pPr>
-            <a:r>
-              <a:t>N6: break (</a:t>
-            </a:r>
-            <a:r>
-              <a:rPr>
-                <a:latin typeface="Gill Sans MT"/>
-                <a:ea typeface="Gill Sans MT"/>
-                <a:cs typeface="Gill Sans MT"/>
-                <a:sym typeface="Gill Sans MT"/>
-              </a:rPr>
-              <a:t>Continue from do-while loop)</a:t>
+              </a:rPr>
+              <a:t>True</a:t>
             </a:r>
           </a:p>
         </p:txBody>
@@ -3018,7 +3127,7 @@
         </p:nvGrpSpPr>
         <p:grpSpPr>
           <a:xfrm>
-            <a:off x="994778" y="736393"/>
+            <a:off x="1028035" y="658678"/>
             <a:ext cx="7264972" cy="2300594"/>
             <a:chOff x="0" y="0"/>
             <a:chExt cx="7264971" cy="2300593"/>
@@ -3873,7 +3982,39 @@
                                       <p:cBhvr>
                                         <p:cTn id="6" fill="hold"/>
                                         <p:tgtEl>
-                                          <p:spTgt spid="170"/>
+                                          <p:spTgt spid="147">
+                                            <p:bg/>
+                                          </p:spTgt>
+                                        </p:tgtEl>
+                                        <p:attrNameLst>
+                                          <p:attrName>style.visibility</p:attrName>
+                                        </p:attrNameLst>
+                                      </p:cBhvr>
+                                      <p:to>
+                                        <p:strVal val="visible"/>
+                                      </p:to>
+                                    </p:set>
+                                  </p:childTnLst>
+                                </p:cTn>
+                              </p:par>
+                              <p:par>
+                                <p:cTn id="7" presetClass="entr" nodeType="withEffect" presetSubtype="0" presetID="1" grpId="1" fill="hold">
+                                  <p:stCondLst>
+                                    <p:cond delay="0"/>
+                                  </p:stCondLst>
+                                  <p:iterate type="el" backwards="0">
+                                    <p:tmAbs val="0"/>
+                                  </p:iterate>
+                                  <p:childTnLst>
+                                    <p:set>
+                                      <p:cBhvr>
+                                        <p:cTn id="8" fill="hold"/>
+                                        <p:tgtEl>
+                                          <p:spTgt spid="147">
+                                            <p:txEl>
+                                              <p:pRg st="0" end="0"/>
+                                            </p:txEl>
+                                          </p:spTgt>
                                         </p:tgtEl>
                                         <p:attrNameLst>
                                           <p:attrName>style.visibility</p:attrName>
@@ -3893,47 +4034,19 @@
                     </p:cTn>
                   </p:par>
                   <p:par>
-                    <p:cTn id="7" fill="hold">
+                    <p:cTn id="9" fill="hold">
                       <p:stCondLst>
                         <p:cond delay="indefinite"/>
                       </p:stCondLst>
                       <p:childTnLst>
                         <p:par>
-                          <p:cTn id="8" fill="hold">
+                          <p:cTn id="10" fill="hold">
                             <p:stCondLst>
                               <p:cond delay="0"/>
                             </p:stCondLst>
                             <p:childTnLst>
                               <p:par>
-                                <p:cTn id="9" presetClass="entr" nodeType="clickEffect" presetSubtype="0" presetID="1" grpId="2" fill="hold">
-                                  <p:stCondLst>
-                                    <p:cond delay="0"/>
-                                  </p:stCondLst>
-                                  <p:iterate type="el" backwards="0">
-                                    <p:tmAbs val="0"/>
-                                  </p:iterate>
-                                  <p:childTnLst>
-                                    <p:set>
-                                      <p:cBhvr>
-                                        <p:cTn id="10" fill="hold"/>
-                                        <p:tgtEl>
-                                          <p:spTgt spid="147">
-                                            <p:bg/>
-                                          </p:spTgt>
-                                        </p:tgtEl>
-                                        <p:attrNameLst>
-                                          <p:attrName>style.visibility</p:attrName>
-                                        </p:attrNameLst>
-                                      </p:cBhvr>
-                                      <p:to>
-                                        <p:strVal val="visible"/>
-                                      </p:to>
-                                    </p:set>
-                                  </p:childTnLst>
-                                </p:cTn>
-                              </p:par>
-                              <p:par>
-                                <p:cTn id="11" presetClass="entr" nodeType="withEffect" presetSubtype="0" presetID="1" grpId="2" fill="hold">
+                                <p:cTn id="11" presetClass="entr" nodeType="clickEffect" presetSubtype="0" presetID="1" grpId="1" fill="hold">
                                   <p:stCondLst>
                                     <p:cond delay="0"/>
                                   </p:stCondLst>
@@ -3947,7 +4060,7 @@
                                         <p:tgtEl>
                                           <p:spTgt spid="147">
                                             <p:txEl>
-                                              <p:pRg st="0" end="0"/>
+                                              <p:pRg st="1" end="1"/>
                                             </p:txEl>
                                           </p:spTgt>
                                         </p:tgtEl>
@@ -3981,7 +4094,7 @@
                             </p:stCondLst>
                             <p:childTnLst>
                               <p:par>
-                                <p:cTn id="15" presetClass="entr" nodeType="clickEffect" presetSubtype="0" presetID="1" grpId="2" fill="hold">
+                                <p:cTn id="15" presetClass="entr" nodeType="clickEffect" presetSubtype="0" presetID="1" grpId="1" fill="hold">
                                   <p:stCondLst>
                                     <p:cond delay="0"/>
                                   </p:stCondLst>
@@ -3995,7 +4108,7 @@
                                         <p:tgtEl>
                                           <p:spTgt spid="147">
                                             <p:txEl>
-                                              <p:pRg st="1" end="1"/>
+                                              <p:pRg st="2" end="2"/>
                                             </p:txEl>
                                           </p:spTgt>
                                         </p:tgtEl>
@@ -4029,7 +4142,7 @@
                             </p:stCondLst>
                             <p:childTnLst>
                               <p:par>
-                                <p:cTn id="19" presetClass="entr" nodeType="clickEffect" presetSubtype="0" presetID="1" grpId="2" fill="hold">
+                                <p:cTn id="19" presetClass="entr" nodeType="clickEffect" presetSubtype="0" presetID="1" grpId="1" fill="hold">
                                   <p:stCondLst>
                                     <p:cond delay="0"/>
                                   </p:stCondLst>
@@ -4043,7 +4156,7 @@
                                         <p:tgtEl>
                                           <p:spTgt spid="147">
                                             <p:txEl>
-                                              <p:pRg st="2" end="2"/>
+                                              <p:pRg st="3" end="3"/>
                                             </p:txEl>
                                           </p:spTgt>
                                         </p:tgtEl>
@@ -4077,7 +4190,7 @@
                             </p:stCondLst>
                             <p:childTnLst>
                               <p:par>
-                                <p:cTn id="23" presetClass="entr" nodeType="clickEffect" presetSubtype="0" presetID="1" grpId="2" fill="hold">
+                                <p:cTn id="23" presetClass="entr" nodeType="clickEffect" presetSubtype="0" presetID="1" grpId="1" fill="hold">
                                   <p:stCondLst>
                                     <p:cond delay="0"/>
                                   </p:stCondLst>
@@ -4091,7 +4204,7 @@
                                         <p:tgtEl>
                                           <p:spTgt spid="147">
                                             <p:txEl>
-                                              <p:pRg st="3" end="3"/>
+                                              <p:pRg st="4" end="4"/>
                                             </p:txEl>
                                           </p:spTgt>
                                         </p:tgtEl>
@@ -4125,7 +4238,7 @@
                             </p:stCondLst>
                             <p:childTnLst>
                               <p:par>
-                                <p:cTn id="27" presetClass="entr" nodeType="clickEffect" presetSubtype="0" presetID="1" grpId="2" fill="hold">
+                                <p:cTn id="27" presetClass="entr" nodeType="clickEffect" presetSubtype="0" presetID="1" grpId="1" fill="hold">
                                   <p:stCondLst>
                                     <p:cond delay="0"/>
                                   </p:stCondLst>
@@ -4139,7 +4252,7 @@
                                         <p:tgtEl>
                                           <p:spTgt spid="147">
                                             <p:txEl>
-                                              <p:pRg st="4" end="4"/>
+                                              <p:pRg st="5" end="5"/>
                                             </p:txEl>
                                           </p:spTgt>
                                         </p:tgtEl>
@@ -4173,7 +4286,7 @@
                             </p:stCondLst>
                             <p:childTnLst>
                               <p:par>
-                                <p:cTn id="31" presetClass="entr" nodeType="clickEffect" presetSubtype="0" presetID="1" grpId="2" fill="hold">
+                                <p:cTn id="31" presetClass="entr" nodeType="clickEffect" presetSubtype="0" presetID="1" grpId="1" fill="hold">
                                   <p:stCondLst>
                                     <p:cond delay="0"/>
                                   </p:stCondLst>
@@ -4187,7 +4300,7 @@
                                         <p:tgtEl>
                                           <p:spTgt spid="147">
                                             <p:txEl>
-                                              <p:pRg st="5" end="5"/>
+                                              <p:pRg st="6" end="6"/>
                                             </p:txEl>
                                           </p:spTgt>
                                         </p:tgtEl>
@@ -4221,7 +4334,7 @@
                             </p:stCondLst>
                             <p:childTnLst>
                               <p:par>
-                                <p:cTn id="35" presetClass="entr" nodeType="clickEffect" presetSubtype="0" presetID="1" grpId="2" fill="hold">
+                                <p:cTn id="35" presetClass="entr" nodeType="clickEffect" presetSubtype="0" presetID="1" grpId="1" fill="hold">
                                   <p:stCondLst>
                                     <p:cond delay="0"/>
                                   </p:stCondLst>
@@ -4235,7 +4348,7 @@
                                         <p:tgtEl>
                                           <p:spTgt spid="147">
                                             <p:txEl>
-                                              <p:pRg st="6" end="6"/>
+                                              <p:pRg st="7" end="7"/>
                                             </p:txEl>
                                           </p:spTgt>
                                         </p:tgtEl>
@@ -4269,7 +4382,7 @@
                             </p:stCondLst>
                             <p:childTnLst>
                               <p:par>
-                                <p:cTn id="39" presetClass="entr" nodeType="clickEffect" presetSubtype="0" presetID="1" grpId="2" fill="hold">
+                                <p:cTn id="39" presetClass="entr" nodeType="clickEffect" presetSubtype="0" presetID="1" grpId="1" fill="hold">
                                   <p:stCondLst>
                                     <p:cond delay="0"/>
                                   </p:stCondLst>
@@ -4283,7 +4396,7 @@
                                         <p:tgtEl>
                                           <p:spTgt spid="147">
                                             <p:txEl>
-                                              <p:pRg st="7" end="7"/>
+                                              <p:pRg st="8" end="8"/>
                                             </p:txEl>
                                           </p:spTgt>
                                         </p:tgtEl>
@@ -4317,7 +4430,7 @@
                             </p:stCondLst>
                             <p:childTnLst>
                               <p:par>
-                                <p:cTn id="43" presetClass="entr" nodeType="clickEffect" presetSubtype="0" presetID="1" grpId="2" fill="hold">
+                                <p:cTn id="43" presetClass="entr" nodeType="clickEffect" presetSubtype="0" presetID="1" grpId="1" fill="hold">
                                   <p:stCondLst>
                                     <p:cond delay="0"/>
                                   </p:stCondLst>
@@ -4331,7 +4444,7 @@
                                         <p:tgtEl>
                                           <p:spTgt spid="147">
                                             <p:txEl>
-                                              <p:pRg st="8" end="8"/>
+                                              <p:pRg st="9" end="9"/>
                                             </p:txEl>
                                           </p:spTgt>
                                         </p:tgtEl>
@@ -4365,7 +4478,7 @@
                             </p:stCondLst>
                             <p:childTnLst>
                               <p:par>
-                                <p:cTn id="47" presetClass="entr" nodeType="clickEffect" presetSubtype="0" presetID="1" grpId="2" fill="hold">
+                                <p:cTn id="47" presetClass="entr" nodeType="clickEffect" presetSubtype="0" presetID="1" grpId="1" fill="hold">
                                   <p:stCondLst>
                                     <p:cond delay="0"/>
                                   </p:stCondLst>
@@ -4379,7 +4492,7 @@
                                         <p:tgtEl>
                                           <p:spTgt spid="147">
                                             <p:txEl>
-                                              <p:pRg st="9" end="9"/>
+                                              <p:pRg st="10" end="10"/>
                                             </p:txEl>
                                           </p:spTgt>
                                         </p:tgtEl>
@@ -4425,11 +4538,7 @@
                                       <p:cBhvr>
                                         <p:cTn id="52" fill="hold"/>
                                         <p:tgtEl>
-                                          <p:spTgt spid="147">
-                                            <p:txEl>
-                                              <p:pRg st="10" end="10"/>
-                                            </p:txEl>
-                                          </p:spTgt>
+                                          <p:spTgt spid="170"/>
                                         </p:tgtEl>
                                         <p:attrNameLst>
                                           <p:attrName>style.visibility</p:attrName>
@@ -4470,8 +4579,8 @@
       </p:par>
     </p:tnLst>
     <p:bldLst>
-      <p:bldP build="whole" bldLvl="1" animBg="1" rev="0" advAuto="0" spid="170" grpId="1"/>
-      <p:bldP build="p" bldLvl="5" animBg="1" rev="0" advAuto="0" spid="147" grpId="2"/>
+      <p:bldP build="p" bldLvl="5" animBg="1" rev="0" advAuto="0" spid="147" grpId="1"/>
+      <p:bldP build="whole" bldLvl="1" animBg="1" rev="0" advAuto="0" spid="170" grpId="2"/>
     </p:bldLst>
   </p:timing>
 </p:sld>
@@ -4524,7 +4633,7 @@
       </p:sp>
       <p:sp>
         <p:nvSpPr>
-          <p:cNvPr id="174" name="N6: break (Continue from do-while loop)…"/>
+          <p:cNvPr id="174" name="A2: x[K]==0 (False since k=2, x[2]=2)…"/>
           <p:cNvSpPr txBox="1"/>
           <p:nvPr>
             <p:ph type="body" idx="1"/>
@@ -4532,8 +4641,8 @@
         </p:nvSpPr>
         <p:spPr>
           <a:xfrm>
-            <a:off x="552194" y="2370388"/>
-            <a:ext cx="9055612" cy="4630291"/>
+            <a:off x="666288" y="3141971"/>
+            <a:ext cx="9055611" cy="3930619"/>
           </a:xfrm>
           <a:prstGeom prst="rect">
             <a:avLst/>
@@ -4543,7 +4652,7 @@
           <a:bodyPr/>
           <a:lstStyle/>
           <a:p>
-            <a:pPr lvl="2" marL="0" indent="457200">
+            <a:pPr marL="0" indent="0">
               <a:spcBef>
                 <a:spcPts val="100"/>
               </a:spcBef>
@@ -4557,7 +4666,7 @@
               </a:defRPr>
             </a:pPr>
             <a:r>
-              <a:t>N6: break (</a:t>
+              <a:t>A2: x[K]==0 </a:t>
             </a:r>
             <a:r>
               <a:rPr>
@@ -4566,7 +4675,31 @@
                 <a:cs typeface="Gill Sans MT"/>
                 <a:sym typeface="Gill Sans MT"/>
               </a:rPr>
-              <a:t>Continue from do-while loop)</a:t>
+              <a:t>(False since </a:t>
+            </a:r>
+            <a:r>
+              <a:t>k=2</a:t>
+            </a:r>
+            <a:r>
+              <a:rPr>
+                <a:latin typeface="Gill Sans MT"/>
+                <a:ea typeface="Gill Sans MT"/>
+                <a:cs typeface="Gill Sans MT"/>
+                <a:sym typeface="Gill Sans MT"/>
+              </a:rPr>
+              <a:t>, </a:t>
+            </a:r>
+            <a:r>
+              <a:t>x[2]=2</a:t>
+            </a:r>
+            <a:r>
+              <a:rPr>
+                <a:latin typeface="Gill Sans MT"/>
+                <a:ea typeface="Gill Sans MT"/>
+                <a:cs typeface="Gill Sans MT"/>
+                <a:sym typeface="Gill Sans MT"/>
+              </a:rPr>
+              <a:t>)</a:t>
             </a:r>
             <a:endParaRPr>
               <a:latin typeface="Gill Sans MT"/>
@@ -4576,7 +4709,7 @@
             </a:endParaRPr>
           </a:p>
           <a:p>
-            <a:pPr lvl="2" marL="0" indent="457200">
+            <a:pPr marL="0" indent="0">
               <a:spcBef>
                 <a:spcPts val="100"/>
               </a:spcBef>
@@ -4590,11 +4723,23 @@
               </a:defRPr>
             </a:pPr>
             <a:r>
-              <a:t>N1: k=3, x[k]=(1+1)%9=2</a:t>
-            </a:r>
-          </a:p>
-          <a:p>
-            <a:pPr lvl="2" marL="0" indent="457200">
+              <a:t>A3: k==n (</a:t>
+            </a:r>
+            <a:r>
+              <a:rPr>
+                <a:latin typeface="Gill Sans MT"/>
+                <a:ea typeface="Gill Sans MT"/>
+                <a:cs typeface="Gill Sans MT"/>
+                <a:sym typeface="Gill Sans MT"/>
+              </a:rPr>
+              <a:t>False since</a:t>
+            </a:r>
+            <a:r>
+              <a:t> k=2, n=8)</a:t>
+            </a:r>
+          </a:p>
+          <a:p>
+            <a:pPr marL="0" indent="0">
               <a:spcBef>
                 <a:spcPts val="100"/>
               </a:spcBef>
@@ -4608,20 +4753,11 @@
               </a:defRPr>
             </a:pPr>
             <a:r>
-              <a:t>N2: x[k]==0 </a:t>
-            </a:r>
-            <a:r>
-              <a:rPr>
-                <a:latin typeface="Gill Sans MT"/>
-                <a:ea typeface="Gill Sans MT"/>
-                <a:cs typeface="Gill Sans MT"/>
-                <a:sym typeface="Gill Sans MT"/>
-              </a:rPr>
-              <a:t>False</a:t>
-            </a:r>
-          </a:p>
-          <a:p>
-            <a:pPr lvl="2" marL="0" indent="457200">
+              <a:t>A6: Hamiltonian(3) (since k=2)</a:t>
+            </a:r>
+          </a:p>
+          <a:p>
+            <a:pPr marL="0" indent="0">
               <a:spcBef>
                 <a:spcPts val="100"/>
               </a:spcBef>
@@ -4634,24 +4770,9 @@
                 <a:sym typeface="Courier New"/>
               </a:defRPr>
             </a:pPr>
-            <a:r>
-              <a:t>N3: G[x[2]][x[3]]→G[2][2]==1 (</a:t>
-            </a:r>
-            <a:r>
-              <a:rPr>
-                <a:latin typeface="Gill Sans MT"/>
-                <a:ea typeface="Gill Sans MT"/>
-                <a:cs typeface="Gill Sans MT"/>
-                <a:sym typeface="Gill Sans MT"/>
-              </a:rPr>
-              <a:t>False no self edge</a:t>
-            </a:r>
-            <a:r>
-              <a:t>)</a:t>
-            </a:r>
-          </a:p>
-          <a:p>
-            <a:pPr lvl="4" marL="0" indent="914400">
+          </a:p>
+          <a:p>
+            <a:pPr marL="0" indent="0">
               <a:spcBef>
                 <a:spcPts val="100"/>
               </a:spcBef>
@@ -4665,20 +4786,23 @@
               </a:defRPr>
             </a:pPr>
             <a:r>
+              <a:t>A1: </a:t>
+            </a:r>
+            <a:r>
               <a:rPr>
                 <a:latin typeface="Gill Sans MT"/>
                 <a:ea typeface="Gill Sans MT"/>
                 <a:cs typeface="Gill Sans MT"/>
                 <a:sym typeface="Gill Sans MT"/>
               </a:rPr>
-              <a:t>Go to next iteration of do-while</a:t>
-            </a:r>
-            <a:r>
-              <a:t> </a:t>
-            </a:r>
-          </a:p>
-          <a:p>
-            <a:pPr lvl="2" marL="0" indent="457200">
+              <a:t>invoke</a:t>
+            </a:r>
+            <a:r>
+              <a:t> NextValue(3)</a:t>
+            </a:r>
+          </a:p>
+          <a:p>
+            <a:pPr lvl="1" marL="0" indent="228600">
               <a:spcBef>
                 <a:spcPts val="100"/>
               </a:spcBef>
@@ -4692,11 +4816,11 @@
               </a:defRPr>
             </a:pPr>
             <a:r>
-              <a:t>N1:k=3, x[3]=(2+1)%9=3</a:t>
-            </a:r>
-          </a:p>
-          <a:p>
-            <a:pPr lvl="2" marL="0" indent="457200">
+              <a:t>N1:k=3→x[3]=(0+1)%9=1</a:t>
+            </a:r>
+          </a:p>
+          <a:p>
+            <a:pPr lvl="1" marL="0" indent="228600">
               <a:spcBef>
                 <a:spcPts val="100"/>
               </a:spcBef>
@@ -4710,7 +4834,7 @@
               </a:defRPr>
             </a:pPr>
             <a:r>
-              <a:t>N2: x[3]==0 (</a:t>
+              <a:t>N2: x[k]==0 </a:t>
             </a:r>
             <a:r>
               <a:rPr>
@@ -4719,7 +4843,7 @@
                 <a:cs typeface="Gill Sans MT"/>
                 <a:sym typeface="Gill Sans MT"/>
               </a:rPr>
-              <a:t>False)</a:t>
+              <a:t>(False)</a:t>
             </a:r>
             <a:endParaRPr>
               <a:latin typeface="Gill Sans MT"/>
@@ -4729,7 +4853,7 @@
             </a:endParaRPr>
           </a:p>
           <a:p>
-            <a:pPr lvl="2" marL="0" indent="457200">
+            <a:pPr lvl="1" marL="0" indent="228600">
               <a:spcBef>
                 <a:spcPts val="100"/>
               </a:spcBef>
@@ -4743,7 +4867,7 @@
               </a:defRPr>
             </a:pPr>
             <a:r>
-              <a:t>N3: G[G[x[2]][x[3]]→G[2][3]==1(</a:t>
+              <a:t>N3: G[x[2]][x[3]]→G[2][1]==1 (</a:t>
             </a:r>
             <a:r>
               <a:rPr>
@@ -4752,7 +4876,7 @@
                 <a:cs typeface="Gill Sans MT"/>
                 <a:sym typeface="Gill Sans MT"/>
               </a:rPr>
-              <a:t>True)</a:t>
+              <a:t>True, edge exists)</a:t>
             </a:r>
             <a:endParaRPr>
               <a:latin typeface="Gill Sans MT"/>
@@ -4762,7 +4886,7 @@
             </a:endParaRPr>
           </a:p>
           <a:p>
-            <a:pPr lvl="2" marL="0" indent="457200">
+            <a:pPr lvl="1" marL="0" indent="228600">
               <a:spcBef>
                 <a:spcPts val="100"/>
               </a:spcBef>
@@ -4785,14 +4909,14 @@
                 <a:cs typeface="Gill Sans MT"/>
                 <a:sym typeface="Gill Sans MT"/>
               </a:rPr>
-              <a:t>iterate over </a:t>
+              <a:t> iterates over </a:t>
             </a:r>
             <a:r>
               <a:t>1, 2)</a:t>
             </a:r>
           </a:p>
           <a:p>
-            <a:pPr lvl="3" marL="0" indent="685800">
+            <a:pPr lvl="1" marL="0" indent="228600">
               <a:spcBef>
                 <a:spcPts val="100"/>
               </a:spcBef>
@@ -4806,7 +4930,7 @@
               </a:defRPr>
             </a:pPr>
             <a:r>
-              <a:t>N5: x[j]==x[k] (</a:t>
+              <a:t>N5: x[1]==x[3] (</a:t>
             </a:r>
             <a:r>
               <a:rPr>
@@ -4815,11 +4939,10 @@
                 <a:cs typeface="Gill Sans MT"/>
                 <a:sym typeface="Gill Sans MT"/>
               </a:rPr>
-              <a:t>False </a:t>
-            </a:r>
-            <a:r>
-              <a:rPr sz="2200"/>
-              <a:t>j=1,k=3</a:t>
+              <a:t>True, </a:t>
+            </a:r>
+            <a:r>
+              <a:t>1=1</a:t>
             </a:r>
             <a:r>
               <a:rPr>
@@ -4828,10 +4951,10 @@
                 <a:cs typeface="Gill Sans MT"/>
                 <a:sym typeface="Gill Sans MT"/>
               </a:rPr>
-              <a:t> and </a:t>
-            </a:r>
-            <a:r>
-              <a:t>x[1]=1,x[3]=3</a:t>
+              <a:t>, node </a:t>
+            </a:r>
+            <a:r>
+              <a:t>1</a:t>
             </a:r>
             <a:r>
               <a:rPr>
@@ -4840,7 +4963,7 @@
                 <a:cs typeface="Gill Sans MT"/>
                 <a:sym typeface="Gill Sans MT"/>
               </a:rPr>
-              <a:t>)</a:t>
+              <a:t> already in path)</a:t>
             </a:r>
             <a:endParaRPr>
               <a:latin typeface="Gill Sans MT"/>
@@ -4850,7 +4973,7 @@
             </a:endParaRPr>
           </a:p>
           <a:p>
-            <a:pPr lvl="2" marL="0" indent="457200">
+            <a:pPr lvl="1" marL="0" indent="228600">
               <a:spcBef>
                 <a:spcPts val="100"/>
               </a:spcBef>
@@ -4864,25 +4987,7 @@
               </a:defRPr>
             </a:pPr>
             <a:r>
-              <a:t>N4: j=2</a:t>
-            </a:r>
-          </a:p>
-          <a:p>
-            <a:pPr lvl="3" marL="0" indent="685800">
-              <a:spcBef>
-                <a:spcPts val="100"/>
-              </a:spcBef>
-              <a:buSzTx/>
-              <a:buNone/>
-              <a:defRPr sz="2400">
-                <a:latin typeface="Courier New"/>
-                <a:ea typeface="Courier New"/>
-                <a:cs typeface="Courier New"/>
-                <a:sym typeface="Courier New"/>
-              </a:defRPr>
-            </a:pPr>
-            <a:r>
-              <a:t>N5: x[j]==x[k]</a:t>
+              <a:t>N6: break (</a:t>
             </a:r>
             <a:r>
               <a:rPr>
@@ -4891,85 +4996,7 @@
                 <a:cs typeface="Gill Sans MT"/>
                 <a:sym typeface="Gill Sans MT"/>
               </a:rPr>
-              <a:t> </a:t>
-            </a:r>
-            <a:r>
-              <a:t>(</a:t>
-            </a:r>
-            <a:r>
-              <a:rPr>
-                <a:latin typeface="Gill Sans MT"/>
-                <a:ea typeface="Gill Sans MT"/>
-                <a:cs typeface="Gill Sans MT"/>
-                <a:sym typeface="Gill Sans MT"/>
-              </a:rPr>
-              <a:t>False </a:t>
-            </a:r>
-            <a:r>
-              <a:rPr sz="2200"/>
-              <a:t>j=2,k=3</a:t>
-            </a:r>
-            <a:r>
-              <a:rPr>
-                <a:latin typeface="Gill Sans MT"/>
-                <a:ea typeface="Gill Sans MT"/>
-                <a:cs typeface="Gill Sans MT"/>
-                <a:sym typeface="Gill Sans MT"/>
-              </a:rPr>
-              <a:t> and </a:t>
-            </a:r>
-            <a:r>
-              <a:t>x[2]=2,x[3]=3</a:t>
-            </a:r>
-            <a:r>
-              <a:rPr>
-                <a:latin typeface="Gill Sans MT"/>
-                <a:ea typeface="Gill Sans MT"/>
-                <a:cs typeface="Gill Sans MT"/>
-                <a:sym typeface="Gill Sans MT"/>
-              </a:rPr>
-              <a:t>)</a:t>
-            </a:r>
-            <a:endParaRPr>
-              <a:latin typeface="Gill Sans MT"/>
-              <a:ea typeface="Gill Sans MT"/>
-              <a:cs typeface="Gill Sans MT"/>
-              <a:sym typeface="Gill Sans MT"/>
-            </a:endParaRPr>
-          </a:p>
-          <a:p>
-            <a:pPr lvl="2" marL="0" indent="457200">
-              <a:spcBef>
-                <a:spcPts val="100"/>
-              </a:spcBef>
-              <a:buSzTx/>
-              <a:buNone/>
-              <a:defRPr sz="2400">
-                <a:latin typeface="Courier New"/>
-                <a:ea typeface="Courier New"/>
-                <a:cs typeface="Courier New"/>
-                <a:sym typeface="Courier New"/>
-              </a:defRPr>
-            </a:pPr>
-            <a:r>
-              <a:t>N4: j=3 </a:t>
-            </a:r>
-            <a:r>
-              <a:rPr sz="2200"/>
-              <a:t>(</a:t>
-            </a:r>
-            <a:r>
-              <a:rPr sz="2200">
-                <a:latin typeface="Gill Sans MT"/>
-                <a:ea typeface="Gill Sans MT"/>
-                <a:cs typeface="Gill Sans MT"/>
-                <a:sym typeface="Gill Sans MT"/>
-              </a:rPr>
-              <a:t>loop condition breaks</a:t>
-            </a:r>
-            <a:r>
-              <a:rPr sz="2200"/>
-              <a:t>)</a:t>
+              <a:t>Continue from do-while loop)</a:t>
             </a:r>
           </a:p>
         </p:txBody>
@@ -5089,10 +5116,10 @@
         </p:nvGrpSpPr>
         <p:grpSpPr>
           <a:xfrm>
-            <a:off x="1028035" y="601669"/>
-            <a:ext cx="8398631" cy="1785761"/>
+            <a:off x="994778" y="736393"/>
+            <a:ext cx="7264972" cy="2300594"/>
             <a:chOff x="0" y="0"/>
-            <a:chExt cx="8398630" cy="1785760"/>
+            <a:chExt cx="7264971" cy="2300593"/>
           </a:xfrm>
         </p:grpSpPr>
         <p:sp>
@@ -5103,8 +5130,8 @@
           </p:nvSpPr>
           <p:spPr>
             <a:xfrm>
-              <a:off x="0" y="313983"/>
-              <a:ext cx="629262" cy="408094"/>
+              <a:off x="0" y="404505"/>
+              <a:ext cx="544323" cy="525746"/>
             </a:xfrm>
             <a:prstGeom prst="ellipse">
               <a:avLst/>
@@ -5130,7 +5157,7 @@
             </a:bodyPr>
             <a:lstStyle>
               <a:lvl1pPr algn="ctr">
-                <a:defRPr sz="1800">
+                <a:defRPr sz="2400">
                   <a:latin typeface="Arial"/>
                   <a:ea typeface="Arial"/>
                   <a:cs typeface="Arial"/>
@@ -5154,8 +5181,8 @@
           </p:nvSpPr>
           <p:spPr>
             <a:xfrm>
-              <a:off x="2069143" y="313983"/>
-              <a:ext cx="629263" cy="408094"/>
+              <a:off x="1789847" y="404505"/>
+              <a:ext cx="544324" cy="525746"/>
             </a:xfrm>
             <a:prstGeom prst="ellipse">
               <a:avLst/>
@@ -5181,7 +5208,7 @@
             </a:bodyPr>
             <a:lstStyle>
               <a:lvl1pPr algn="ctr">
-                <a:defRPr sz="1800">
+                <a:defRPr sz="2400">
                   <a:latin typeface="Arial"/>
                   <a:ea typeface="Arial"/>
                   <a:cs typeface="Arial"/>
@@ -5205,8 +5232,8 @@
           </p:nvSpPr>
           <p:spPr>
             <a:xfrm>
-              <a:off x="5587000" y="313983"/>
-              <a:ext cx="629262" cy="408094"/>
+              <a:off x="4832859" y="404505"/>
+              <a:ext cx="544324" cy="525746"/>
             </a:xfrm>
             <a:prstGeom prst="ellipse">
               <a:avLst/>
@@ -5232,7 +5259,7 @@
             </a:bodyPr>
             <a:lstStyle>
               <a:lvl1pPr algn="ctr">
-                <a:defRPr sz="1800">
+                <a:defRPr sz="2400">
                   <a:latin typeface="Arial"/>
                   <a:ea typeface="Arial"/>
                   <a:cs typeface="Arial"/>
@@ -5256,8 +5283,8 @@
           </p:nvSpPr>
           <p:spPr>
             <a:xfrm>
-              <a:off x="7703986" y="313983"/>
-              <a:ext cx="629262" cy="408094"/>
+              <a:off x="6664090" y="404505"/>
+              <a:ext cx="544324" cy="525746"/>
             </a:xfrm>
             <a:prstGeom prst="ellipse">
               <a:avLst/>
@@ -5283,7 +5310,7 @@
             </a:bodyPr>
             <a:lstStyle>
               <a:lvl1pPr algn="ctr">
-                <a:defRPr sz="1800">
+                <a:defRPr sz="2400">
                   <a:latin typeface="Arial"/>
                   <a:ea typeface="Arial"/>
                   <a:cs typeface="Arial"/>
@@ -5307,8 +5334,8 @@
           </p:nvSpPr>
           <p:spPr>
             <a:xfrm>
-              <a:off x="50701" y="1377667"/>
-              <a:ext cx="629262" cy="408094"/>
+              <a:off x="43857" y="1774847"/>
+              <a:ext cx="544324" cy="525747"/>
             </a:xfrm>
             <a:prstGeom prst="ellipse">
               <a:avLst/>
@@ -5334,7 +5361,7 @@
             </a:bodyPr>
             <a:lstStyle>
               <a:lvl1pPr algn="ctr">
-                <a:defRPr sz="1800">
+                <a:defRPr sz="2400">
                   <a:latin typeface="Arial"/>
                   <a:ea typeface="Arial"/>
                   <a:cs typeface="Arial"/>
@@ -5358,8 +5385,8 @@
           </p:nvSpPr>
           <p:spPr>
             <a:xfrm>
-              <a:off x="2119845" y="1377667"/>
-              <a:ext cx="629262" cy="408094"/>
+              <a:off x="1833705" y="1774847"/>
+              <a:ext cx="544324" cy="525747"/>
             </a:xfrm>
             <a:prstGeom prst="ellipse">
               <a:avLst/>
@@ -5385,7 +5412,7 @@
             </a:bodyPr>
             <a:lstStyle>
               <a:lvl1pPr algn="ctr">
-                <a:defRPr sz="1800">
+                <a:defRPr sz="2400">
                   <a:latin typeface="Arial"/>
                   <a:ea typeface="Arial"/>
                   <a:cs typeface="Arial"/>
@@ -5409,8 +5436,8 @@
           </p:nvSpPr>
           <p:spPr>
             <a:xfrm>
-              <a:off x="5637701" y="1377667"/>
-              <a:ext cx="629263" cy="408094"/>
+              <a:off x="4876716" y="1774847"/>
+              <a:ext cx="544324" cy="525747"/>
             </a:xfrm>
             <a:prstGeom prst="ellipse">
               <a:avLst/>
@@ -5436,7 +5463,7 @@
             </a:bodyPr>
             <a:lstStyle>
               <a:lvl1pPr algn="ctr">
-                <a:defRPr sz="1800">
+                <a:defRPr sz="2400">
                   <a:latin typeface="Arial"/>
                   <a:ea typeface="Arial"/>
                   <a:cs typeface="Arial"/>
@@ -5460,8 +5487,8 @@
           </p:nvSpPr>
           <p:spPr>
             <a:xfrm>
-              <a:off x="7769369" y="1377667"/>
-              <a:ext cx="629262" cy="408094"/>
+              <a:off x="6720648" y="1774847"/>
+              <a:ext cx="544324" cy="525747"/>
             </a:xfrm>
             <a:prstGeom prst="ellipse">
               <a:avLst/>
@@ -5487,7 +5514,7 @@
             </a:bodyPr>
             <a:lstStyle>
               <a:lvl1pPr algn="ctr">
-                <a:defRPr sz="1800">
+                <a:defRPr sz="2400">
                   <a:latin typeface="Arial"/>
                   <a:ea typeface="Arial"/>
                   <a:cs typeface="Arial"/>
@@ -5511,8 +5538,8 @@
           </p:nvSpPr>
           <p:spPr>
             <a:xfrm>
-              <a:off x="703204" y="1583349"/>
-              <a:ext cx="1438815" cy="1"/>
+              <a:off x="608285" y="2039827"/>
+              <a:ext cx="1244601" cy="1"/>
             </a:xfrm>
             <a:prstGeom prst="line">
               <a:avLst/>
@@ -5545,8 +5572,8 @@
           </p:nvSpPr>
           <p:spPr>
             <a:xfrm>
-              <a:off x="6216796" y="518030"/>
-              <a:ext cx="1438815" cy="1"/>
+              <a:off x="5377644" y="667377"/>
+              <a:ext cx="1244601" cy="1"/>
             </a:xfrm>
             <a:prstGeom prst="line">
               <a:avLst/>
@@ -5579,8 +5606,8 @@
           </p:nvSpPr>
           <p:spPr>
             <a:xfrm>
-              <a:off x="629796" y="522291"/>
-              <a:ext cx="1438814" cy="1"/>
+              <a:off x="544785" y="672867"/>
+              <a:ext cx="1244601" cy="1"/>
             </a:xfrm>
             <a:prstGeom prst="line">
               <a:avLst/>
@@ -5613,8 +5640,8 @@
           </p:nvSpPr>
           <p:spPr>
             <a:xfrm>
-              <a:off x="6216796" y="1581713"/>
-              <a:ext cx="1438815" cy="1"/>
+              <a:off x="5377644" y="2037720"/>
+              <a:ext cx="1244601" cy="1"/>
             </a:xfrm>
             <a:prstGeom prst="line">
               <a:avLst/>
@@ -5647,8 +5674,8 @@
           </p:nvSpPr>
           <p:spPr>
             <a:xfrm>
-              <a:off x="452152" y="724037"/>
-              <a:ext cx="1794102" cy="720277"/>
+              <a:off x="391120" y="932776"/>
+              <a:ext cx="1551931" cy="927933"/>
             </a:xfrm>
             <a:prstGeom prst="line">
               <a:avLst/>
@@ -5681,8 +5708,8 @@
           </p:nvSpPr>
           <p:spPr>
             <a:xfrm>
-              <a:off x="2704508" y="518030"/>
-              <a:ext cx="2876390" cy="1"/>
+              <a:off x="2339450" y="667377"/>
+              <a:ext cx="2488131" cy="1"/>
             </a:xfrm>
             <a:prstGeom prst="line">
               <a:avLst/>
@@ -5715,8 +5742,8 @@
           </p:nvSpPr>
           <p:spPr>
             <a:xfrm>
-              <a:off x="2769891" y="1581713"/>
-              <a:ext cx="2876390" cy="1"/>
+              <a:off x="2396007" y="2037720"/>
+              <a:ext cx="2488131" cy="1"/>
             </a:xfrm>
             <a:prstGeom prst="line">
               <a:avLst/>
@@ -5749,8 +5776,8 @@
           </p:nvSpPr>
           <p:spPr>
             <a:xfrm>
-              <a:off x="5952332" y="720415"/>
-              <a:ext cx="1" cy="658914"/>
+              <a:off x="5148878" y="928110"/>
+              <a:ext cx="1" cy="848878"/>
             </a:xfrm>
             <a:prstGeom prst="line">
               <a:avLst/>
@@ -5783,8 +5810,8 @@
           </p:nvSpPr>
           <p:spPr>
             <a:xfrm>
-              <a:off x="8047980" y="735003"/>
-              <a:ext cx="1" cy="658913"/>
+              <a:off x="6961652" y="946904"/>
+              <a:ext cx="1" cy="848877"/>
             </a:xfrm>
             <a:prstGeom prst="line">
               <a:avLst/>
@@ -5817,8 +5844,8 @@
           </p:nvSpPr>
           <p:spPr>
             <a:xfrm>
-              <a:off x="450889" y="0"/>
-              <a:ext cx="5157914" cy="420830"/>
+              <a:off x="390027" y="0"/>
+              <a:ext cx="4461329" cy="541984"/>
             </a:xfrm>
             <a:custGeom>
               <a:avLst/>
@@ -5840,14 +5867,14 @@
               </a:cxnLst>
               <a:rect l="0" t="0" r="r" b="b"/>
               <a:pathLst>
-                <a:path w="21600" h="16256" fill="norm" stroke="1" extrusionOk="0">
+                <a:path w="21600" h="16255" fill="norm" stroke="1" extrusionOk="0">
                   <a:moveTo>
-                    <a:pt x="0" y="12675"/>
+                    <a:pt x="0" y="12678"/>
                   </a:moveTo>
                   <a:cubicBezTo>
-                    <a:pt x="7361" y="-5344"/>
-                    <a:pt x="14561" y="-4150"/>
-                    <a:pt x="21600" y="16256"/>
+                    <a:pt x="7361" y="-5345"/>
+                    <a:pt x="14561" y="-4153"/>
+                    <a:pt x="21600" y="16255"/>
                   </a:cubicBezTo>
                 </a:path>
               </a:pathLst>
@@ -5878,8 +5905,8 @@
           </p:nvSpPr>
           <p:spPr>
             <a:xfrm flipV="1">
-              <a:off x="546991" y="625268"/>
-              <a:ext cx="1575059" cy="790061"/>
+              <a:off x="473158" y="805532"/>
+              <a:ext cx="1362455" cy="1017835"/>
             </a:xfrm>
             <a:prstGeom prst="line">
               <a:avLst/>
@@ -5944,39 +5971,7 @@
                                       <p:cBhvr>
                                         <p:cTn id="6" fill="hold"/>
                                         <p:tgtEl>
-                                          <p:spTgt spid="174">
-                                            <p:bg/>
-                                          </p:spTgt>
-                                        </p:tgtEl>
-                                        <p:attrNameLst>
-                                          <p:attrName>style.visibility</p:attrName>
-                                        </p:attrNameLst>
-                                      </p:cBhvr>
-                                      <p:to>
-                                        <p:strVal val="visible"/>
-                                      </p:to>
-                                    </p:set>
-                                  </p:childTnLst>
-                                </p:cTn>
-                              </p:par>
-                              <p:par>
-                                <p:cTn id="7" presetClass="entr" nodeType="withEffect" presetSubtype="0" presetID="1" grpId="1" fill="hold">
-                                  <p:stCondLst>
-                                    <p:cond delay="0"/>
-                                  </p:stCondLst>
-                                  <p:iterate type="el" backwards="0">
-                                    <p:tmAbs val="0"/>
-                                  </p:iterate>
-                                  <p:childTnLst>
-                                    <p:set>
-                                      <p:cBhvr>
-                                        <p:cTn id="8" fill="hold"/>
-                                        <p:tgtEl>
-                                          <p:spTgt spid="174">
-                                            <p:txEl>
-                                              <p:pRg st="0" end="0"/>
-                                            </p:txEl>
-                                          </p:spTgt>
+                                          <p:spTgt spid="197"/>
                                         </p:tgtEl>
                                         <p:attrNameLst>
                                           <p:attrName>style.visibility</p:attrName>
@@ -5996,19 +5991,47 @@
                     </p:cTn>
                   </p:par>
                   <p:par>
-                    <p:cTn id="9" fill="hold">
+                    <p:cTn id="7" fill="hold">
                       <p:stCondLst>
                         <p:cond delay="indefinite"/>
                       </p:stCondLst>
                       <p:childTnLst>
                         <p:par>
-                          <p:cTn id="10" fill="hold">
+                          <p:cTn id="8" fill="hold">
                             <p:stCondLst>
                               <p:cond delay="0"/>
                             </p:stCondLst>
                             <p:childTnLst>
                               <p:par>
-                                <p:cTn id="11" presetClass="entr" nodeType="clickEffect" presetSubtype="0" presetID="1" grpId="1" fill="hold">
+                                <p:cTn id="9" presetClass="entr" nodeType="clickEffect" presetSubtype="0" presetID="1" grpId="2" fill="hold">
+                                  <p:stCondLst>
+                                    <p:cond delay="0"/>
+                                  </p:stCondLst>
+                                  <p:iterate type="el" backwards="0">
+                                    <p:tmAbs val="0"/>
+                                  </p:iterate>
+                                  <p:childTnLst>
+                                    <p:set>
+                                      <p:cBhvr>
+                                        <p:cTn id="10" fill="hold"/>
+                                        <p:tgtEl>
+                                          <p:spTgt spid="174">
+                                            <p:bg/>
+                                          </p:spTgt>
+                                        </p:tgtEl>
+                                        <p:attrNameLst>
+                                          <p:attrName>style.visibility</p:attrName>
+                                        </p:attrNameLst>
+                                      </p:cBhvr>
+                                      <p:to>
+                                        <p:strVal val="visible"/>
+                                      </p:to>
+                                    </p:set>
+                                  </p:childTnLst>
+                                </p:cTn>
+                              </p:par>
+                              <p:par>
+                                <p:cTn id="11" presetClass="entr" nodeType="withEffect" presetSubtype="0" presetID="1" grpId="2" fill="hold">
                                   <p:stCondLst>
                                     <p:cond delay="0"/>
                                   </p:stCondLst>
@@ -6022,7 +6045,7 @@
                                         <p:tgtEl>
                                           <p:spTgt spid="174">
                                             <p:txEl>
-                                              <p:pRg st="1" end="1"/>
+                                              <p:pRg st="0" end="0"/>
                                             </p:txEl>
                                           </p:spTgt>
                                         </p:tgtEl>
@@ -6056,7 +6079,7 @@
                             </p:stCondLst>
                             <p:childTnLst>
                               <p:par>
-                                <p:cTn id="15" presetClass="entr" nodeType="clickEffect" presetSubtype="0" presetID="1" grpId="1" fill="hold">
+                                <p:cTn id="15" presetClass="entr" nodeType="clickEffect" presetSubtype="0" presetID="1" grpId="2" fill="hold">
                                   <p:stCondLst>
                                     <p:cond delay="0"/>
                                   </p:stCondLst>
@@ -6070,7 +6093,7 @@
                                         <p:tgtEl>
                                           <p:spTgt spid="174">
                                             <p:txEl>
-                                              <p:pRg st="2" end="2"/>
+                                              <p:pRg st="1" end="1"/>
                                             </p:txEl>
                                           </p:spTgt>
                                         </p:tgtEl>
@@ -6104,7 +6127,7 @@
                             </p:stCondLst>
                             <p:childTnLst>
                               <p:par>
-                                <p:cTn id="19" presetClass="entr" nodeType="clickEffect" presetSubtype="0" presetID="1" grpId="1" fill="hold">
+                                <p:cTn id="19" presetClass="entr" nodeType="clickEffect" presetSubtype="0" presetID="1" grpId="2" fill="hold">
                                   <p:stCondLst>
                                     <p:cond delay="0"/>
                                   </p:stCondLst>
@@ -6118,7 +6141,7 @@
                                         <p:tgtEl>
                                           <p:spTgt spid="174">
                                             <p:txEl>
-                                              <p:pRg st="3" end="3"/>
+                                              <p:pRg st="2" end="2"/>
                                             </p:txEl>
                                           </p:spTgt>
                                         </p:tgtEl>
@@ -6152,7 +6175,7 @@
                             </p:stCondLst>
                             <p:childTnLst>
                               <p:par>
-                                <p:cTn id="23" presetClass="entr" nodeType="clickEffect" presetSubtype="0" presetID="1" grpId="1" fill="hold">
+                                <p:cTn id="23" presetClass="entr" nodeType="clickEffect" presetSubtype="0" presetID="1" grpId="2" fill="hold">
                                   <p:stCondLst>
                                     <p:cond delay="0"/>
                                   </p:stCondLst>
@@ -6166,7 +6189,7 @@
                                         <p:tgtEl>
                                           <p:spTgt spid="174">
                                             <p:txEl>
-                                              <p:pRg st="4" end="4"/>
+                                              <p:pRg st="3" end="3"/>
                                             </p:txEl>
                                           </p:spTgt>
                                         </p:tgtEl>
@@ -6200,7 +6223,7 @@
                             </p:stCondLst>
                             <p:childTnLst>
                               <p:par>
-                                <p:cTn id="27" presetClass="entr" nodeType="clickEffect" presetSubtype="0" presetID="1" grpId="1" fill="hold">
+                                <p:cTn id="27" presetClass="entr" nodeType="clickEffect" presetSubtype="0" presetID="1" grpId="2" fill="hold">
                                   <p:stCondLst>
                                     <p:cond delay="0"/>
                                   </p:stCondLst>
@@ -6214,7 +6237,7 @@
                                         <p:tgtEl>
                                           <p:spTgt spid="174">
                                             <p:txEl>
-                                              <p:pRg st="5" end="5"/>
+                                              <p:pRg st="4" end="4"/>
                                             </p:txEl>
                                           </p:spTgt>
                                         </p:tgtEl>
@@ -6248,7 +6271,7 @@
                             </p:stCondLst>
                             <p:childTnLst>
                               <p:par>
-                                <p:cTn id="31" presetClass="entr" nodeType="clickEffect" presetSubtype="0" presetID="1" grpId="1" fill="hold">
+                                <p:cTn id="31" presetClass="entr" nodeType="clickEffect" presetSubtype="0" presetID="1" grpId="2" fill="hold">
                                   <p:stCondLst>
                                     <p:cond delay="0"/>
                                   </p:stCondLst>
@@ -6262,7 +6285,7 @@
                                         <p:tgtEl>
                                           <p:spTgt spid="174">
                                             <p:txEl>
-                                              <p:pRg st="6" end="6"/>
+                                              <p:pRg st="5" end="5"/>
                                             </p:txEl>
                                           </p:spTgt>
                                         </p:tgtEl>
@@ -6296,7 +6319,7 @@
                             </p:stCondLst>
                             <p:childTnLst>
                               <p:par>
-                                <p:cTn id="35" presetClass="entr" nodeType="clickEffect" presetSubtype="0" presetID="1" grpId="1" fill="hold">
+                                <p:cTn id="35" presetClass="entr" nodeType="clickEffect" presetSubtype="0" presetID="1" grpId="2" fill="hold">
                                   <p:stCondLst>
                                     <p:cond delay="0"/>
                                   </p:stCondLst>
@@ -6310,7 +6333,7 @@
                                         <p:tgtEl>
                                           <p:spTgt spid="174">
                                             <p:txEl>
-                                              <p:pRg st="7" end="7"/>
+                                              <p:pRg st="6" end="6"/>
                                             </p:txEl>
                                           </p:spTgt>
                                         </p:tgtEl>
@@ -6344,7 +6367,7 @@
                             </p:stCondLst>
                             <p:childTnLst>
                               <p:par>
-                                <p:cTn id="39" presetClass="entr" nodeType="clickEffect" presetSubtype="0" presetID="1" grpId="1" fill="hold">
+                                <p:cTn id="39" presetClass="entr" nodeType="clickEffect" presetSubtype="0" presetID="1" grpId="2" fill="hold">
                                   <p:stCondLst>
                                     <p:cond delay="0"/>
                                   </p:stCondLst>
@@ -6358,7 +6381,7 @@
                                         <p:tgtEl>
                                           <p:spTgt spid="174">
                                             <p:txEl>
-                                              <p:pRg st="8" end="8"/>
+                                              <p:pRg st="7" end="7"/>
                                             </p:txEl>
                                           </p:spTgt>
                                         </p:tgtEl>
@@ -6392,7 +6415,7 @@
                             </p:stCondLst>
                             <p:childTnLst>
                               <p:par>
-                                <p:cTn id="43" presetClass="entr" nodeType="clickEffect" presetSubtype="0" presetID="1" grpId="1" fill="hold">
+                                <p:cTn id="43" presetClass="entr" nodeType="clickEffect" presetSubtype="0" presetID="1" grpId="2" fill="hold">
                                   <p:stCondLst>
                                     <p:cond delay="0"/>
                                   </p:stCondLst>
@@ -6406,7 +6429,7 @@
                                         <p:tgtEl>
                                           <p:spTgt spid="174">
                                             <p:txEl>
-                                              <p:pRg st="9" end="9"/>
+                                              <p:pRg st="8" end="8"/>
                                             </p:txEl>
                                           </p:spTgt>
                                         </p:tgtEl>
@@ -6440,7 +6463,7 @@
                             </p:stCondLst>
                             <p:childTnLst>
                               <p:par>
-                                <p:cTn id="47" presetClass="entr" nodeType="clickEffect" presetSubtype="0" presetID="1" grpId="1" fill="hold">
+                                <p:cTn id="47" presetClass="entr" nodeType="clickEffect" presetSubtype="0" presetID="1" grpId="2" fill="hold">
                                   <p:stCondLst>
                                     <p:cond delay="0"/>
                                   </p:stCondLst>
@@ -6454,7 +6477,7 @@
                                         <p:tgtEl>
                                           <p:spTgt spid="174">
                                             <p:txEl>
-                                              <p:pRg st="10" end="10"/>
+                                              <p:pRg st="9" end="9"/>
                                             </p:txEl>
                                           </p:spTgt>
                                         </p:tgtEl>
@@ -6488,7 +6511,7 @@
                             </p:stCondLst>
                             <p:childTnLst>
                               <p:par>
-                                <p:cTn id="51" presetClass="entr" nodeType="clickEffect" presetSubtype="0" presetID="1" grpId="1" fill="hold">
+                                <p:cTn id="51" presetClass="entr" nodeType="clickEffect" presetSubtype="0" presetID="1" grpId="2" fill="hold">
                                   <p:stCondLst>
                                     <p:cond delay="0"/>
                                   </p:stCondLst>
@@ -6502,55 +6525,7 @@
                                         <p:tgtEl>
                                           <p:spTgt spid="174">
                                             <p:txEl>
-                                              <p:pRg st="11" end="11"/>
-                                            </p:txEl>
-                                          </p:spTgt>
-                                        </p:tgtEl>
-                                        <p:attrNameLst>
-                                          <p:attrName>style.visibility</p:attrName>
-                                        </p:attrNameLst>
-                                      </p:cBhvr>
-                                      <p:to>
-                                        <p:strVal val="visible"/>
-                                      </p:to>
-                                    </p:set>
-                                  </p:childTnLst>
-                                </p:cTn>
-                              </p:par>
-                            </p:childTnLst>
-                          </p:cTn>
-                        </p:par>
-                      </p:childTnLst>
-                    </p:cTn>
-                  </p:par>
-                  <p:par>
-                    <p:cTn id="53" fill="hold">
-                      <p:stCondLst>
-                        <p:cond delay="indefinite"/>
-                      </p:stCondLst>
-                      <p:childTnLst>
-                        <p:par>
-                          <p:cTn id="54" fill="hold">
-                            <p:stCondLst>
-                              <p:cond delay="0"/>
-                            </p:stCondLst>
-                            <p:childTnLst>
-                              <p:par>
-                                <p:cTn id="55" presetClass="entr" nodeType="clickEffect" presetSubtype="0" presetID="1" grpId="1" fill="hold">
-                                  <p:stCondLst>
-                                    <p:cond delay="0"/>
-                                  </p:stCondLst>
-                                  <p:iterate type="el" backwards="0">
-                                    <p:tmAbs val="0"/>
-                                  </p:iterate>
-                                  <p:childTnLst>
-                                    <p:set>
-                                      <p:cBhvr>
-                                        <p:cTn id="56" fill="hold"/>
-                                        <p:tgtEl>
-                                          <p:spTgt spid="174">
-                                            <p:txEl>
-                                              <p:pRg st="12" end="12"/>
+                                              <p:pRg st="10" end="10"/>
                                             </p:txEl>
                                           </p:spTgt>
                                         </p:tgtEl>
@@ -6593,7 +6568,8 @@
       </p:par>
     </p:tnLst>
     <p:bldLst>
-      <p:bldP build="p" bldLvl="5" animBg="1" rev="0" advAuto="0" spid="174" grpId="1"/>
+      <p:bldP build="p" bldLvl="5" animBg="1" rev="0" advAuto="0" spid="174" grpId="2"/>
+      <p:bldP build="whole" bldLvl="1" animBg="1" rev="0" advAuto="0" spid="197" grpId="1"/>
     </p:bldLst>
   </p:timing>
 </p:sld>
@@ -6646,7 +6622,7 @@
       </p:sp>
       <p:sp>
         <p:nvSpPr>
-          <p:cNvPr id="201" name="N4: j=3 (loop condition breaks)…"/>
+          <p:cNvPr id="201" name="N6: break (Continue from do-while loop)…"/>
           <p:cNvSpPr txBox="1"/>
           <p:nvPr>
             <p:ph type="body" idx="1"/>
@@ -6679,23 +6655,23 @@
               </a:defRPr>
             </a:pPr>
             <a:r>
-              <a:rPr sz="2200"/>
-              <a:t>N4: j=3 (</a:t>
-            </a:r>
-            <a:r>
-              <a:rPr sz="2200">
+              <a:t>N6: break (</a:t>
+            </a:r>
+            <a:r>
+              <a:rPr>
                 <a:latin typeface="Gill Sans MT"/>
                 <a:ea typeface="Gill Sans MT"/>
                 <a:cs typeface="Gill Sans MT"/>
                 <a:sym typeface="Gill Sans MT"/>
               </a:rPr>
-              <a:t>loop condition breaks</a:t>
-            </a:r>
-            <a:r>
-              <a:rPr sz="2200"/>
-              <a:t>)</a:t>
-            </a:r>
-            <a:endParaRPr sz="2200"/>
+              <a:t>Continue from do-while loop)</a:t>
+            </a:r>
+            <a:endParaRPr>
+              <a:latin typeface="Gill Sans MT"/>
+              <a:ea typeface="Gill Sans MT"/>
+              <a:cs typeface="Gill Sans MT"/>
+              <a:sym typeface="Gill Sans MT"/>
+            </a:endParaRPr>
           </a:p>
           <a:p>
             <a:pPr lvl="2" marL="0" indent="457200">
@@ -6712,24 +6688,206 @@
               </a:defRPr>
             </a:pPr>
             <a:r>
-              <a:rPr sz="2200"/>
-              <a:t>N7: j==k </a:t>
-            </a:r>
-            <a:r>
-              <a:rPr sz="2200">
+              <a:t>N1: k=3, x[k]=(1+1)%9=2</a:t>
+            </a:r>
+          </a:p>
+          <a:p>
+            <a:pPr lvl="2" marL="0" indent="457200">
+              <a:spcBef>
+                <a:spcPts val="100"/>
+              </a:spcBef>
+              <a:buSzTx/>
+              <a:buNone/>
+              <a:defRPr sz="2400">
+                <a:latin typeface="Courier New"/>
+                <a:ea typeface="Courier New"/>
+                <a:cs typeface="Courier New"/>
+                <a:sym typeface="Courier New"/>
+              </a:defRPr>
+            </a:pPr>
+            <a:r>
+              <a:t>N2: x[k]==0 </a:t>
+            </a:r>
+            <a:r>
+              <a:rPr>
                 <a:latin typeface="Gill Sans MT"/>
                 <a:ea typeface="Gill Sans MT"/>
                 <a:cs typeface="Gill Sans MT"/>
                 <a:sym typeface="Gill Sans MT"/>
               </a:rPr>
-              <a:t>(True)</a:t>
-            </a:r>
-            <a:endParaRPr sz="2200">
+              <a:t>False</a:t>
+            </a:r>
+          </a:p>
+          <a:p>
+            <a:pPr lvl="2" marL="0" indent="457200">
+              <a:spcBef>
+                <a:spcPts val="100"/>
+              </a:spcBef>
+              <a:buSzTx/>
+              <a:buNone/>
+              <a:defRPr sz="2400">
+                <a:latin typeface="Courier New"/>
+                <a:ea typeface="Courier New"/>
+                <a:cs typeface="Courier New"/>
+                <a:sym typeface="Courier New"/>
+              </a:defRPr>
+            </a:pPr>
+            <a:r>
+              <a:t>N3: G[x[2]][x[3]]→G[2][2]==1 (</a:t>
+            </a:r>
+            <a:r>
+              <a:rPr>
+                <a:latin typeface="Gill Sans MT"/>
+                <a:ea typeface="Gill Sans MT"/>
+                <a:cs typeface="Gill Sans MT"/>
+                <a:sym typeface="Gill Sans MT"/>
+              </a:rPr>
+              <a:t>False no self edge</a:t>
+            </a:r>
+            <a:r>
+              <a:t>)</a:t>
+            </a:r>
+          </a:p>
+          <a:p>
+            <a:pPr lvl="4" marL="0" indent="914400">
+              <a:spcBef>
+                <a:spcPts val="100"/>
+              </a:spcBef>
+              <a:buSzTx/>
+              <a:buNone/>
+              <a:defRPr sz="2400">
+                <a:latin typeface="Courier New"/>
+                <a:ea typeface="Courier New"/>
+                <a:cs typeface="Courier New"/>
+                <a:sym typeface="Courier New"/>
+              </a:defRPr>
+            </a:pPr>
+            <a:r>
+              <a:rPr>
+                <a:latin typeface="Gill Sans MT"/>
+                <a:ea typeface="Gill Sans MT"/>
+                <a:cs typeface="Gill Sans MT"/>
+                <a:sym typeface="Gill Sans MT"/>
+              </a:rPr>
+              <a:t>Go to next iteration of do-while</a:t>
+            </a:r>
+            <a:r>
+              <a:t> </a:t>
+            </a:r>
+          </a:p>
+          <a:p>
+            <a:pPr lvl="2" marL="0" indent="457200">
+              <a:spcBef>
+                <a:spcPts val="100"/>
+              </a:spcBef>
+              <a:buSzTx/>
+              <a:buNone/>
+              <a:defRPr sz="2400">
+                <a:latin typeface="Courier New"/>
+                <a:ea typeface="Courier New"/>
+                <a:cs typeface="Courier New"/>
+                <a:sym typeface="Courier New"/>
+              </a:defRPr>
+            </a:pPr>
+            <a:r>
+              <a:t>N1:k=3, x[3]=(2+1)%9=3</a:t>
+            </a:r>
+          </a:p>
+          <a:p>
+            <a:pPr lvl="2" marL="0" indent="457200">
+              <a:spcBef>
+                <a:spcPts val="100"/>
+              </a:spcBef>
+              <a:buSzTx/>
+              <a:buNone/>
+              <a:defRPr sz="2400">
+                <a:latin typeface="Courier New"/>
+                <a:ea typeface="Courier New"/>
+                <a:cs typeface="Courier New"/>
+                <a:sym typeface="Courier New"/>
+              </a:defRPr>
+            </a:pPr>
+            <a:r>
+              <a:t>N2: x[3]==0 (</a:t>
+            </a:r>
+            <a:r>
+              <a:rPr>
+                <a:latin typeface="Gill Sans MT"/>
+                <a:ea typeface="Gill Sans MT"/>
+                <a:cs typeface="Gill Sans MT"/>
+                <a:sym typeface="Gill Sans MT"/>
+              </a:rPr>
+              <a:t>False)</a:t>
+            </a:r>
+            <a:endParaRPr>
               <a:latin typeface="Gill Sans MT"/>
               <a:ea typeface="Gill Sans MT"/>
               <a:cs typeface="Gill Sans MT"/>
               <a:sym typeface="Gill Sans MT"/>
             </a:endParaRPr>
+          </a:p>
+          <a:p>
+            <a:pPr lvl="2" marL="0" indent="457200">
+              <a:spcBef>
+                <a:spcPts val="100"/>
+              </a:spcBef>
+              <a:buSzTx/>
+              <a:buNone/>
+              <a:defRPr sz="2400">
+                <a:latin typeface="Courier New"/>
+                <a:ea typeface="Courier New"/>
+                <a:cs typeface="Courier New"/>
+                <a:sym typeface="Courier New"/>
+              </a:defRPr>
+            </a:pPr>
+            <a:r>
+              <a:t>N3: G[G[x[2]][x[3]]→G[2][3]==1(</a:t>
+            </a:r>
+            <a:r>
+              <a:rPr>
+                <a:latin typeface="Gill Sans MT"/>
+                <a:ea typeface="Gill Sans MT"/>
+                <a:cs typeface="Gill Sans MT"/>
+                <a:sym typeface="Gill Sans MT"/>
+              </a:rPr>
+              <a:t>True)</a:t>
+            </a:r>
+            <a:endParaRPr>
+              <a:latin typeface="Gill Sans MT"/>
+              <a:ea typeface="Gill Sans MT"/>
+              <a:cs typeface="Gill Sans MT"/>
+              <a:sym typeface="Gill Sans MT"/>
+            </a:endParaRPr>
+          </a:p>
+          <a:p>
+            <a:pPr lvl="2" marL="0" indent="457200">
+              <a:spcBef>
+                <a:spcPts val="100"/>
+              </a:spcBef>
+              <a:buSzTx/>
+              <a:buNone/>
+              <a:defRPr sz="2400">
+                <a:latin typeface="Courier New"/>
+                <a:ea typeface="Courier New"/>
+                <a:cs typeface="Courier New"/>
+                <a:sym typeface="Courier New"/>
+              </a:defRPr>
+            </a:pPr>
+            <a:r>
+              <a:t>N4: j=1 (</a:t>
+            </a:r>
+            <a:r>
+              <a:rPr>
+                <a:latin typeface="Gill Sans MT"/>
+                <a:ea typeface="Gill Sans MT"/>
+                <a:cs typeface="Gill Sans MT"/>
+                <a:sym typeface="Gill Sans MT"/>
+              </a:rPr>
+              <a:t>iterate over </a:t>
+            </a:r>
+            <a:r>
+              <a:t>1, 2)</a:t>
+            </a:r>
           </a:p>
           <a:p>
             <a:pPr lvl="3" marL="0" indent="685800">
@@ -6746,37 +6904,66 @@
               </a:defRPr>
             </a:pPr>
             <a:r>
-              <a:rPr sz="2200"/>
-              <a:t>N8: k&lt;n </a:t>
-            </a:r>
-            <a:r>
-              <a:rPr sz="2200">
+              <a:t>N5: x[j]==x[k] (</a:t>
+            </a:r>
+            <a:r>
+              <a:rPr>
                 <a:latin typeface="Gill Sans MT"/>
                 <a:ea typeface="Gill Sans MT"/>
                 <a:cs typeface="Gill Sans MT"/>
                 <a:sym typeface="Gill Sans MT"/>
               </a:rPr>
-              <a:t>(True </a:t>
+              <a:t>False </a:t>
             </a:r>
             <a:r>
               <a:rPr sz="2200"/>
-              <a:t>k=3, n=8</a:t>
-            </a:r>
-            <a:r>
-              <a:rPr sz="2200">
+              <a:t>j=1,k=3</a:t>
+            </a:r>
+            <a:r>
+              <a:rPr>
                 <a:latin typeface="Gill Sans MT"/>
                 <a:ea typeface="Gill Sans MT"/>
                 <a:cs typeface="Gill Sans MT"/>
                 <a:sym typeface="Gill Sans MT"/>
               </a:rPr>
+              <a:t> and </a:t>
+            </a:r>
+            <a:r>
+              <a:t>x[1]=1,x[3]=3</a:t>
+            </a:r>
+            <a:r>
+              <a:rPr>
+                <a:latin typeface="Gill Sans MT"/>
+                <a:ea typeface="Gill Sans MT"/>
+                <a:cs typeface="Gill Sans MT"/>
+                <a:sym typeface="Gill Sans MT"/>
+              </a:rPr>
               <a:t>)</a:t>
             </a:r>
-            <a:endParaRPr sz="2200">
+            <a:endParaRPr>
               <a:latin typeface="Gill Sans MT"/>
               <a:ea typeface="Gill Sans MT"/>
               <a:cs typeface="Gill Sans MT"/>
               <a:sym typeface="Gill Sans MT"/>
             </a:endParaRPr>
+          </a:p>
+          <a:p>
+            <a:pPr lvl="2" marL="0" indent="457200">
+              <a:spcBef>
+                <a:spcPts val="100"/>
+              </a:spcBef>
+              <a:buSzTx/>
+              <a:buNone/>
+              <a:defRPr sz="2400">
+                <a:latin typeface="Courier New"/>
+                <a:ea typeface="Courier New"/>
+                <a:cs typeface="Courier New"/>
+                <a:sym typeface="Courier New"/>
+              </a:defRPr>
+            </a:pPr>
+            <a:r>
+              <a:t>N4: j=2</a:t>
+            </a:r>
           </a:p>
           <a:p>
             <a:pPr lvl="3" marL="0" indent="685800">
@@ -6793,88 +6980,7 @@
               </a:defRPr>
             </a:pPr>
             <a:r>
-              <a:rPr sz="2200"/>
-              <a:t>N9</a:t>
-            </a:r>
-            <a:r>
-              <a:rPr sz="2200">
-                <a:latin typeface="Gill Sans MT"/>
-                <a:ea typeface="Gill Sans MT"/>
-                <a:cs typeface="Gill Sans MT"/>
-                <a:sym typeface="Gill Sans MT"/>
-              </a:rPr>
-              <a:t>: return to </a:t>
-            </a:r>
-            <a:r>
-              <a:rPr sz="2200"/>
-              <a:t>A1</a:t>
-            </a:r>
-            <a:r>
-              <a:rPr sz="2200">
-                <a:latin typeface="Gill Sans MT"/>
-                <a:ea typeface="Gill Sans MT"/>
-                <a:cs typeface="Gill Sans MT"/>
-                <a:sym typeface="Gill Sans MT"/>
-              </a:rPr>
-              <a:t> with </a:t>
-            </a:r>
-            <a:r>
-              <a:rPr sz="2200"/>
-              <a:t>k=3,x[3]=3</a:t>
-            </a:r>
-            <a:endParaRPr sz="2200">
-              <a:latin typeface="Gill Sans MT"/>
-              <a:ea typeface="Gill Sans MT"/>
-              <a:cs typeface="Gill Sans MT"/>
-              <a:sym typeface="Gill Sans MT"/>
-            </a:endParaRPr>
-          </a:p>
-          <a:p>
-            <a:pPr lvl="1" marL="0" indent="228600">
-              <a:spcBef>
-                <a:spcPts val="100"/>
-              </a:spcBef>
-              <a:buSzTx/>
-              <a:buNone/>
-              <a:defRPr sz="2400">
-                <a:latin typeface="Courier New"/>
-                <a:ea typeface="Courier New"/>
-                <a:cs typeface="Courier New"/>
-                <a:sym typeface="Courier New"/>
-              </a:defRPr>
-            </a:pPr>
-            <a:r>
-              <a:rPr sz="2200"/>
-              <a:t>A1: k=3, x[3]=3</a:t>
-            </a:r>
-            <a:endParaRPr sz="2200"/>
-          </a:p>
-          <a:p>
-            <a:pPr lvl="1" marL="0" indent="228600">
-              <a:spcBef>
-                <a:spcPts val="100"/>
-              </a:spcBef>
-              <a:buSzTx/>
-              <a:buNone/>
-              <a:defRPr sz="2400">
-                <a:latin typeface="Courier New"/>
-                <a:ea typeface="Courier New"/>
-                <a:cs typeface="Courier New"/>
-                <a:sym typeface="Courier New"/>
-              </a:defRPr>
-            </a:pPr>
-            <a:r>
-              <a:rPr sz="2200"/>
-              <a:t>A2: x[k]==0 </a:t>
-            </a:r>
-            <a:r>
-              <a:rPr sz="2200">
-                <a:latin typeface="Gill Sans MT"/>
-                <a:ea typeface="Gill Sans MT"/>
-                <a:cs typeface="Gill Sans MT"/>
-                <a:sym typeface="Gill Sans MT"/>
-              </a:rPr>
-              <a:t>(</a:t>
+              <a:t>N5: x[j]==x[k]</a:t>
             </a:r>
             <a:r>
               <a:rPr>
@@ -6883,31 +6989,10 @@
                 <a:cs typeface="Gill Sans MT"/>
                 <a:sym typeface="Gill Sans MT"/>
               </a:rPr>
-              <a:t>False)</a:t>
-            </a:r>
-            <a:endParaRPr>
-              <a:latin typeface="Gill Sans MT"/>
-              <a:ea typeface="Gill Sans MT"/>
-              <a:cs typeface="Gill Sans MT"/>
-              <a:sym typeface="Gill Sans MT"/>
-            </a:endParaRPr>
-          </a:p>
-          <a:p>
-            <a:pPr lvl="1" marL="0" indent="228600">
-              <a:spcBef>
-                <a:spcPts val="100"/>
-              </a:spcBef>
-              <a:buSzTx/>
-              <a:buNone/>
-              <a:defRPr sz="2400">
-                <a:latin typeface="Courier New"/>
-                <a:ea typeface="Courier New"/>
-                <a:cs typeface="Courier New"/>
-                <a:sym typeface="Courier New"/>
-              </a:defRPr>
-            </a:pPr>
-            <a:r>
-              <a:t>A3: k==n (</a:t>
+              <a:t> </a:t>
+            </a:r>
+            <a:r>
+              <a:t>(</a:t>
             </a:r>
             <a:r>
               <a:rPr>
@@ -6916,31 +7001,11 @@
                 <a:cs typeface="Gill Sans MT"/>
                 <a:sym typeface="Gill Sans MT"/>
               </a:rPr>
-              <a:t>False)</a:t>
-            </a:r>
-            <a:endParaRPr>
-              <a:latin typeface="Gill Sans MT"/>
-              <a:ea typeface="Gill Sans MT"/>
-              <a:cs typeface="Gill Sans MT"/>
-              <a:sym typeface="Gill Sans MT"/>
-            </a:endParaRPr>
-          </a:p>
-          <a:p>
-            <a:pPr lvl="1" marL="0" indent="228600">
-              <a:spcBef>
-                <a:spcPts val="100"/>
-              </a:spcBef>
-              <a:buSzTx/>
-              <a:buNone/>
-              <a:defRPr sz="2400">
-                <a:latin typeface="Courier New"/>
-                <a:ea typeface="Courier New"/>
-                <a:cs typeface="Courier New"/>
-                <a:sym typeface="Courier New"/>
-              </a:defRPr>
-            </a:pPr>
-            <a:r>
-              <a:t>A6: Hamiltonian(k+1=4)</a:t>
+              <a:t>False </a:t>
+            </a:r>
+            <a:r>
+              <a:rPr sz="2200"/>
+              <a:t>j=2,k=3</a:t>
             </a:r>
             <a:r>
               <a:rPr>
@@ -6949,29 +7014,11 @@
                 <a:cs typeface="Gill Sans MT"/>
                 <a:sym typeface="Gill Sans MT"/>
               </a:rPr>
-              <a:t> //next invocation.</a:t>
-            </a:r>
-            <a:endParaRPr>
-              <a:latin typeface="Gill Sans MT"/>
-              <a:ea typeface="Gill Sans MT"/>
-              <a:cs typeface="Gill Sans MT"/>
-              <a:sym typeface="Gill Sans MT"/>
-            </a:endParaRPr>
-          </a:p>
-          <a:p>
-            <a:pPr lvl="1" marL="0" indent="228600">
-              <a:spcBef>
-                <a:spcPts val="100"/>
-              </a:spcBef>
-              <a:buSzTx/>
-              <a:buNone/>
-              <a:defRPr sz="2400">
-                <a:latin typeface="Courier New"/>
-                <a:ea typeface="Courier New"/>
-                <a:cs typeface="Courier New"/>
-                <a:sym typeface="Courier New"/>
-              </a:defRPr>
-            </a:pPr>
+              <a:t> and </a:t>
+            </a:r>
+            <a:r>
+              <a:t>x[2]=2,x[3]=3</a:t>
+            </a:r>
             <a:r>
               <a:rPr>
                 <a:latin typeface="Gill Sans MT"/>
@@ -6979,7 +7026,7 @@
                 <a:cs typeface="Gill Sans MT"/>
                 <a:sym typeface="Gill Sans MT"/>
               </a:rPr>
-              <a:t>Proceeding in this way will lead to</a:t>
+              <a:t>)</a:t>
             </a:r>
             <a:endParaRPr>
               <a:latin typeface="Gill Sans MT"/>
@@ -7003,61 +7050,24 @@
               </a:defRPr>
             </a:pPr>
             <a:r>
-              <a:t>x[4]=4, Hamiltonian(5)</a:t>
-            </a:r>
-          </a:p>
-          <a:p>
-            <a:pPr lvl="2" marL="0" indent="457200">
-              <a:spcBef>
-                <a:spcPts val="100"/>
-              </a:spcBef>
-              <a:buSzTx/>
-              <a:buNone/>
-              <a:defRPr sz="2400">
-                <a:latin typeface="Courier New"/>
-                <a:ea typeface="Courier New"/>
-                <a:cs typeface="Courier New"/>
-                <a:sym typeface="Courier New"/>
-              </a:defRPr>
-            </a:pPr>
-            <a:r>
-              <a:t>x[5]=5, Hamiltonian(6)</a:t>
-            </a:r>
-          </a:p>
-          <a:p>
-            <a:pPr lvl="2" marL="0" indent="457200">
-              <a:spcBef>
-                <a:spcPts val="100"/>
-              </a:spcBef>
-              <a:buSzTx/>
-              <a:buNone/>
-              <a:defRPr sz="2400">
-                <a:latin typeface="Courier New"/>
-                <a:ea typeface="Courier New"/>
-                <a:cs typeface="Courier New"/>
-                <a:sym typeface="Courier New"/>
-              </a:defRPr>
-            </a:pPr>
-            <a:r>
-              <a:t>x[6]=6, Hamiltonian(7)</a:t>
-            </a:r>
-          </a:p>
-          <a:p>
-            <a:pPr lvl="2" marL="0" indent="457200">
-              <a:spcBef>
-                <a:spcPts val="100"/>
-              </a:spcBef>
-              <a:buSzTx/>
-              <a:buNone/>
-              <a:defRPr sz="2400">
-                <a:latin typeface="Courier New"/>
-                <a:ea typeface="Courier New"/>
-                <a:cs typeface="Courier New"/>
-                <a:sym typeface="Courier New"/>
-              </a:defRPr>
-            </a:pPr>
-            <a:r>
-              <a:t>x[7]=7, Hamiltonian(8)</a:t>
+              <a:t>N4: j=3 </a:t>
+            </a:r>
+            <a:r>
+              <a:rPr sz="2200"/>
+              <a:t>(</a:t>
+            </a:r>
+            <a:r>
+              <a:rPr sz="2200">
+                <a:latin typeface="Gill Sans MT"/>
+                <a:ea typeface="Gill Sans MT"/>
+                <a:cs typeface="Gill Sans MT"/>
+                <a:sym typeface="Gill Sans MT"/>
+              </a:rPr>
+              <a:t>loop condition breaks</a:t>
+            </a:r>
+            <a:r>
+              <a:rPr sz="2200"/>
+              <a:t>)</a:t>
             </a:r>
           </a:p>
         </p:txBody>
@@ -8734,7 +8744,7 @@
       </p:sp>
       <p:sp>
         <p:nvSpPr>
-          <p:cNvPr id="228" name="Invocation of Hamiltonian(8)…"/>
+          <p:cNvPr id="228" name="N4: j=3 (loop condition breaks)…"/>
           <p:cNvSpPr txBox="1"/>
           <p:nvPr>
             <p:ph type="body" idx="1"/>
@@ -8753,6 +8763,171 @@
           <a:bodyPr/>
           <a:lstStyle/>
           <a:p>
+            <a:pPr lvl="2" marL="0" indent="457200">
+              <a:spcBef>
+                <a:spcPts val="100"/>
+              </a:spcBef>
+              <a:buSzTx/>
+              <a:buNone/>
+              <a:defRPr sz="2400">
+                <a:latin typeface="Courier New"/>
+                <a:ea typeface="Courier New"/>
+                <a:cs typeface="Courier New"/>
+                <a:sym typeface="Courier New"/>
+              </a:defRPr>
+            </a:pPr>
+            <a:r>
+              <a:rPr sz="2200"/>
+              <a:t>N4: j=3 (</a:t>
+            </a:r>
+            <a:r>
+              <a:rPr sz="2200">
+                <a:latin typeface="Gill Sans MT"/>
+                <a:ea typeface="Gill Sans MT"/>
+                <a:cs typeface="Gill Sans MT"/>
+                <a:sym typeface="Gill Sans MT"/>
+              </a:rPr>
+              <a:t>loop condition breaks</a:t>
+            </a:r>
+            <a:r>
+              <a:rPr sz="2200"/>
+              <a:t>)</a:t>
+            </a:r>
+            <a:endParaRPr sz="2200"/>
+          </a:p>
+          <a:p>
+            <a:pPr lvl="2" marL="0" indent="457200">
+              <a:spcBef>
+                <a:spcPts val="100"/>
+              </a:spcBef>
+              <a:buSzTx/>
+              <a:buNone/>
+              <a:defRPr sz="2400">
+                <a:latin typeface="Courier New"/>
+                <a:ea typeface="Courier New"/>
+                <a:cs typeface="Courier New"/>
+                <a:sym typeface="Courier New"/>
+              </a:defRPr>
+            </a:pPr>
+            <a:r>
+              <a:rPr sz="2200"/>
+              <a:t>N7: j==k </a:t>
+            </a:r>
+            <a:r>
+              <a:rPr sz="2200">
+                <a:latin typeface="Gill Sans MT"/>
+                <a:ea typeface="Gill Sans MT"/>
+                <a:cs typeface="Gill Sans MT"/>
+                <a:sym typeface="Gill Sans MT"/>
+              </a:rPr>
+              <a:t>(True)</a:t>
+            </a:r>
+            <a:endParaRPr sz="2200">
+              <a:latin typeface="Gill Sans MT"/>
+              <a:ea typeface="Gill Sans MT"/>
+              <a:cs typeface="Gill Sans MT"/>
+              <a:sym typeface="Gill Sans MT"/>
+            </a:endParaRPr>
+          </a:p>
+          <a:p>
+            <a:pPr lvl="3" marL="0" indent="685800">
+              <a:spcBef>
+                <a:spcPts val="100"/>
+              </a:spcBef>
+              <a:buSzTx/>
+              <a:buNone/>
+              <a:defRPr sz="2400">
+                <a:latin typeface="Courier New"/>
+                <a:ea typeface="Courier New"/>
+                <a:cs typeface="Courier New"/>
+                <a:sym typeface="Courier New"/>
+              </a:defRPr>
+            </a:pPr>
+            <a:r>
+              <a:rPr sz="2200"/>
+              <a:t>N8: k&lt;n </a:t>
+            </a:r>
+            <a:r>
+              <a:rPr sz="2200">
+                <a:latin typeface="Gill Sans MT"/>
+                <a:ea typeface="Gill Sans MT"/>
+                <a:cs typeface="Gill Sans MT"/>
+                <a:sym typeface="Gill Sans MT"/>
+              </a:rPr>
+              <a:t>(True </a:t>
+            </a:r>
+            <a:r>
+              <a:rPr sz="2200"/>
+              <a:t>k=3, n=8</a:t>
+            </a:r>
+            <a:r>
+              <a:rPr sz="2200">
+                <a:latin typeface="Gill Sans MT"/>
+                <a:ea typeface="Gill Sans MT"/>
+                <a:cs typeface="Gill Sans MT"/>
+                <a:sym typeface="Gill Sans MT"/>
+              </a:rPr>
+              <a:t>)</a:t>
+            </a:r>
+            <a:endParaRPr sz="2200">
+              <a:latin typeface="Gill Sans MT"/>
+              <a:ea typeface="Gill Sans MT"/>
+              <a:cs typeface="Gill Sans MT"/>
+              <a:sym typeface="Gill Sans MT"/>
+            </a:endParaRPr>
+          </a:p>
+          <a:p>
+            <a:pPr lvl="3" marL="0" indent="685800">
+              <a:spcBef>
+                <a:spcPts val="100"/>
+              </a:spcBef>
+              <a:buSzTx/>
+              <a:buNone/>
+              <a:defRPr sz="2400">
+                <a:latin typeface="Courier New"/>
+                <a:ea typeface="Courier New"/>
+                <a:cs typeface="Courier New"/>
+                <a:sym typeface="Courier New"/>
+              </a:defRPr>
+            </a:pPr>
+            <a:r>
+              <a:rPr sz="2200"/>
+              <a:t>N9</a:t>
+            </a:r>
+            <a:r>
+              <a:rPr sz="2200">
+                <a:latin typeface="Gill Sans MT"/>
+                <a:ea typeface="Gill Sans MT"/>
+                <a:cs typeface="Gill Sans MT"/>
+                <a:sym typeface="Gill Sans MT"/>
+              </a:rPr>
+              <a:t>: return to </a:t>
+            </a:r>
+            <a:r>
+              <a:rPr sz="2200"/>
+              <a:t>A1</a:t>
+            </a:r>
+            <a:r>
+              <a:rPr sz="2200">
+                <a:latin typeface="Gill Sans MT"/>
+                <a:ea typeface="Gill Sans MT"/>
+                <a:cs typeface="Gill Sans MT"/>
+                <a:sym typeface="Gill Sans MT"/>
+              </a:rPr>
+              <a:t> with </a:t>
+            </a:r>
+            <a:r>
+              <a:rPr sz="2200"/>
+              <a:t>k=3,x[3]=3</a:t>
+            </a:r>
+            <a:endParaRPr sz="2200">
+              <a:latin typeface="Gill Sans MT"/>
+              <a:ea typeface="Gill Sans MT"/>
+              <a:cs typeface="Gill Sans MT"/>
+              <a:sym typeface="Gill Sans MT"/>
+            </a:endParaRPr>
+          </a:p>
+          <a:p>
             <a:pPr lvl="1" marL="0" indent="228600">
               <a:spcBef>
                 <a:spcPts val="100"/>
@@ -8767,16 +8942,142 @@
               </a:defRPr>
             </a:pPr>
             <a:r>
+              <a:rPr sz="2200"/>
+              <a:t>A1: k=3, x[3]=3</a:t>
+            </a:r>
+            <a:endParaRPr sz="2200"/>
+          </a:p>
+          <a:p>
+            <a:pPr lvl="1" marL="0" indent="228600">
+              <a:spcBef>
+                <a:spcPts val="100"/>
+              </a:spcBef>
+              <a:buSzTx/>
+              <a:buNone/>
+              <a:defRPr sz="2400">
+                <a:latin typeface="Courier New"/>
+                <a:ea typeface="Courier New"/>
+                <a:cs typeface="Courier New"/>
+                <a:sym typeface="Courier New"/>
+              </a:defRPr>
+            </a:pPr>
+            <a:r>
+              <a:rPr sz="2200"/>
+              <a:t>A2: x[k]==0 </a:t>
+            </a:r>
+            <a:r>
+              <a:rPr sz="2200">
+                <a:latin typeface="Gill Sans MT"/>
+                <a:ea typeface="Gill Sans MT"/>
+                <a:cs typeface="Gill Sans MT"/>
+                <a:sym typeface="Gill Sans MT"/>
+              </a:rPr>
+              <a:t>(</a:t>
+            </a:r>
+            <a:r>
               <a:rPr>
                 <a:latin typeface="Gill Sans MT"/>
                 <a:ea typeface="Gill Sans MT"/>
                 <a:cs typeface="Gill Sans MT"/>
                 <a:sym typeface="Gill Sans MT"/>
               </a:rPr>
-              <a:t>Invocation of </a:t>
-            </a:r>
-            <a:r>
-              <a:t>Hamiltonian(8)</a:t>
+              <a:t>False)</a:t>
+            </a:r>
+            <a:endParaRPr>
+              <a:latin typeface="Gill Sans MT"/>
+              <a:ea typeface="Gill Sans MT"/>
+              <a:cs typeface="Gill Sans MT"/>
+              <a:sym typeface="Gill Sans MT"/>
+            </a:endParaRPr>
+          </a:p>
+          <a:p>
+            <a:pPr lvl="1" marL="0" indent="228600">
+              <a:spcBef>
+                <a:spcPts val="100"/>
+              </a:spcBef>
+              <a:buSzTx/>
+              <a:buNone/>
+              <a:defRPr sz="2400">
+                <a:latin typeface="Courier New"/>
+                <a:ea typeface="Courier New"/>
+                <a:cs typeface="Courier New"/>
+                <a:sym typeface="Courier New"/>
+              </a:defRPr>
+            </a:pPr>
+            <a:r>
+              <a:t>A3: k==n (</a:t>
+            </a:r>
+            <a:r>
+              <a:rPr>
+                <a:latin typeface="Gill Sans MT"/>
+                <a:ea typeface="Gill Sans MT"/>
+                <a:cs typeface="Gill Sans MT"/>
+                <a:sym typeface="Gill Sans MT"/>
+              </a:rPr>
+              <a:t>False)</a:t>
+            </a:r>
+            <a:endParaRPr>
+              <a:latin typeface="Gill Sans MT"/>
+              <a:ea typeface="Gill Sans MT"/>
+              <a:cs typeface="Gill Sans MT"/>
+              <a:sym typeface="Gill Sans MT"/>
+            </a:endParaRPr>
+          </a:p>
+          <a:p>
+            <a:pPr lvl="1" marL="0" indent="228600">
+              <a:spcBef>
+                <a:spcPts val="100"/>
+              </a:spcBef>
+              <a:buSzTx/>
+              <a:buNone/>
+              <a:defRPr sz="2400">
+                <a:latin typeface="Courier New"/>
+                <a:ea typeface="Courier New"/>
+                <a:cs typeface="Courier New"/>
+                <a:sym typeface="Courier New"/>
+              </a:defRPr>
+            </a:pPr>
+            <a:r>
+              <a:t>A6: Hamiltonian(k+1=4)</a:t>
+            </a:r>
+            <a:r>
+              <a:rPr>
+                <a:latin typeface="Gill Sans MT"/>
+                <a:ea typeface="Gill Sans MT"/>
+                <a:cs typeface="Gill Sans MT"/>
+                <a:sym typeface="Gill Sans MT"/>
+              </a:rPr>
+              <a:t> //next invocation.</a:t>
+            </a:r>
+            <a:endParaRPr>
+              <a:latin typeface="Gill Sans MT"/>
+              <a:ea typeface="Gill Sans MT"/>
+              <a:cs typeface="Gill Sans MT"/>
+              <a:sym typeface="Gill Sans MT"/>
+            </a:endParaRPr>
+          </a:p>
+          <a:p>
+            <a:pPr lvl="1" marL="0" indent="228600">
+              <a:spcBef>
+                <a:spcPts val="100"/>
+              </a:spcBef>
+              <a:buSzTx/>
+              <a:buNone/>
+              <a:defRPr sz="2400">
+                <a:latin typeface="Courier New"/>
+                <a:ea typeface="Courier New"/>
+                <a:cs typeface="Courier New"/>
+                <a:sym typeface="Courier New"/>
+              </a:defRPr>
+            </a:pPr>
+            <a:r>
+              <a:rPr>
+                <a:latin typeface="Gill Sans MT"/>
+                <a:ea typeface="Gill Sans MT"/>
+                <a:cs typeface="Gill Sans MT"/>
+                <a:sym typeface="Gill Sans MT"/>
+              </a:rPr>
+              <a:t>Proceeding in this way will lead to</a:t>
             </a:r>
             <a:endParaRPr>
               <a:latin typeface="Gill Sans MT"/>
@@ -8800,242 +9101,11 @@
               </a:defRPr>
             </a:pPr>
             <a:r>
-              <a:t>A1:</a:t>
-            </a:r>
-            <a:r>
-              <a:rPr>
-                <a:latin typeface="Gill Sans MT"/>
-                <a:ea typeface="Gill Sans MT"/>
-                <a:cs typeface="Gill Sans MT"/>
-                <a:sym typeface="Gill Sans MT"/>
-              </a:rPr>
-              <a:t> invoke </a:t>
-            </a:r>
-            <a:r>
-              <a:t>NextValue(8)</a:t>
+              <a:t>x[4]=4, Hamiltonian(5)</a:t>
             </a:r>
           </a:p>
           <a:p>
             <a:pPr lvl="2" marL="0" indent="457200">
-              <a:spcBef>
-                <a:spcPts val="100"/>
-              </a:spcBef>
-              <a:buSzTx/>
-              <a:buNone/>
-              <a:defRPr sz="2400">
-                <a:latin typeface="Gill Sans MT"/>
-                <a:ea typeface="Gill Sans MT"/>
-                <a:cs typeface="Gill Sans MT"/>
-                <a:sym typeface="Gill Sans MT"/>
-              </a:defRPr>
-            </a:pPr>
-            <a:r>
-              <a:t>It will fail at condition (</a:t>
-            </a:r>
-            <a:r>
-              <a:rPr>
-                <a:latin typeface="Courier New"/>
-                <a:ea typeface="Courier New"/>
-                <a:cs typeface="Courier New"/>
-                <a:sym typeface="Courier New"/>
-              </a:rPr>
-              <a:t>G[x[n][x1]]==1</a:t>
-            </a:r>
-            <a:r>
-              <a:t>)</a:t>
-            </a:r>
-            <a:r>
-              <a:rPr>
-                <a:latin typeface="Courier New"/>
-                <a:ea typeface="Courier New"/>
-                <a:cs typeface="Courier New"/>
-                <a:sym typeface="Courier New"/>
-              </a:rPr>
-              <a:t> …N8</a:t>
-            </a:r>
-            <a:r>
-              <a:t>, and then </a:t>
-            </a:r>
-          </a:p>
-          <a:p>
-            <a:pPr lvl="2" marL="0" indent="457200">
-              <a:spcBef>
-                <a:spcPts val="100"/>
-              </a:spcBef>
-              <a:buSzTx/>
-              <a:buNone/>
-              <a:defRPr sz="2400">
-                <a:latin typeface="Gill Sans MT"/>
-                <a:ea typeface="Gill Sans MT"/>
-                <a:cs typeface="Gill Sans MT"/>
-                <a:sym typeface="Gill Sans MT"/>
-              </a:defRPr>
-            </a:pPr>
-            <a:r>
-              <a:t>at </a:t>
-            </a:r>
-            <a:r>
-              <a:rPr>
-                <a:latin typeface="Courier New"/>
-                <a:ea typeface="Courier New"/>
-                <a:cs typeface="Courier New"/>
-                <a:sym typeface="Courier New"/>
-              </a:rPr>
-              <a:t>N1, x[8]=(8+1)%=0 </a:t>
-            </a:r>
-            <a:endParaRPr>
-              <a:latin typeface="Courier New"/>
-              <a:ea typeface="Courier New"/>
-              <a:cs typeface="Courier New"/>
-              <a:sym typeface="Courier New"/>
-            </a:endParaRPr>
-          </a:p>
-          <a:p>
-            <a:pPr lvl="2" marL="0" indent="457200">
-              <a:spcBef>
-                <a:spcPts val="100"/>
-              </a:spcBef>
-              <a:buSzTx/>
-              <a:buNone/>
-              <a:defRPr sz="2400">
-                <a:latin typeface="Gill Sans MT"/>
-                <a:ea typeface="Gill Sans MT"/>
-                <a:cs typeface="Gill Sans MT"/>
-                <a:sym typeface="Gill Sans MT"/>
-              </a:defRPr>
-            </a:pPr>
-            <a:r>
-              <a:t>and thus condition at </a:t>
-            </a:r>
-            <a:r>
-              <a:rPr>
-                <a:latin typeface="Courier New"/>
-                <a:ea typeface="Courier New"/>
-                <a:cs typeface="Courier New"/>
-                <a:sym typeface="Courier New"/>
-              </a:rPr>
-              <a:t>N2, x[k]==0</a:t>
-            </a:r>
-            <a:r>
-              <a:t> becomes True</a:t>
-            </a:r>
-          </a:p>
-          <a:p>
-            <a:pPr lvl="3" marL="0" indent="685800">
-              <a:spcBef>
-                <a:spcPts val="100"/>
-              </a:spcBef>
-              <a:buSzTx/>
-              <a:buNone/>
-              <a:defRPr sz="2400">
-                <a:latin typeface="Gill Sans MT"/>
-                <a:ea typeface="Gill Sans MT"/>
-                <a:cs typeface="Gill Sans MT"/>
-                <a:sym typeface="Gill Sans MT"/>
-              </a:defRPr>
-            </a:pPr>
-            <a:r>
-              <a:t>return.</a:t>
-            </a:r>
-          </a:p>
-          <a:p>
-            <a:pPr lvl="1" marL="0" indent="228600">
-              <a:spcBef>
-                <a:spcPts val="100"/>
-              </a:spcBef>
-              <a:buSzTx/>
-              <a:buNone/>
-              <a:defRPr sz="2400">
-                <a:latin typeface="Gill Sans MT"/>
-                <a:ea typeface="Gill Sans MT"/>
-                <a:cs typeface="Gill Sans MT"/>
-                <a:sym typeface="Gill Sans MT"/>
-              </a:defRPr>
-            </a:pPr>
-            <a:r>
-              <a:t>It keeps returning from recursive invocation, and then at the first invocation of </a:t>
-            </a:r>
-            <a:r>
-              <a:rPr>
-                <a:latin typeface="Courier New"/>
-                <a:ea typeface="Courier New"/>
-                <a:cs typeface="Courier New"/>
-                <a:sym typeface="Courier New"/>
-              </a:rPr>
-              <a:t>Hamiltonian(2), </a:t>
-            </a:r>
-            <a:endParaRPr>
-              <a:latin typeface="Courier New"/>
-              <a:ea typeface="Courier New"/>
-              <a:cs typeface="Courier New"/>
-              <a:sym typeface="Courier New"/>
-            </a:endParaRPr>
-          </a:p>
-          <a:p>
-            <a:pPr lvl="2" marL="0" indent="457200">
-              <a:spcBef>
-                <a:spcPts val="100"/>
-              </a:spcBef>
-              <a:buSzTx/>
-              <a:buNone/>
-              <a:defRPr sz="2400">
-                <a:latin typeface="Gill Sans MT"/>
-                <a:ea typeface="Gill Sans MT"/>
-                <a:cs typeface="Gill Sans MT"/>
-                <a:sym typeface="Gill Sans MT"/>
-              </a:defRPr>
-            </a:pPr>
-            <a:r>
-              <a:t>for </a:t>
-            </a:r>
-            <a:r>
-              <a:rPr>
-                <a:latin typeface="Courier New"/>
-                <a:ea typeface="Courier New"/>
-                <a:cs typeface="Courier New"/>
-                <a:sym typeface="Courier New"/>
-              </a:rPr>
-              <a:t>k=2, x[2]=(2+1)%9=3</a:t>
-            </a:r>
-            <a:r>
-              <a:t> at </a:t>
-            </a:r>
-            <a:r>
-              <a:rPr>
-                <a:latin typeface="Courier New"/>
-                <a:ea typeface="Courier New"/>
-                <a:cs typeface="Courier New"/>
-                <a:sym typeface="Courier New"/>
-              </a:rPr>
-              <a:t>N1</a:t>
-            </a:r>
-            <a:endParaRPr>
-              <a:latin typeface="Courier New"/>
-              <a:ea typeface="Courier New"/>
-              <a:cs typeface="Courier New"/>
-              <a:sym typeface="Courier New"/>
-            </a:endParaRPr>
-          </a:p>
-          <a:p>
-            <a:pPr lvl="2" marL="0" indent="457200">
-              <a:spcBef>
-                <a:spcPts val="100"/>
-              </a:spcBef>
-              <a:buSzTx/>
-              <a:buNone/>
-              <a:defRPr sz="2400">
-                <a:latin typeface="Gill Sans MT"/>
-                <a:ea typeface="Gill Sans MT"/>
-                <a:cs typeface="Gill Sans MT"/>
-                <a:sym typeface="Gill Sans MT"/>
-              </a:defRPr>
-            </a:pPr>
-            <a:r>
-              <a:t>It will proceed in this further and will find a cycle</a:t>
-            </a:r>
-          </a:p>
-          <a:p>
-            <a:pPr lvl="3" marL="0" indent="685800">
               <a:spcBef>
                 <a:spcPts val="100"/>
               </a:spcBef>
@@ -9049,7 +9119,43 @@
               </a:defRPr>
             </a:pPr>
             <a:r>
-              <a:t>1,3,4,5,6,7,8,2.</a:t>
+              <a:t>x[5]=5, Hamiltonian(6)</a:t>
+            </a:r>
+          </a:p>
+          <a:p>
+            <a:pPr lvl="2" marL="0" indent="457200">
+              <a:spcBef>
+                <a:spcPts val="100"/>
+              </a:spcBef>
+              <a:buSzTx/>
+              <a:buNone/>
+              <a:defRPr sz="2400">
+                <a:latin typeface="Courier New"/>
+                <a:ea typeface="Courier New"/>
+                <a:cs typeface="Courier New"/>
+                <a:sym typeface="Courier New"/>
+              </a:defRPr>
+            </a:pPr>
+            <a:r>
+              <a:t>x[6]=6, Hamiltonian(7)</a:t>
+            </a:r>
+          </a:p>
+          <a:p>
+            <a:pPr lvl="2" marL="0" indent="457200">
+              <a:spcBef>
+                <a:spcPts val="100"/>
+              </a:spcBef>
+              <a:buSzTx/>
+              <a:buNone/>
+              <a:defRPr sz="2400">
+                <a:latin typeface="Courier New"/>
+                <a:ea typeface="Courier New"/>
+                <a:cs typeface="Courier New"/>
+                <a:sym typeface="Courier New"/>
+              </a:defRPr>
+            </a:pPr>
+            <a:r>
+              <a:t>x[7]=7, Hamiltonian(8)</a:t>
             </a:r>
           </a:p>
         </p:txBody>
@@ -10507,6 +10613,150 @@
                       </p:childTnLst>
                     </p:cTn>
                   </p:par>
+                  <p:par>
+                    <p:cTn id="45" fill="hold">
+                      <p:stCondLst>
+                        <p:cond delay="indefinite"/>
+                      </p:stCondLst>
+                      <p:childTnLst>
+                        <p:par>
+                          <p:cTn id="46" fill="hold">
+                            <p:stCondLst>
+                              <p:cond delay="0"/>
+                            </p:stCondLst>
+                            <p:childTnLst>
+                              <p:par>
+                                <p:cTn id="47" presetClass="entr" nodeType="clickEffect" presetSubtype="0" presetID="1" grpId="1" fill="hold">
+                                  <p:stCondLst>
+                                    <p:cond delay="0"/>
+                                  </p:stCondLst>
+                                  <p:iterate type="el" backwards="0">
+                                    <p:tmAbs val="0"/>
+                                  </p:iterate>
+                                  <p:childTnLst>
+                                    <p:set>
+                                      <p:cBhvr>
+                                        <p:cTn id="48" fill="hold"/>
+                                        <p:tgtEl>
+                                          <p:spTgt spid="228">
+                                            <p:txEl>
+                                              <p:pRg st="10" end="10"/>
+                                            </p:txEl>
+                                          </p:spTgt>
+                                        </p:tgtEl>
+                                        <p:attrNameLst>
+                                          <p:attrName>style.visibility</p:attrName>
+                                        </p:attrNameLst>
+                                      </p:cBhvr>
+                                      <p:to>
+                                        <p:strVal val="visible"/>
+                                      </p:to>
+                                    </p:set>
+                                  </p:childTnLst>
+                                </p:cTn>
+                              </p:par>
+                            </p:childTnLst>
+                          </p:cTn>
+                        </p:par>
+                      </p:childTnLst>
+                    </p:cTn>
+                  </p:par>
+                  <p:par>
+                    <p:cTn id="49" fill="hold">
+                      <p:stCondLst>
+                        <p:cond delay="indefinite"/>
+                      </p:stCondLst>
+                      <p:childTnLst>
+                        <p:par>
+                          <p:cTn id="50" fill="hold">
+                            <p:stCondLst>
+                              <p:cond delay="0"/>
+                            </p:stCondLst>
+                            <p:childTnLst>
+                              <p:par>
+                                <p:cTn id="51" presetClass="entr" nodeType="clickEffect" presetSubtype="0" presetID="1" grpId="1" fill="hold">
+                                  <p:stCondLst>
+                                    <p:cond delay="0"/>
+                                  </p:stCondLst>
+                                  <p:iterate type="el" backwards="0">
+                                    <p:tmAbs val="0"/>
+                                  </p:iterate>
+                                  <p:childTnLst>
+                                    <p:set>
+                                      <p:cBhvr>
+                                        <p:cTn id="52" fill="hold"/>
+                                        <p:tgtEl>
+                                          <p:spTgt spid="228">
+                                            <p:txEl>
+                                              <p:pRg st="11" end="11"/>
+                                            </p:txEl>
+                                          </p:spTgt>
+                                        </p:tgtEl>
+                                        <p:attrNameLst>
+                                          <p:attrName>style.visibility</p:attrName>
+                                        </p:attrNameLst>
+                                      </p:cBhvr>
+                                      <p:to>
+                                        <p:strVal val="visible"/>
+                                      </p:to>
+                                    </p:set>
+                                  </p:childTnLst>
+                                </p:cTn>
+                              </p:par>
+                            </p:childTnLst>
+                          </p:cTn>
+                        </p:par>
+                      </p:childTnLst>
+                    </p:cTn>
+                  </p:par>
+                  <p:par>
+                    <p:cTn id="53" fill="hold">
+                      <p:stCondLst>
+                        <p:cond delay="indefinite"/>
+                      </p:stCondLst>
+                      <p:childTnLst>
+                        <p:par>
+                          <p:cTn id="54" fill="hold">
+                            <p:stCondLst>
+                              <p:cond delay="0"/>
+                            </p:stCondLst>
+                            <p:childTnLst>
+                              <p:par>
+                                <p:cTn id="55" presetClass="entr" nodeType="clickEffect" presetSubtype="0" presetID="1" grpId="1" fill="hold">
+                                  <p:stCondLst>
+                                    <p:cond delay="0"/>
+                                  </p:stCondLst>
+                                  <p:iterate type="el" backwards="0">
+                                    <p:tmAbs val="0"/>
+                                  </p:iterate>
+                                  <p:childTnLst>
+                                    <p:set>
+                                      <p:cBhvr>
+                                        <p:cTn id="56" fill="hold"/>
+                                        <p:tgtEl>
+                                          <p:spTgt spid="228">
+                                            <p:txEl>
+                                              <p:pRg st="12" end="12"/>
+                                            </p:txEl>
+                                          </p:spTgt>
+                                        </p:tgtEl>
+                                        <p:attrNameLst>
+                                          <p:attrName>style.visibility</p:attrName>
+                                        </p:attrNameLst>
+                                      </p:cBhvr>
+                                      <p:to>
+                                        <p:strVal val="visible"/>
+                                      </p:to>
+                                    </p:set>
+                                  </p:childTnLst>
+                                </p:cTn>
+                              </p:par>
+                            </p:childTnLst>
+                          </p:cTn>
+                        </p:par>
+                      </p:childTnLst>
+                    </p:cTn>
+                  </p:par>
                 </p:childTnLst>
               </p:cTn>
               <p:prevCondLst>
@@ -10554,13 +10804,17 @@
       </p:grpSpPr>
       <p:sp>
         <p:nvSpPr>
-          <p:cNvPr id="254" name="mColoring of Graph"/>
+          <p:cNvPr id="254" name="Execution of HC Algo"/>
           <p:cNvSpPr txBox="1"/>
           <p:nvPr>
             <p:ph type="title"/>
           </p:nvPr>
         </p:nvSpPr>
         <p:spPr>
+          <a:xfrm>
+            <a:off x="762000" y="-105960"/>
+            <a:ext cx="8636000" cy="737370"/>
+          </a:xfrm>
           <a:prstGeom prst="rect">
             <a:avLst/>
           </a:prstGeom>
@@ -10571,29 +10825,24 @@
           <a:p>
             <a:pPr/>
             <a:r>
-              <a:rPr>
-                <a:latin typeface="Courier New"/>
-                <a:ea typeface="Courier New"/>
-                <a:cs typeface="Courier New"/>
-                <a:sym typeface="Courier New"/>
-              </a:rPr>
-              <a:t>mColoring</a:t>
-            </a:r>
-            <a:r>
-              <a:t> of Graph</a:t>
+              <a:t>Execution of HC Algo </a:t>
             </a:r>
           </a:p>
         </p:txBody>
       </p:sp>
       <p:sp>
         <p:nvSpPr>
-          <p:cNvPr id="255" name="Problem:…"/>
+          <p:cNvPr id="255" name="Invocation of Hamiltonian(8)…"/>
           <p:cNvSpPr txBox="1"/>
           <p:nvPr>
             <p:ph type="body" idx="1"/>
           </p:nvPr>
         </p:nvSpPr>
         <p:spPr>
+          <a:xfrm>
+            <a:off x="552194" y="2370388"/>
+            <a:ext cx="9055612" cy="4630291"/>
+          </a:xfrm>
           <a:prstGeom prst="rect">
             <a:avLst/>
           </a:prstGeom>
@@ -10602,23 +10851,84 @@
           <a:bodyPr/>
           <a:lstStyle/>
           <a:p>
-            <a:pPr>
+            <a:pPr lvl="1" marL="0" indent="228600">
               <a:spcBef>
-                <a:spcPts val="200"/>
+                <a:spcPts val="100"/>
               </a:spcBef>
+              <a:buSzTx/>
+              <a:buNone/>
+              <a:defRPr sz="2400">
+                <a:latin typeface="Courier New"/>
+                <a:ea typeface="Courier New"/>
+                <a:cs typeface="Courier New"/>
+                <a:sym typeface="Courier New"/>
+              </a:defRPr>
             </a:pPr>
             <a:r>
-              <a:t>Problem:</a:t>
-            </a:r>
-          </a:p>
-          <a:p>
-            <a:pPr lvl="1">
+              <a:rPr>
+                <a:latin typeface="Gill Sans MT"/>
+                <a:ea typeface="Gill Sans MT"/>
+                <a:cs typeface="Gill Sans MT"/>
+                <a:sym typeface="Gill Sans MT"/>
+              </a:rPr>
+              <a:t>Invocation of </a:t>
+            </a:r>
+            <a:r>
+              <a:t>Hamiltonian(8)</a:t>
+            </a:r>
+            <a:endParaRPr>
+              <a:latin typeface="Gill Sans MT"/>
+              <a:ea typeface="Gill Sans MT"/>
+              <a:cs typeface="Gill Sans MT"/>
+              <a:sym typeface="Gill Sans MT"/>
+            </a:endParaRPr>
+          </a:p>
+          <a:p>
+            <a:pPr lvl="2" marL="0" indent="457200">
               <a:spcBef>
-                <a:spcPts val="200"/>
+                <a:spcPts val="100"/>
               </a:spcBef>
+              <a:buSzTx/>
+              <a:buNone/>
+              <a:defRPr sz="2400">
+                <a:latin typeface="Courier New"/>
+                <a:ea typeface="Courier New"/>
+                <a:cs typeface="Courier New"/>
+                <a:sym typeface="Courier New"/>
+              </a:defRPr>
             </a:pPr>
             <a:r>
-              <a:t>Given a graph </a:t>
+              <a:t>A1:</a:t>
+            </a:r>
+            <a:r>
+              <a:rPr>
+                <a:latin typeface="Gill Sans MT"/>
+                <a:ea typeface="Gill Sans MT"/>
+                <a:cs typeface="Gill Sans MT"/>
+                <a:sym typeface="Gill Sans MT"/>
+              </a:rPr>
+              <a:t> invoke </a:t>
+            </a:r>
+            <a:r>
+              <a:t>NextValue(8)</a:t>
+            </a:r>
+          </a:p>
+          <a:p>
+            <a:pPr lvl="2" marL="0" indent="457200">
+              <a:spcBef>
+                <a:spcPts val="100"/>
+              </a:spcBef>
+              <a:buSzTx/>
+              <a:buNone/>
+              <a:defRPr sz="2400">
+                <a:latin typeface="Gill Sans MT"/>
+                <a:ea typeface="Gill Sans MT"/>
+                <a:cs typeface="Gill Sans MT"/>
+                <a:sym typeface="Gill Sans MT"/>
+              </a:defRPr>
+            </a:pPr>
+            <a:r>
+              <a:t>It will fail at condition (</a:t>
             </a:r>
             <a:r>
               <a:rPr>
@@ -10627,10 +10937,10 @@
                 <a:cs typeface="Courier New"/>
                 <a:sym typeface="Courier New"/>
               </a:rPr>
-              <a:t>G=(V,E)</a:t>
-            </a:r>
-            <a:r>
-              <a:t>, and a number </a:t>
+              <a:t>G[x[n][x1]]==1</a:t>
+            </a:r>
+            <a:r>
+              <a:t>)</a:t>
             </a:r>
             <a:r>
               <a:rPr>
@@ -10639,37 +10949,28 @@
                 <a:cs typeface="Courier New"/>
                 <a:sym typeface="Courier New"/>
               </a:rPr>
-              <a:t>m</a:t>
-            </a:r>
-          </a:p>
-          <a:p>
-            <a:pPr lvl="1">
+              <a:t> …N8</a:t>
+            </a:r>
+            <a:r>
+              <a:t>, and then </a:t>
+            </a:r>
+          </a:p>
+          <a:p>
+            <a:pPr lvl="2" marL="0" indent="457200">
               <a:spcBef>
-                <a:spcPts val="200"/>
+                <a:spcPts val="100"/>
               </a:spcBef>
+              <a:buSzTx/>
+              <a:buNone/>
+              <a:defRPr sz="2400">
+                <a:latin typeface="Gill Sans MT"/>
+                <a:ea typeface="Gill Sans MT"/>
+                <a:cs typeface="Gill Sans MT"/>
+                <a:sym typeface="Gill Sans MT"/>
+              </a:defRPr>
             </a:pPr>
             <a:r>
-              <a:t>color the nodes of the graph in such a way that</a:t>
-            </a:r>
-          </a:p>
-          <a:p>
-            <a:pPr lvl="1">
-              <a:spcBef>
-                <a:spcPts val="200"/>
-              </a:spcBef>
-            </a:pPr>
-            <a:r>
-              <a:t>no two adjacent nodes have same color</a:t>
-            </a:r>
-          </a:p>
-          <a:p>
-            <a:pPr lvl="1">
-              <a:spcBef>
-                <a:spcPts val="200"/>
-              </a:spcBef>
-            </a:pPr>
-            <a:r>
-              <a:t>and at most </a:t>
+              <a:t>at </a:t>
             </a:r>
             <a:r>
               <a:rPr>
@@ -10678,20 +10979,31 @@
                 <a:cs typeface="Courier New"/>
                 <a:sym typeface="Courier New"/>
               </a:rPr>
-              <a:t>m</a:t>
-            </a:r>
-            <a:r>
-              <a:t> colors are used.</a:t>
-            </a:r>
-          </a:p>
-          <a:p>
-            <a:pPr>
+              <a:t>N1, x[8]=(8+1)%=0 </a:t>
+            </a:r>
+            <a:endParaRPr>
+              <a:latin typeface="Courier New"/>
+              <a:ea typeface="Courier New"/>
+              <a:cs typeface="Courier New"/>
+              <a:sym typeface="Courier New"/>
+            </a:endParaRPr>
+          </a:p>
+          <a:p>
+            <a:pPr lvl="2" marL="0" indent="457200">
               <a:spcBef>
-                <a:spcPts val="200"/>
+                <a:spcPts val="100"/>
               </a:spcBef>
+              <a:buSzTx/>
+              <a:buNone/>
+              <a:defRPr sz="2400">
+                <a:latin typeface="Gill Sans MT"/>
+                <a:ea typeface="Gill Sans MT"/>
+                <a:cs typeface="Gill Sans MT"/>
+                <a:sym typeface="Gill Sans MT"/>
+              </a:defRPr>
             </a:pPr>
             <a:r>
-              <a:t>Note: if </a:t>
+              <a:t>and thus condition at </a:t>
             </a:r>
             <a:r>
               <a:rPr>
@@ -10700,10 +11012,46 @@
                 <a:cs typeface="Courier New"/>
                 <a:sym typeface="Courier New"/>
               </a:rPr>
-              <a:t>d</a:t>
-            </a:r>
-            <a:r>
-              <a:t> is degree of graph, then graph can be colored with </a:t>
+              <a:t>N2, x[k]==0</a:t>
+            </a:r>
+            <a:r>
+              <a:t> becomes True</a:t>
+            </a:r>
+          </a:p>
+          <a:p>
+            <a:pPr lvl="3" marL="0" indent="685800">
+              <a:spcBef>
+                <a:spcPts val="100"/>
+              </a:spcBef>
+              <a:buSzTx/>
+              <a:buNone/>
+              <a:defRPr sz="2400">
+                <a:latin typeface="Gill Sans MT"/>
+                <a:ea typeface="Gill Sans MT"/>
+                <a:cs typeface="Gill Sans MT"/>
+                <a:sym typeface="Gill Sans MT"/>
+              </a:defRPr>
+            </a:pPr>
+            <a:r>
+              <a:t>return.</a:t>
+            </a:r>
+          </a:p>
+          <a:p>
+            <a:pPr lvl="1" marL="0" indent="228600">
+              <a:spcBef>
+                <a:spcPts val="100"/>
+              </a:spcBef>
+              <a:buSzTx/>
+              <a:buNone/>
+              <a:defRPr sz="2400">
+                <a:latin typeface="Gill Sans MT"/>
+                <a:ea typeface="Gill Sans MT"/>
+                <a:cs typeface="Gill Sans MT"/>
+                <a:sym typeface="Gill Sans MT"/>
+              </a:defRPr>
+            </a:pPr>
+            <a:r>
+              <a:t>It keeps returning from recursive invocation, and then at the first invocation of </a:t>
             </a:r>
             <a:r>
               <a:rPr>
@@ -10712,18 +11060,32 @@
                 <a:cs typeface="Courier New"/>
                 <a:sym typeface="Courier New"/>
               </a:rPr>
-              <a:t>d+1</a:t>
-            </a:r>
-            <a:r>
-              <a:t> colors.</a:t>
-            </a:r>
-          </a:p>
-          <a:p>
-            <a:pPr>
+              <a:t>Hamiltonian(2), </a:t>
+            </a:r>
+            <a:endParaRPr>
+              <a:latin typeface="Courier New"/>
+              <a:ea typeface="Courier New"/>
+              <a:cs typeface="Courier New"/>
+              <a:sym typeface="Courier New"/>
+            </a:endParaRPr>
+          </a:p>
+          <a:p>
+            <a:pPr lvl="2" marL="0" indent="457200">
               <a:spcBef>
-                <a:spcPts val="200"/>
+                <a:spcPts val="100"/>
               </a:spcBef>
+              <a:buSzTx/>
+              <a:buNone/>
+              <a:defRPr sz="2400">
+                <a:latin typeface="Gill Sans MT"/>
+                <a:ea typeface="Gill Sans MT"/>
+                <a:cs typeface="Gill Sans MT"/>
+                <a:sym typeface="Gill Sans MT"/>
+              </a:defRPr>
             </a:pPr>
+            <a:r>
+              <a:t>for </a:t>
+            </a:r>
             <a:r>
               <a:rPr>
                 <a:latin typeface="Courier New"/>
@@ -10731,20 +11093,10 @@
                 <a:cs typeface="Courier New"/>
                 <a:sym typeface="Courier New"/>
               </a:rPr>
-              <a:t>m-colorability</a:t>
-            </a:r>
-            <a:r>
-              <a:t> optimization problem</a:t>
-            </a:r>
-          </a:p>
-          <a:p>
-            <a:pPr lvl="1">
-              <a:spcBef>
-                <a:spcPts val="200"/>
-              </a:spcBef>
-            </a:pPr>
-            <a:r>
-              <a:t>Find smallest integer </a:t>
+              <a:t>k=2, x[2]=(2+1)%9=3</a:t>
+            </a:r>
+            <a:r>
+              <a:t> at </a:t>
             </a:r>
             <a:r>
               <a:rPr>
@@ -10753,44 +11105,49 @@
                 <a:cs typeface="Courier New"/>
                 <a:sym typeface="Courier New"/>
               </a:rPr>
-              <a:t>m</a:t>
-            </a:r>
-            <a:r>
-              <a:t> for which </a:t>
-            </a:r>
-            <a:r>
-              <a:rPr>
+              <a:t>N1</a:t>
+            </a:r>
+            <a:endParaRPr>
+              <a:latin typeface="Courier New"/>
+              <a:ea typeface="Courier New"/>
+              <a:cs typeface="Courier New"/>
+              <a:sym typeface="Courier New"/>
+            </a:endParaRPr>
+          </a:p>
+          <a:p>
+            <a:pPr lvl="2" marL="0" indent="457200">
+              <a:spcBef>
+                <a:spcPts val="100"/>
+              </a:spcBef>
+              <a:buSzTx/>
+              <a:buNone/>
+              <a:defRPr sz="2400">
+                <a:latin typeface="Gill Sans MT"/>
+                <a:ea typeface="Gill Sans MT"/>
+                <a:cs typeface="Gill Sans MT"/>
+                <a:sym typeface="Gill Sans MT"/>
+              </a:defRPr>
+            </a:pPr>
+            <a:r>
+              <a:t>It will proceed in this further and will find a cycle</a:t>
+            </a:r>
+          </a:p>
+          <a:p>
+            <a:pPr lvl="3" marL="0" indent="685800">
+              <a:spcBef>
+                <a:spcPts val="100"/>
+              </a:spcBef>
+              <a:buSzTx/>
+              <a:buNone/>
+              <a:defRPr sz="2400">
                 <a:latin typeface="Courier New"/>
                 <a:ea typeface="Courier New"/>
                 <a:cs typeface="Courier New"/>
                 <a:sym typeface="Courier New"/>
-              </a:rPr>
-              <a:t>G</a:t>
-            </a:r>
-            <a:r>
-              <a:t> can be colored.</a:t>
-            </a:r>
-          </a:p>
-          <a:p>
-            <a:pPr lvl="1">
-              <a:spcBef>
-                <a:spcPts val="200"/>
-              </a:spcBef>
+              </a:defRPr>
             </a:pPr>
             <a:r>
-              <a:t>m is called </a:t>
-            </a:r>
-            <a:r>
-              <a:rPr>
-                <a:latin typeface="Courier New"/>
-                <a:ea typeface="Courier New"/>
-                <a:cs typeface="Courier New"/>
-                <a:sym typeface="Courier New"/>
-              </a:rPr>
-              <a:t>chromatic number</a:t>
-            </a:r>
-            <a:r>
-              <a:t> of G.</a:t>
+              <a:t>1,3,4,5,6,7,8,2.</a:t>
             </a:r>
           </a:p>
         </p:txBody>
@@ -10902,6 +11259,830 @@
           </a:p>
         </p:txBody>
       </p:sp>
+      <p:grpSp>
+        <p:nvGrpSpPr>
+          <p:cNvPr id="278" name="Group"/>
+          <p:cNvGrpSpPr/>
+          <p:nvPr/>
+        </p:nvGrpSpPr>
+        <p:grpSpPr>
+          <a:xfrm>
+            <a:off x="1028035" y="601669"/>
+            <a:ext cx="8398631" cy="1785761"/>
+            <a:chOff x="0" y="0"/>
+            <a:chExt cx="8398630" cy="1785760"/>
+          </a:xfrm>
+        </p:grpSpPr>
+        <p:sp>
+          <p:nvSpPr>
+            <p:cNvPr id="259" name="1"/>
+            <p:cNvSpPr/>
+            <p:nvPr/>
+          </p:nvSpPr>
+          <p:spPr>
+            <a:xfrm>
+              <a:off x="0" y="313983"/>
+              <a:ext cx="629262" cy="408094"/>
+            </a:xfrm>
+            <a:prstGeom prst="ellipse">
+              <a:avLst/>
+            </a:prstGeom>
+            <a:noFill/>
+            <a:ln w="25400" cap="flat">
+              <a:solidFill>
+                <a:srgbClr val="000000"/>
+              </a:solidFill>
+              <a:prstDash val="solid"/>
+              <a:round/>
+            </a:ln>
+            <a:effectLst/>
+            <a:extLst>
+              <a:ext uri="{C572A759-6A51-4108-AA02-DFA0A04FC94B}">
+                <ma14:wrappingTextBoxFlag xmlns:ma14="http://schemas.microsoft.com/office/mac/drawingml/2011/main" val="1"/>
+              </a:ext>
+            </a:extLst>
+          </p:spPr>
+          <p:txBody>
+            <a:bodyPr wrap="square" lIns="50800" tIns="50800" rIns="50800" bIns="50800" numCol="1" anchor="ctr">
+              <a:noAutofit/>
+            </a:bodyPr>
+            <a:lstStyle>
+              <a:lvl1pPr algn="ctr">
+                <a:defRPr sz="1800">
+                  <a:latin typeface="Arial"/>
+                  <a:ea typeface="Arial"/>
+                  <a:cs typeface="Arial"/>
+                  <a:sym typeface="Arial"/>
+                </a:defRPr>
+              </a:lvl1pPr>
+            </a:lstStyle>
+            <a:p>
+              <a:pPr/>
+              <a:r>
+                <a:t>1</a:t>
+              </a:r>
+            </a:p>
+          </p:txBody>
+        </p:sp>
+        <p:sp>
+          <p:nvSpPr>
+            <p:cNvPr id="260" name="2"/>
+            <p:cNvSpPr/>
+            <p:nvPr/>
+          </p:nvSpPr>
+          <p:spPr>
+            <a:xfrm>
+              <a:off x="2069143" y="313983"/>
+              <a:ext cx="629263" cy="408094"/>
+            </a:xfrm>
+            <a:prstGeom prst="ellipse">
+              <a:avLst/>
+            </a:prstGeom>
+            <a:noFill/>
+            <a:ln w="25400" cap="flat">
+              <a:solidFill>
+                <a:srgbClr val="000000"/>
+              </a:solidFill>
+              <a:prstDash val="solid"/>
+              <a:round/>
+            </a:ln>
+            <a:effectLst/>
+            <a:extLst>
+              <a:ext uri="{C572A759-6A51-4108-AA02-DFA0A04FC94B}">
+                <ma14:wrappingTextBoxFlag xmlns:ma14="http://schemas.microsoft.com/office/mac/drawingml/2011/main" val="1"/>
+              </a:ext>
+            </a:extLst>
+          </p:spPr>
+          <p:txBody>
+            <a:bodyPr wrap="square" lIns="50800" tIns="50800" rIns="50800" bIns="50800" numCol="1" anchor="ctr">
+              <a:noAutofit/>
+            </a:bodyPr>
+            <a:lstStyle>
+              <a:lvl1pPr algn="ctr">
+                <a:defRPr sz="1800">
+                  <a:latin typeface="Arial"/>
+                  <a:ea typeface="Arial"/>
+                  <a:cs typeface="Arial"/>
+                  <a:sym typeface="Arial"/>
+                </a:defRPr>
+              </a:lvl1pPr>
+            </a:lstStyle>
+            <a:p>
+              <a:pPr/>
+              <a:r>
+                <a:t>2</a:t>
+              </a:r>
+            </a:p>
+          </p:txBody>
+        </p:sp>
+        <p:sp>
+          <p:nvSpPr>
+            <p:cNvPr id="261" name="3"/>
+            <p:cNvSpPr/>
+            <p:nvPr/>
+          </p:nvSpPr>
+          <p:spPr>
+            <a:xfrm>
+              <a:off x="5587000" y="313983"/>
+              <a:ext cx="629262" cy="408094"/>
+            </a:xfrm>
+            <a:prstGeom prst="ellipse">
+              <a:avLst/>
+            </a:prstGeom>
+            <a:noFill/>
+            <a:ln w="25400" cap="flat">
+              <a:solidFill>
+                <a:srgbClr val="000000"/>
+              </a:solidFill>
+              <a:prstDash val="solid"/>
+              <a:round/>
+            </a:ln>
+            <a:effectLst/>
+            <a:extLst>
+              <a:ext uri="{C572A759-6A51-4108-AA02-DFA0A04FC94B}">
+                <ma14:wrappingTextBoxFlag xmlns:ma14="http://schemas.microsoft.com/office/mac/drawingml/2011/main" val="1"/>
+              </a:ext>
+            </a:extLst>
+          </p:spPr>
+          <p:txBody>
+            <a:bodyPr wrap="square" lIns="50800" tIns="50800" rIns="50800" bIns="50800" numCol="1" anchor="ctr">
+              <a:noAutofit/>
+            </a:bodyPr>
+            <a:lstStyle>
+              <a:lvl1pPr algn="ctr">
+                <a:defRPr sz="1800">
+                  <a:latin typeface="Arial"/>
+                  <a:ea typeface="Arial"/>
+                  <a:cs typeface="Arial"/>
+                  <a:sym typeface="Arial"/>
+                </a:defRPr>
+              </a:lvl1pPr>
+            </a:lstStyle>
+            <a:p>
+              <a:pPr/>
+              <a:r>
+                <a:t>3</a:t>
+              </a:r>
+            </a:p>
+          </p:txBody>
+        </p:sp>
+        <p:sp>
+          <p:nvSpPr>
+            <p:cNvPr id="262" name="4"/>
+            <p:cNvSpPr/>
+            <p:nvPr/>
+          </p:nvSpPr>
+          <p:spPr>
+            <a:xfrm>
+              <a:off x="7703986" y="313983"/>
+              <a:ext cx="629262" cy="408094"/>
+            </a:xfrm>
+            <a:prstGeom prst="ellipse">
+              <a:avLst/>
+            </a:prstGeom>
+            <a:noFill/>
+            <a:ln w="25400" cap="flat">
+              <a:solidFill>
+                <a:srgbClr val="000000"/>
+              </a:solidFill>
+              <a:prstDash val="solid"/>
+              <a:round/>
+            </a:ln>
+            <a:effectLst/>
+            <a:extLst>
+              <a:ext uri="{C572A759-6A51-4108-AA02-DFA0A04FC94B}">
+                <ma14:wrappingTextBoxFlag xmlns:ma14="http://schemas.microsoft.com/office/mac/drawingml/2011/main" val="1"/>
+              </a:ext>
+            </a:extLst>
+          </p:spPr>
+          <p:txBody>
+            <a:bodyPr wrap="square" lIns="50800" tIns="50800" rIns="50800" bIns="50800" numCol="1" anchor="ctr">
+              <a:noAutofit/>
+            </a:bodyPr>
+            <a:lstStyle>
+              <a:lvl1pPr algn="ctr">
+                <a:defRPr sz="1800">
+                  <a:latin typeface="Arial"/>
+                  <a:ea typeface="Arial"/>
+                  <a:cs typeface="Arial"/>
+                  <a:sym typeface="Arial"/>
+                </a:defRPr>
+              </a:lvl1pPr>
+            </a:lstStyle>
+            <a:p>
+              <a:pPr/>
+              <a:r>
+                <a:t>4</a:t>
+              </a:r>
+            </a:p>
+          </p:txBody>
+        </p:sp>
+        <p:sp>
+          <p:nvSpPr>
+            <p:cNvPr id="263" name="8"/>
+            <p:cNvSpPr/>
+            <p:nvPr/>
+          </p:nvSpPr>
+          <p:spPr>
+            <a:xfrm>
+              <a:off x="50701" y="1377667"/>
+              <a:ext cx="629262" cy="408094"/>
+            </a:xfrm>
+            <a:prstGeom prst="ellipse">
+              <a:avLst/>
+            </a:prstGeom>
+            <a:noFill/>
+            <a:ln w="25400" cap="flat">
+              <a:solidFill>
+                <a:srgbClr val="000000"/>
+              </a:solidFill>
+              <a:prstDash val="solid"/>
+              <a:round/>
+            </a:ln>
+            <a:effectLst/>
+            <a:extLst>
+              <a:ext uri="{C572A759-6A51-4108-AA02-DFA0A04FC94B}">
+                <ma14:wrappingTextBoxFlag xmlns:ma14="http://schemas.microsoft.com/office/mac/drawingml/2011/main" val="1"/>
+              </a:ext>
+            </a:extLst>
+          </p:spPr>
+          <p:txBody>
+            <a:bodyPr wrap="square" lIns="50800" tIns="50800" rIns="50800" bIns="50800" numCol="1" anchor="ctr">
+              <a:noAutofit/>
+            </a:bodyPr>
+            <a:lstStyle>
+              <a:lvl1pPr algn="ctr">
+                <a:defRPr sz="1800">
+                  <a:latin typeface="Arial"/>
+                  <a:ea typeface="Arial"/>
+                  <a:cs typeface="Arial"/>
+                  <a:sym typeface="Arial"/>
+                </a:defRPr>
+              </a:lvl1pPr>
+            </a:lstStyle>
+            <a:p>
+              <a:pPr/>
+              <a:r>
+                <a:t>8</a:t>
+              </a:r>
+            </a:p>
+          </p:txBody>
+        </p:sp>
+        <p:sp>
+          <p:nvSpPr>
+            <p:cNvPr id="264" name="7"/>
+            <p:cNvSpPr/>
+            <p:nvPr/>
+          </p:nvSpPr>
+          <p:spPr>
+            <a:xfrm>
+              <a:off x="2119845" y="1377667"/>
+              <a:ext cx="629262" cy="408094"/>
+            </a:xfrm>
+            <a:prstGeom prst="ellipse">
+              <a:avLst/>
+            </a:prstGeom>
+            <a:noFill/>
+            <a:ln w="25400" cap="flat">
+              <a:solidFill>
+                <a:srgbClr val="000000"/>
+              </a:solidFill>
+              <a:prstDash val="solid"/>
+              <a:round/>
+            </a:ln>
+            <a:effectLst/>
+            <a:extLst>
+              <a:ext uri="{C572A759-6A51-4108-AA02-DFA0A04FC94B}">
+                <ma14:wrappingTextBoxFlag xmlns:ma14="http://schemas.microsoft.com/office/mac/drawingml/2011/main" val="1"/>
+              </a:ext>
+            </a:extLst>
+          </p:spPr>
+          <p:txBody>
+            <a:bodyPr wrap="square" lIns="50800" tIns="50800" rIns="50800" bIns="50800" numCol="1" anchor="ctr">
+              <a:noAutofit/>
+            </a:bodyPr>
+            <a:lstStyle>
+              <a:lvl1pPr algn="ctr">
+                <a:defRPr sz="1800">
+                  <a:latin typeface="Arial"/>
+                  <a:ea typeface="Arial"/>
+                  <a:cs typeface="Arial"/>
+                  <a:sym typeface="Arial"/>
+                </a:defRPr>
+              </a:lvl1pPr>
+            </a:lstStyle>
+            <a:p>
+              <a:pPr/>
+              <a:r>
+                <a:t>7</a:t>
+              </a:r>
+            </a:p>
+          </p:txBody>
+        </p:sp>
+        <p:sp>
+          <p:nvSpPr>
+            <p:cNvPr id="265" name="6"/>
+            <p:cNvSpPr/>
+            <p:nvPr/>
+          </p:nvSpPr>
+          <p:spPr>
+            <a:xfrm>
+              <a:off x="5637701" y="1377667"/>
+              <a:ext cx="629263" cy="408094"/>
+            </a:xfrm>
+            <a:prstGeom prst="ellipse">
+              <a:avLst/>
+            </a:prstGeom>
+            <a:noFill/>
+            <a:ln w="25400" cap="flat">
+              <a:solidFill>
+                <a:srgbClr val="000000"/>
+              </a:solidFill>
+              <a:prstDash val="solid"/>
+              <a:round/>
+            </a:ln>
+            <a:effectLst/>
+            <a:extLst>
+              <a:ext uri="{C572A759-6A51-4108-AA02-DFA0A04FC94B}">
+                <ma14:wrappingTextBoxFlag xmlns:ma14="http://schemas.microsoft.com/office/mac/drawingml/2011/main" val="1"/>
+              </a:ext>
+            </a:extLst>
+          </p:spPr>
+          <p:txBody>
+            <a:bodyPr wrap="square" lIns="50800" tIns="50800" rIns="50800" bIns="50800" numCol="1" anchor="ctr">
+              <a:noAutofit/>
+            </a:bodyPr>
+            <a:lstStyle>
+              <a:lvl1pPr algn="ctr">
+                <a:defRPr sz="1800">
+                  <a:latin typeface="Arial"/>
+                  <a:ea typeface="Arial"/>
+                  <a:cs typeface="Arial"/>
+                  <a:sym typeface="Arial"/>
+                </a:defRPr>
+              </a:lvl1pPr>
+            </a:lstStyle>
+            <a:p>
+              <a:pPr/>
+              <a:r>
+                <a:t>6</a:t>
+              </a:r>
+            </a:p>
+          </p:txBody>
+        </p:sp>
+        <p:sp>
+          <p:nvSpPr>
+            <p:cNvPr id="266" name="5"/>
+            <p:cNvSpPr/>
+            <p:nvPr/>
+          </p:nvSpPr>
+          <p:spPr>
+            <a:xfrm>
+              <a:off x="7769369" y="1377667"/>
+              <a:ext cx="629262" cy="408094"/>
+            </a:xfrm>
+            <a:prstGeom prst="ellipse">
+              <a:avLst/>
+            </a:prstGeom>
+            <a:noFill/>
+            <a:ln w="25400" cap="flat">
+              <a:solidFill>
+                <a:srgbClr val="000000"/>
+              </a:solidFill>
+              <a:prstDash val="solid"/>
+              <a:round/>
+            </a:ln>
+            <a:effectLst/>
+            <a:extLst>
+              <a:ext uri="{C572A759-6A51-4108-AA02-DFA0A04FC94B}">
+                <ma14:wrappingTextBoxFlag xmlns:ma14="http://schemas.microsoft.com/office/mac/drawingml/2011/main" val="1"/>
+              </a:ext>
+            </a:extLst>
+          </p:spPr>
+          <p:txBody>
+            <a:bodyPr wrap="square" lIns="50800" tIns="50800" rIns="50800" bIns="50800" numCol="1" anchor="ctr">
+              <a:noAutofit/>
+            </a:bodyPr>
+            <a:lstStyle>
+              <a:lvl1pPr algn="ctr">
+                <a:defRPr sz="1800">
+                  <a:latin typeface="Arial"/>
+                  <a:ea typeface="Arial"/>
+                  <a:cs typeface="Arial"/>
+                  <a:sym typeface="Arial"/>
+                </a:defRPr>
+              </a:lvl1pPr>
+            </a:lstStyle>
+            <a:p>
+              <a:pPr/>
+              <a:r>
+                <a:t>5</a:t>
+              </a:r>
+            </a:p>
+          </p:txBody>
+        </p:sp>
+        <p:sp>
+          <p:nvSpPr>
+            <p:cNvPr id="267" name="Line"/>
+            <p:cNvSpPr/>
+            <p:nvPr/>
+          </p:nvSpPr>
+          <p:spPr>
+            <a:xfrm>
+              <a:off x="703204" y="1583349"/>
+              <a:ext cx="1438815" cy="1"/>
+            </a:xfrm>
+            <a:prstGeom prst="line">
+              <a:avLst/>
+            </a:prstGeom>
+            <a:noFill/>
+            <a:ln w="25400" cap="flat">
+              <a:solidFill>
+                <a:srgbClr val="000000"/>
+              </a:solidFill>
+              <a:prstDash val="solid"/>
+              <a:round/>
+            </a:ln>
+            <a:effectLst/>
+          </p:spPr>
+          <p:txBody>
+            <a:bodyPr wrap="square" lIns="0" tIns="0" rIns="0" bIns="0" numCol="1" anchor="t">
+              <a:noAutofit/>
+            </a:bodyPr>
+            <a:lstStyle/>
+            <a:p>
+              <a:pPr/>
+            </a:p>
+          </p:txBody>
+        </p:sp>
+        <p:sp>
+          <p:nvSpPr>
+            <p:cNvPr id="268" name="Line"/>
+            <p:cNvSpPr/>
+            <p:nvPr/>
+          </p:nvSpPr>
+          <p:spPr>
+            <a:xfrm>
+              <a:off x="6216796" y="518030"/>
+              <a:ext cx="1438815" cy="1"/>
+            </a:xfrm>
+            <a:prstGeom prst="line">
+              <a:avLst/>
+            </a:prstGeom>
+            <a:noFill/>
+            <a:ln w="25400" cap="flat">
+              <a:solidFill>
+                <a:srgbClr val="000000"/>
+              </a:solidFill>
+              <a:prstDash val="solid"/>
+              <a:round/>
+            </a:ln>
+            <a:effectLst/>
+          </p:spPr>
+          <p:txBody>
+            <a:bodyPr wrap="square" lIns="0" tIns="0" rIns="0" bIns="0" numCol="1" anchor="t">
+              <a:noAutofit/>
+            </a:bodyPr>
+            <a:lstStyle/>
+            <a:p>
+              <a:pPr/>
+            </a:p>
+          </p:txBody>
+        </p:sp>
+        <p:sp>
+          <p:nvSpPr>
+            <p:cNvPr id="269" name="Line"/>
+            <p:cNvSpPr/>
+            <p:nvPr/>
+          </p:nvSpPr>
+          <p:spPr>
+            <a:xfrm>
+              <a:off x="629796" y="522291"/>
+              <a:ext cx="1438814" cy="1"/>
+            </a:xfrm>
+            <a:prstGeom prst="line">
+              <a:avLst/>
+            </a:prstGeom>
+            <a:noFill/>
+            <a:ln w="25400" cap="flat">
+              <a:solidFill>
+                <a:srgbClr val="000000"/>
+              </a:solidFill>
+              <a:prstDash val="solid"/>
+              <a:round/>
+            </a:ln>
+            <a:effectLst/>
+          </p:spPr>
+          <p:txBody>
+            <a:bodyPr wrap="square" lIns="0" tIns="0" rIns="0" bIns="0" numCol="1" anchor="t">
+              <a:noAutofit/>
+            </a:bodyPr>
+            <a:lstStyle/>
+            <a:p>
+              <a:pPr/>
+            </a:p>
+          </p:txBody>
+        </p:sp>
+        <p:sp>
+          <p:nvSpPr>
+            <p:cNvPr id="270" name="Line"/>
+            <p:cNvSpPr/>
+            <p:nvPr/>
+          </p:nvSpPr>
+          <p:spPr>
+            <a:xfrm>
+              <a:off x="6216796" y="1581713"/>
+              <a:ext cx="1438815" cy="1"/>
+            </a:xfrm>
+            <a:prstGeom prst="line">
+              <a:avLst/>
+            </a:prstGeom>
+            <a:noFill/>
+            <a:ln w="25400" cap="flat">
+              <a:solidFill>
+                <a:srgbClr val="000000"/>
+              </a:solidFill>
+              <a:prstDash val="solid"/>
+              <a:round/>
+            </a:ln>
+            <a:effectLst/>
+          </p:spPr>
+          <p:txBody>
+            <a:bodyPr wrap="square" lIns="0" tIns="0" rIns="0" bIns="0" numCol="1" anchor="t">
+              <a:noAutofit/>
+            </a:bodyPr>
+            <a:lstStyle/>
+            <a:p>
+              <a:pPr/>
+            </a:p>
+          </p:txBody>
+        </p:sp>
+        <p:sp>
+          <p:nvSpPr>
+            <p:cNvPr id="271" name="Line"/>
+            <p:cNvSpPr/>
+            <p:nvPr/>
+          </p:nvSpPr>
+          <p:spPr>
+            <a:xfrm>
+              <a:off x="452152" y="724037"/>
+              <a:ext cx="1794102" cy="720277"/>
+            </a:xfrm>
+            <a:prstGeom prst="line">
+              <a:avLst/>
+            </a:prstGeom>
+            <a:noFill/>
+            <a:ln w="25400" cap="flat">
+              <a:solidFill>
+                <a:srgbClr val="000000"/>
+              </a:solidFill>
+              <a:prstDash val="solid"/>
+              <a:round/>
+            </a:ln>
+            <a:effectLst/>
+          </p:spPr>
+          <p:txBody>
+            <a:bodyPr wrap="square" lIns="0" tIns="0" rIns="0" bIns="0" numCol="1" anchor="t">
+              <a:noAutofit/>
+            </a:bodyPr>
+            <a:lstStyle/>
+            <a:p>
+              <a:pPr/>
+            </a:p>
+          </p:txBody>
+        </p:sp>
+        <p:sp>
+          <p:nvSpPr>
+            <p:cNvPr id="272" name="Line"/>
+            <p:cNvSpPr/>
+            <p:nvPr/>
+          </p:nvSpPr>
+          <p:spPr>
+            <a:xfrm>
+              <a:off x="2704508" y="518030"/>
+              <a:ext cx="2876390" cy="1"/>
+            </a:xfrm>
+            <a:prstGeom prst="line">
+              <a:avLst/>
+            </a:prstGeom>
+            <a:noFill/>
+            <a:ln w="25400" cap="flat">
+              <a:solidFill>
+                <a:srgbClr val="000000"/>
+              </a:solidFill>
+              <a:prstDash val="solid"/>
+              <a:round/>
+            </a:ln>
+            <a:effectLst/>
+          </p:spPr>
+          <p:txBody>
+            <a:bodyPr wrap="square" lIns="0" tIns="0" rIns="0" bIns="0" numCol="1" anchor="t">
+              <a:noAutofit/>
+            </a:bodyPr>
+            <a:lstStyle/>
+            <a:p>
+              <a:pPr/>
+            </a:p>
+          </p:txBody>
+        </p:sp>
+        <p:sp>
+          <p:nvSpPr>
+            <p:cNvPr id="273" name="Line"/>
+            <p:cNvSpPr/>
+            <p:nvPr/>
+          </p:nvSpPr>
+          <p:spPr>
+            <a:xfrm>
+              <a:off x="2769891" y="1581713"/>
+              <a:ext cx="2876390" cy="1"/>
+            </a:xfrm>
+            <a:prstGeom prst="line">
+              <a:avLst/>
+            </a:prstGeom>
+            <a:noFill/>
+            <a:ln w="25400" cap="flat">
+              <a:solidFill>
+                <a:srgbClr val="000000"/>
+              </a:solidFill>
+              <a:prstDash val="solid"/>
+              <a:round/>
+            </a:ln>
+            <a:effectLst/>
+          </p:spPr>
+          <p:txBody>
+            <a:bodyPr wrap="square" lIns="0" tIns="0" rIns="0" bIns="0" numCol="1" anchor="t">
+              <a:noAutofit/>
+            </a:bodyPr>
+            <a:lstStyle/>
+            <a:p>
+              <a:pPr/>
+            </a:p>
+          </p:txBody>
+        </p:sp>
+        <p:sp>
+          <p:nvSpPr>
+            <p:cNvPr id="274" name="Line"/>
+            <p:cNvSpPr/>
+            <p:nvPr/>
+          </p:nvSpPr>
+          <p:spPr>
+            <a:xfrm>
+              <a:off x="5952332" y="720415"/>
+              <a:ext cx="1" cy="658914"/>
+            </a:xfrm>
+            <a:prstGeom prst="line">
+              <a:avLst/>
+            </a:prstGeom>
+            <a:noFill/>
+            <a:ln w="25400" cap="flat">
+              <a:solidFill>
+                <a:srgbClr val="000000"/>
+              </a:solidFill>
+              <a:prstDash val="solid"/>
+              <a:round/>
+            </a:ln>
+            <a:effectLst/>
+          </p:spPr>
+          <p:txBody>
+            <a:bodyPr wrap="square" lIns="0" tIns="0" rIns="0" bIns="0" numCol="1" anchor="t">
+              <a:noAutofit/>
+            </a:bodyPr>
+            <a:lstStyle/>
+            <a:p>
+              <a:pPr/>
+            </a:p>
+          </p:txBody>
+        </p:sp>
+        <p:sp>
+          <p:nvSpPr>
+            <p:cNvPr id="275" name="Line"/>
+            <p:cNvSpPr/>
+            <p:nvPr/>
+          </p:nvSpPr>
+          <p:spPr>
+            <a:xfrm>
+              <a:off x="8047980" y="735003"/>
+              <a:ext cx="1" cy="658913"/>
+            </a:xfrm>
+            <a:prstGeom prst="line">
+              <a:avLst/>
+            </a:prstGeom>
+            <a:noFill/>
+            <a:ln w="25400" cap="flat">
+              <a:solidFill>
+                <a:srgbClr val="000000"/>
+              </a:solidFill>
+              <a:prstDash val="solid"/>
+              <a:round/>
+            </a:ln>
+            <a:effectLst/>
+          </p:spPr>
+          <p:txBody>
+            <a:bodyPr wrap="square" lIns="0" tIns="0" rIns="0" bIns="0" numCol="1" anchor="t">
+              <a:noAutofit/>
+            </a:bodyPr>
+            <a:lstStyle/>
+            <a:p>
+              <a:pPr/>
+            </a:p>
+          </p:txBody>
+        </p:sp>
+        <p:sp>
+          <p:nvSpPr>
+            <p:cNvPr id="279" name="Connection Line"/>
+            <p:cNvSpPr/>
+            <p:nvPr/>
+          </p:nvSpPr>
+          <p:spPr>
+            <a:xfrm>
+              <a:off x="450889" y="0"/>
+              <a:ext cx="5157914" cy="420830"/>
+            </a:xfrm>
+            <a:custGeom>
+              <a:avLst/>
+              <a:gdLst/>
+              <a:ahLst/>
+              <a:cxnLst>
+                <a:cxn ang="0">
+                  <a:pos x="wd2" y="hd2"/>
+                </a:cxn>
+                <a:cxn ang="5400000">
+                  <a:pos x="wd2" y="hd2"/>
+                </a:cxn>
+                <a:cxn ang="10800000">
+                  <a:pos x="wd2" y="hd2"/>
+                </a:cxn>
+                <a:cxn ang="16200000">
+                  <a:pos x="wd2" y="hd2"/>
+                </a:cxn>
+              </a:cxnLst>
+              <a:rect l="0" t="0" r="r" b="b"/>
+              <a:pathLst>
+                <a:path w="21600" h="16256" fill="norm" stroke="1" extrusionOk="0">
+                  <a:moveTo>
+                    <a:pt x="0" y="12675"/>
+                  </a:moveTo>
+                  <a:cubicBezTo>
+                    <a:pt x="7361" y="-5344"/>
+                    <a:pt x="14561" y="-4150"/>
+                    <a:pt x="21600" y="16256"/>
+                  </a:cubicBezTo>
+                </a:path>
+              </a:pathLst>
+            </a:custGeom>
+            <a:noFill/>
+            <a:ln w="25400" cap="flat">
+              <a:solidFill>
+                <a:srgbClr val="000000"/>
+              </a:solidFill>
+              <a:prstDash val="solid"/>
+              <a:round/>
+            </a:ln>
+            <a:effectLst/>
+          </p:spPr>
+          <p:txBody>
+            <a:bodyPr/>
+            <a:lstStyle/>
+            <a:p>
+              <a:pPr/>
+            </a:p>
+          </p:txBody>
+        </p:sp>
+        <p:sp>
+          <p:nvSpPr>
+            <p:cNvPr id="277" name="Line"/>
+            <p:cNvSpPr/>
+            <p:nvPr/>
+          </p:nvSpPr>
+          <p:spPr>
+            <a:xfrm flipV="1">
+              <a:off x="546991" y="625268"/>
+              <a:ext cx="1575059" cy="790061"/>
+            </a:xfrm>
+            <a:prstGeom prst="line">
+              <a:avLst/>
+            </a:prstGeom>
+            <a:noFill/>
+            <a:ln w="25400" cap="flat">
+              <a:solidFill>
+                <a:srgbClr val="000000"/>
+              </a:solidFill>
+              <a:prstDash val="solid"/>
+              <a:round/>
+            </a:ln>
+            <a:effectLst/>
+          </p:spPr>
+          <p:txBody>
+            <a:bodyPr wrap="square" lIns="0" tIns="0" rIns="0" bIns="0" numCol="1" anchor="t">
+              <a:noAutofit/>
+            </a:bodyPr>
+            <a:lstStyle/>
+            <a:p>
+              <a:pPr/>
+            </a:p>
+          </p:txBody>
+        </p:sp>
+      </p:grpSp>
     </p:spTree>
   </p:cSld>
   <p:clrMapOvr>
@@ -11376,6 +12557,54 @@
                       </p:childTnLst>
                     </p:cTn>
                   </p:par>
+                  <p:par>
+                    <p:cTn id="41" fill="hold">
+                      <p:stCondLst>
+                        <p:cond delay="indefinite"/>
+                      </p:stCondLst>
+                      <p:childTnLst>
+                        <p:par>
+                          <p:cTn id="42" fill="hold">
+                            <p:stCondLst>
+                              <p:cond delay="0"/>
+                            </p:stCondLst>
+                            <p:childTnLst>
+                              <p:par>
+                                <p:cTn id="43" presetClass="entr" nodeType="clickEffect" presetSubtype="0" presetID="1" grpId="1" fill="hold">
+                                  <p:stCondLst>
+                                    <p:cond delay="0"/>
+                                  </p:stCondLst>
+                                  <p:iterate type="el" backwards="0">
+                                    <p:tmAbs val="0"/>
+                                  </p:iterate>
+                                  <p:childTnLst>
+                                    <p:set>
+                                      <p:cBhvr>
+                                        <p:cTn id="44" fill="hold"/>
+                                        <p:tgtEl>
+                                          <p:spTgt spid="255">
+                                            <p:txEl>
+                                              <p:pRg st="9" end="9"/>
+                                            </p:txEl>
+                                          </p:spTgt>
+                                        </p:tgtEl>
+                                        <p:attrNameLst>
+                                          <p:attrName>style.visibility</p:attrName>
+                                        </p:attrNameLst>
+                                      </p:cBhvr>
+                                      <p:to>
+                                        <p:strVal val="visible"/>
+                                      </p:to>
+                                    </p:set>
+                                  </p:childTnLst>
+                                </p:cTn>
+                              </p:par>
+                            </p:childTnLst>
+                          </p:cTn>
+                        </p:par>
+                      </p:childTnLst>
+                    </p:cTn>
+                  </p:par>
                 </p:childTnLst>
               </p:cTn>
               <p:prevCondLst>
@@ -11423,7 +12652,7 @@
       </p:grpSpPr>
       <p:sp>
         <p:nvSpPr>
-          <p:cNvPr id="260" name="Planar Graph"/>
+          <p:cNvPr id="281" name="mColoring of Graph"/>
           <p:cNvSpPr txBox="1"/>
           <p:nvPr>
             <p:ph type="title"/>
@@ -11441,31 +12670,22 @@
             <a:pPr/>
             <a:r>
               <a:rPr>
-                <a:latin typeface="Gill Sans MT"/>
-                <a:ea typeface="Gill Sans MT"/>
-                <a:cs typeface="Gill Sans MT"/>
-                <a:sym typeface="Gill Sans MT"/>
-              </a:rPr>
-              <a:t>Planar</a:t>
-            </a:r>
-            <a:r>
-              <a:rPr>
                 <a:latin typeface="Courier New"/>
                 <a:ea typeface="Courier New"/>
                 <a:cs typeface="Courier New"/>
                 <a:sym typeface="Courier New"/>
               </a:rPr>
-              <a:t> </a:t>
-            </a:r>
-            <a:r>
-              <a:t>Graph</a:t>
+              <a:t>mColoring</a:t>
+            </a:r>
+            <a:r>
+              <a:t> of Graph</a:t>
             </a:r>
           </a:p>
         </p:txBody>
       </p:sp>
       <p:sp>
         <p:nvSpPr>
-          <p:cNvPr id="261" name="Problem:…"/>
+          <p:cNvPr id="282" name="Problem:…"/>
           <p:cNvSpPr txBox="1"/>
           <p:nvPr>
             <p:ph type="body" idx="1"/>
@@ -11496,7 +12716,7 @@
               </a:spcBef>
             </a:pPr>
             <a:r>
-              <a:t>A graph </a:t>
+              <a:t>Given a graph </a:t>
             </a:r>
             <a:r>
               <a:rPr>
@@ -11508,18 +12728,7 @@
               <a:t>G=(V,E)</a:t>
             </a:r>
             <a:r>
-              <a:t>which can be drawn in plane in such a way that two edges cross each other.</a:t>
-            </a:r>
-          </a:p>
-          <a:p>
-            <a:pPr marL="361156" indent="-321468">
-              <a:spcBef>
-                <a:spcPts val="200"/>
-              </a:spcBef>
-              <a:defRPr sz="3000"/>
-            </a:pPr>
-            <a:r>
-              <a:t>A planar graph can always be colored with </a:t>
+              <a:t>, and a number </a:t>
             </a:r>
             <a:r>
               <a:rPr>
@@ -11528,10 +12737,7 @@
                 <a:cs typeface="Courier New"/>
                 <a:sym typeface="Courier New"/>
               </a:rPr>
-              <a:t>4</a:t>
-            </a:r>
-            <a:r>
-              <a:t> colors.</a:t>
+              <a:t>m</a:t>
             </a:r>
           </a:p>
           <a:p>
@@ -11541,18 +12747,7 @@
               </a:spcBef>
             </a:pPr>
             <a:r>
-              <a:t>For a long time, value 5 was considered sufficient.</a:t>
-            </a:r>
-          </a:p>
-          <a:p>
-            <a:pPr marL="361156" indent="-321468">
-              <a:spcBef>
-                <a:spcPts val="200"/>
-              </a:spcBef>
-              <a:defRPr sz="3000"/>
-            </a:pPr>
-            <a:r>
-              <a:t>Planar graph has a useful application in map coloring.</a:t>
+              <a:t>color the nodes of the graph in such a way that</a:t>
             </a:r>
           </a:p>
           <a:p>
@@ -11562,7 +12757,7 @@
               </a:spcBef>
             </a:pPr>
             <a:r>
-              <a:t>A map (in a plane) can always be repreaented as a graph.</a:t>
+              <a:t>no two adjacent nodes have same color</a:t>
             </a:r>
           </a:p>
           <a:p>
@@ -11572,7 +12767,72 @@
               </a:spcBef>
             </a:pPr>
             <a:r>
-              <a:t>Each region in the map is a node</a:t>
+              <a:t>and at most </a:t>
+            </a:r>
+            <a:r>
+              <a:rPr>
+                <a:latin typeface="Courier New"/>
+                <a:ea typeface="Courier New"/>
+                <a:cs typeface="Courier New"/>
+                <a:sym typeface="Courier New"/>
+              </a:rPr>
+              <a:t>m</a:t>
+            </a:r>
+            <a:r>
+              <a:t> colors are used.</a:t>
+            </a:r>
+          </a:p>
+          <a:p>
+            <a:pPr>
+              <a:spcBef>
+                <a:spcPts val="200"/>
+              </a:spcBef>
+            </a:pPr>
+            <a:r>
+              <a:t>Note: if </a:t>
+            </a:r>
+            <a:r>
+              <a:rPr>
+                <a:latin typeface="Courier New"/>
+                <a:ea typeface="Courier New"/>
+                <a:cs typeface="Courier New"/>
+                <a:sym typeface="Courier New"/>
+              </a:rPr>
+              <a:t>d</a:t>
+            </a:r>
+            <a:r>
+              <a:t> is degree of graph, then graph can be colored with </a:t>
+            </a:r>
+            <a:r>
+              <a:rPr>
+                <a:latin typeface="Courier New"/>
+                <a:ea typeface="Courier New"/>
+                <a:cs typeface="Courier New"/>
+                <a:sym typeface="Courier New"/>
+              </a:rPr>
+              <a:t>d+1</a:t>
+            </a:r>
+            <a:r>
+              <a:t> colors.</a:t>
+            </a:r>
+          </a:p>
+          <a:p>
+            <a:pPr>
+              <a:spcBef>
+                <a:spcPts val="200"/>
+              </a:spcBef>
+            </a:pPr>
+            <a:r>
+              <a:rPr>
+                <a:latin typeface="Courier New"/>
+                <a:ea typeface="Courier New"/>
+                <a:cs typeface="Courier New"/>
+                <a:sym typeface="Courier New"/>
+              </a:rPr>
+              <a:t>m-colorability</a:t>
+            </a:r>
+            <a:r>
+              <a:t> optimization problem</a:t>
             </a:r>
           </a:p>
           <a:p>
@@ -11582,77 +12842,69 @@
               </a:spcBef>
             </a:pPr>
             <a:r>
-              <a:t>For two neighbour regions, graph has an edge between those two respective nodes</a:t>
-            </a:r>
-          </a:p>
-          <a:p>
-            <a:pPr marL="361156" indent="-321468">
-              <a:spcBef>
-                <a:spcPts val="200"/>
-              </a:spcBef>
-              <a:defRPr sz="3000"/>
-            </a:pPr>
-            <a:r>
-              <a:t>Consider graph is represented by adjacency matrix.</a:t>
-            </a:r>
-          </a:p>
-          <a:p>
-            <a:pPr lvl="1" marL="642937" indent="-247650">
+              <a:t>Find smallest integer </a:t>
+            </a:r>
+            <a:r>
+              <a:rPr>
+                <a:latin typeface="Courier New"/>
+                <a:ea typeface="Courier New"/>
+                <a:cs typeface="Courier New"/>
+                <a:sym typeface="Courier New"/>
+              </a:rPr>
+              <a:t>m</a:t>
+            </a:r>
+            <a:r>
+              <a:t> for which </a:t>
+            </a:r>
+            <a:r>
+              <a:rPr>
+                <a:latin typeface="Courier New"/>
+                <a:ea typeface="Courier New"/>
+                <a:cs typeface="Courier New"/>
+                <a:sym typeface="Courier New"/>
+              </a:rPr>
+              <a:t>G</a:t>
+            </a:r>
+            <a:r>
+              <a:t> can be colored.</a:t>
+            </a:r>
+          </a:p>
+          <a:p>
+            <a:pPr lvl="1">
               <a:spcBef>
                 <a:spcPts val="200"/>
               </a:spcBef>
             </a:pPr>
             <a:r>
-              <a:rPr sz="2600">
+              <a:rPr>
                 <a:latin typeface="Courier New"/>
                 <a:ea typeface="Courier New"/>
                 <a:cs typeface="Courier New"/>
                 <a:sym typeface="Courier New"/>
               </a:rPr>
-              <a:t>G[i][j]=1</a:t>
-            </a:r>
-            <a:r>
-              <a:t> </a:t>
-            </a:r>
-            <a:r>
-              <a:rPr sz="2800"/>
-              <a:t>if there is a edge</a:t>
-            </a:r>
-            <a:r>
-              <a:rPr sz="2600"/>
-              <a:t> </a:t>
-            </a:r>
-            <a:r>
-              <a:rPr sz="2600">
+              <a:t>m</a:t>
+            </a:r>
+            <a:r>
+              <a:t> is called </a:t>
+            </a:r>
+            <a:r>
+              <a:rPr>
                 <a:latin typeface="Courier New"/>
                 <a:ea typeface="Courier New"/>
                 <a:cs typeface="Courier New"/>
                 <a:sym typeface="Courier New"/>
               </a:rPr>
-              <a:t>(i,j)</a:t>
-            </a:r>
-            <a:r>
-              <a:rPr sz="2600"/>
-              <a:t> else</a:t>
-            </a:r>
-            <a:r>
-              <a:t> </a:t>
-            </a:r>
-            <a:r>
-              <a:rPr sz="2400">
-                <a:latin typeface="Courier New"/>
-                <a:ea typeface="Courier New"/>
-                <a:cs typeface="Courier New"/>
-                <a:sym typeface="Courier New"/>
-              </a:rPr>
-              <a:t>G[i][j]=0</a:t>
+              <a:t>chromatic number</a:t>
+            </a:r>
+            <a:r>
+              <a:t> of G.</a:t>
             </a:r>
           </a:p>
         </p:txBody>
       </p:sp>
       <p:sp>
         <p:nvSpPr>
-          <p:cNvPr id="262" name="Slide Number"/>
+          <p:cNvPr id="283" name="Slide Number"/>
           <p:cNvSpPr txBox="1"/>
           <p:nvPr>
             <p:ph type="sldNum" sz="quarter" idx="2"/>
@@ -11679,7 +12931,7 @@
       </p:sp>
       <p:sp>
         <p:nvSpPr>
-          <p:cNvPr id="263" name="DAA/Backtracking, Branch&amp;Bound, NP-Complete"/>
+          <p:cNvPr id="284" name="DAA/Backtracking, Branch&amp;Bound, NP-Complete"/>
           <p:cNvSpPr txBox="1"/>
           <p:nvPr/>
         </p:nvSpPr>
@@ -11719,7 +12971,7 @@
       </p:sp>
       <p:sp>
         <p:nvSpPr>
-          <p:cNvPr id="264" name="RPR/"/>
+          <p:cNvPr id="285" name="RPR/"/>
           <p:cNvSpPr txBox="1"/>
           <p:nvPr/>
         </p:nvSpPr>
@@ -11796,7 +13048,7 @@
                                       <p:cBhvr>
                                         <p:cTn id="6" fill="hold"/>
                                         <p:tgtEl>
-                                          <p:spTgt spid="261">
+                                          <p:spTgt spid="282">
                                             <p:bg/>
                                           </p:spTgt>
                                         </p:tgtEl>
@@ -11824,7 +13076,7 @@
                                       <p:cBhvr>
                                         <p:cTn id="8" fill="hold"/>
                                         <p:tgtEl>
-                                          <p:spTgt spid="261">
+                                          <p:spTgt spid="282">
                                             <p:txEl>
                                               <p:pRg st="0" end="0"/>
                                             </p:txEl>
@@ -11872,7 +13124,7 @@
                                       <p:cBhvr>
                                         <p:cTn id="12" fill="hold"/>
                                         <p:tgtEl>
-                                          <p:spTgt spid="261">
+                                          <p:spTgt spid="282">
                                             <p:txEl>
                                               <p:pRg st="1" end="1"/>
                                             </p:txEl>
@@ -11920,7 +13172,7 @@
                                       <p:cBhvr>
                                         <p:cTn id="16" fill="hold"/>
                                         <p:tgtEl>
-                                          <p:spTgt spid="261">
+                                          <p:spTgt spid="282">
                                             <p:txEl>
                                               <p:pRg st="2" end="2"/>
                                             </p:txEl>
@@ -11968,7 +13220,7 @@
                                       <p:cBhvr>
                                         <p:cTn id="20" fill="hold"/>
                                         <p:tgtEl>
-                                          <p:spTgt spid="261">
+                                          <p:spTgt spid="282">
                                             <p:txEl>
                                               <p:pRg st="3" end="3"/>
                                             </p:txEl>
@@ -12016,7 +13268,7 @@
                                       <p:cBhvr>
                                         <p:cTn id="24" fill="hold"/>
                                         <p:tgtEl>
-                                          <p:spTgt spid="261">
+                                          <p:spTgt spid="282">
                                             <p:txEl>
                                               <p:pRg st="4" end="4"/>
                                             </p:txEl>
@@ -12064,7 +13316,7 @@
                                       <p:cBhvr>
                                         <p:cTn id="28" fill="hold"/>
                                         <p:tgtEl>
-                                          <p:spTgt spid="261">
+                                          <p:spTgt spid="282">
                                             <p:txEl>
                                               <p:pRg st="5" end="5"/>
                                             </p:txEl>
@@ -12112,7 +13364,7 @@
                                       <p:cBhvr>
                                         <p:cTn id="32" fill="hold"/>
                                         <p:tgtEl>
-                                          <p:spTgt spid="261">
+                                          <p:spTgt spid="282">
                                             <p:txEl>
                                               <p:pRg st="6" end="6"/>
                                             </p:txEl>
@@ -12160,7 +13412,7 @@
                                       <p:cBhvr>
                                         <p:cTn id="36" fill="hold"/>
                                         <p:tgtEl>
-                                          <p:spTgt spid="261">
+                                          <p:spTgt spid="282">
                                             <p:txEl>
                                               <p:pRg st="7" end="7"/>
                                             </p:txEl>
@@ -12208,7 +13460,862 @@
                                       <p:cBhvr>
                                         <p:cTn id="40" fill="hold"/>
                                         <p:tgtEl>
-                                          <p:spTgt spid="261">
+                                          <p:spTgt spid="282">
+                                            <p:txEl>
+                                              <p:pRg st="8" end="8"/>
+                                            </p:txEl>
+                                          </p:spTgt>
+                                        </p:tgtEl>
+                                        <p:attrNameLst>
+                                          <p:attrName>style.visibility</p:attrName>
+                                        </p:attrNameLst>
+                                      </p:cBhvr>
+                                      <p:to>
+                                        <p:strVal val="visible"/>
+                                      </p:to>
+                                    </p:set>
+                                  </p:childTnLst>
+                                </p:cTn>
+                              </p:par>
+                            </p:childTnLst>
+                          </p:cTn>
+                        </p:par>
+                      </p:childTnLst>
+                    </p:cTn>
+                  </p:par>
+                </p:childTnLst>
+              </p:cTn>
+              <p:prevCondLst>
+                <p:cond evt="onPrev">
+                  <p:tgtEl>
+                    <p:sldTgt/>
+                  </p:tgtEl>
+                </p:cond>
+              </p:prevCondLst>
+              <p:nextCondLst>
+                <p:cond evt="onNext">
+                  <p:tgtEl>
+                    <p:sldTgt/>
+                  </p:tgtEl>
+                </p:cond>
+              </p:nextCondLst>
+            </p:seq>
+          </p:childTnLst>
+        </p:cTn>
+      </p:par>
+    </p:tnLst>
+    <p:bldLst>
+      <p:bldP build="p" bldLvl="5" animBg="1" rev="0" advAuto="0" spid="282" grpId="1"/>
+    </p:bldLst>
+  </p:timing>
+</p:sld>
+</file>
+
+<file path=ppt/slides/slide16.xml><?xml version="1.0" encoding="utf-8"?>
+<p:sld xmlns:a="http://schemas.openxmlformats.org/drawingml/2006/main" xmlns:r="http://schemas.openxmlformats.org/officeDocument/2006/relationships" xmlns:p="http://schemas.openxmlformats.org/presentationml/2006/main" xmlns:m="http://schemas.openxmlformats.org/officeDocument/2006/math" xmlns:a14="http://schemas.microsoft.com/office/drawing/2010/main" showMasterSp="1" showMasterPhAnim="1">
+  <p:cSld>
+    <p:spTree>
+      <p:nvGrpSpPr>
+        <p:cNvPr id="1" name=""/>
+        <p:cNvGrpSpPr/>
+        <p:nvPr/>
+      </p:nvGrpSpPr>
+      <p:grpSpPr>
+        <a:xfrm>
+          <a:off x="0" y="0"/>
+          <a:ext cx="0" cy="0"/>
+          <a:chOff x="0" y="0"/>
+          <a:chExt cx="0" cy="0"/>
+        </a:xfrm>
+      </p:grpSpPr>
+      <p:sp>
+        <p:nvSpPr>
+          <p:cNvPr id="287" name="Planar Graph"/>
+          <p:cNvSpPr txBox="1"/>
+          <p:nvPr>
+            <p:ph type="title"/>
+          </p:nvPr>
+        </p:nvSpPr>
+        <p:spPr>
+          <a:prstGeom prst="rect">
+            <a:avLst/>
+          </a:prstGeom>
+        </p:spPr>
+        <p:txBody>
+          <a:bodyPr/>
+          <a:lstStyle/>
+          <a:p>
+            <a:pPr/>
+            <a:r>
+              <a:rPr>
+                <a:latin typeface="Gill Sans MT"/>
+                <a:ea typeface="Gill Sans MT"/>
+                <a:cs typeface="Gill Sans MT"/>
+                <a:sym typeface="Gill Sans MT"/>
+              </a:rPr>
+              <a:t>Planar</a:t>
+            </a:r>
+            <a:r>
+              <a:rPr>
+                <a:latin typeface="Courier New"/>
+                <a:ea typeface="Courier New"/>
+                <a:cs typeface="Courier New"/>
+                <a:sym typeface="Courier New"/>
+              </a:rPr>
+              <a:t> </a:t>
+            </a:r>
+            <a:r>
+              <a:t>Graph</a:t>
+            </a:r>
+          </a:p>
+        </p:txBody>
+      </p:sp>
+      <p:sp>
+        <p:nvSpPr>
+          <p:cNvPr id="288" name="Problem:…"/>
+          <p:cNvSpPr txBox="1"/>
+          <p:nvPr>
+            <p:ph type="body" idx="1"/>
+          </p:nvPr>
+        </p:nvSpPr>
+        <p:spPr>
+          <a:prstGeom prst="rect">
+            <a:avLst/>
+          </a:prstGeom>
+        </p:spPr>
+        <p:txBody>
+          <a:bodyPr/>
+          <a:lstStyle/>
+          <a:p>
+            <a:pPr>
+              <a:spcBef>
+                <a:spcPts val="200"/>
+              </a:spcBef>
+            </a:pPr>
+            <a:r>
+              <a:t>Problem:</a:t>
+            </a:r>
+          </a:p>
+          <a:p>
+            <a:pPr lvl="1">
+              <a:spcBef>
+                <a:spcPts val="200"/>
+              </a:spcBef>
+            </a:pPr>
+            <a:r>
+              <a:t>A graph </a:t>
+            </a:r>
+            <a:r>
+              <a:rPr>
+                <a:latin typeface="Courier New"/>
+                <a:ea typeface="Courier New"/>
+                <a:cs typeface="Courier New"/>
+                <a:sym typeface="Courier New"/>
+              </a:rPr>
+              <a:t>G=(V,E)</a:t>
+            </a:r>
+            <a:r>
+              <a:t>which can be drawn in a plane in such a way that no two edges cross each other.</a:t>
+            </a:r>
+          </a:p>
+          <a:p>
+            <a:pPr marL="361156" indent="-321468">
+              <a:spcBef>
+                <a:spcPts val="200"/>
+              </a:spcBef>
+              <a:defRPr sz="3000"/>
+            </a:pPr>
+            <a:r>
+              <a:t>A planar graph can always be colored with </a:t>
+            </a:r>
+            <a:r>
+              <a:rPr>
+                <a:latin typeface="Courier New"/>
+                <a:ea typeface="Courier New"/>
+                <a:cs typeface="Courier New"/>
+                <a:sym typeface="Courier New"/>
+              </a:rPr>
+              <a:t>4</a:t>
+            </a:r>
+            <a:r>
+              <a:t> colors.</a:t>
+            </a:r>
+          </a:p>
+          <a:p>
+            <a:pPr lvl="1">
+              <a:spcBef>
+                <a:spcPts val="200"/>
+              </a:spcBef>
+            </a:pPr>
+            <a:r>
+              <a:t>For a long time, value 5 was considered sufficient.</a:t>
+            </a:r>
+          </a:p>
+          <a:p>
+            <a:pPr marL="361156" indent="-321468">
+              <a:spcBef>
+                <a:spcPts val="200"/>
+              </a:spcBef>
+              <a:defRPr sz="3000"/>
+            </a:pPr>
+            <a:r>
+              <a:t>Planar graph has a useful application in map coloring.</a:t>
+            </a:r>
+          </a:p>
+          <a:p>
+            <a:pPr lvl="1">
+              <a:spcBef>
+                <a:spcPts val="200"/>
+              </a:spcBef>
+            </a:pPr>
+            <a:r>
+              <a:t>A map (in a plane) can always be represented as a graph.</a:t>
+            </a:r>
+          </a:p>
+          <a:p>
+            <a:pPr lvl="1">
+              <a:spcBef>
+                <a:spcPts val="200"/>
+              </a:spcBef>
+            </a:pPr>
+            <a:r>
+              <a:t>Each region in the map is a node</a:t>
+            </a:r>
+          </a:p>
+          <a:p>
+            <a:pPr lvl="1">
+              <a:spcBef>
+                <a:spcPts val="200"/>
+              </a:spcBef>
+            </a:pPr>
+            <a:r>
+              <a:t>For two neighbour regions in the map, graph has an edge between those two respective nodes</a:t>
+            </a:r>
+          </a:p>
+          <a:p>
+            <a:pPr marL="361156" indent="-321468">
+              <a:spcBef>
+                <a:spcPts val="200"/>
+              </a:spcBef>
+              <a:defRPr sz="3000"/>
+            </a:pPr>
+            <a:r>
+              <a:t>Consider graph is represented by adjacency matrix.</a:t>
+            </a:r>
+          </a:p>
+          <a:p>
+            <a:pPr lvl="1" marL="642937" indent="-247650">
+              <a:spcBef>
+                <a:spcPts val="200"/>
+              </a:spcBef>
+            </a:pPr>
+            <a:r>
+              <a:rPr sz="2600">
+                <a:latin typeface="Courier New"/>
+                <a:ea typeface="Courier New"/>
+                <a:cs typeface="Courier New"/>
+                <a:sym typeface="Courier New"/>
+              </a:rPr>
+              <a:t>G[i][j]=1</a:t>
+            </a:r>
+            <a:r>
+              <a:t> </a:t>
+            </a:r>
+            <a:r>
+              <a:rPr sz="2800"/>
+              <a:t>if there is a edge</a:t>
+            </a:r>
+            <a:r>
+              <a:rPr sz="2600"/>
+              <a:t> </a:t>
+            </a:r>
+            <a:r>
+              <a:rPr sz="2600">
+                <a:latin typeface="Courier New"/>
+                <a:ea typeface="Courier New"/>
+                <a:cs typeface="Courier New"/>
+                <a:sym typeface="Courier New"/>
+              </a:rPr>
+              <a:t>(i,j)</a:t>
+            </a:r>
+            <a:r>
+              <a:rPr sz="2600"/>
+              <a:t> else</a:t>
+            </a:r>
+            <a:r>
+              <a:t> </a:t>
+            </a:r>
+            <a:r>
+              <a:rPr sz="2400">
+                <a:latin typeface="Courier New"/>
+                <a:ea typeface="Courier New"/>
+                <a:cs typeface="Courier New"/>
+                <a:sym typeface="Courier New"/>
+              </a:rPr>
+              <a:t>G[i][j]=0</a:t>
+            </a:r>
+          </a:p>
+        </p:txBody>
+      </p:sp>
+      <p:sp>
+        <p:nvSpPr>
+          <p:cNvPr id="289" name="Slide Number"/>
+          <p:cNvSpPr txBox="1"/>
+          <p:nvPr>
+            <p:ph type="sldNum" sz="quarter" idx="2"/>
+          </p:nvPr>
+        </p:nvSpPr>
+        <p:spPr>
+          <a:prstGeom prst="rect">
+            <a:avLst/>
+          </a:prstGeom>
+          <a:extLst>
+            <a:ext uri="{C572A759-6A51-4108-AA02-DFA0A04FC94B}">
+              <ma14:wrappingTextBoxFlag xmlns:ma14="http://schemas.microsoft.com/office/mac/drawingml/2011/main" val="1"/>
+            </a:ext>
+          </a:extLst>
+        </p:spPr>
+        <p:txBody>
+          <a:bodyPr/>
+          <a:lstStyle/>
+          <a:p>
+            <a:pPr/>
+            <a:fld id="{86CB4B4D-7CA3-9044-876B-883B54F8677D}" type="slidenum"/>
+          </a:p>
+        </p:txBody>
+      </p:sp>
+      <p:sp>
+        <p:nvSpPr>
+          <p:cNvPr id="290" name="DAA/Backtracking, Branch&amp;Bound, NP-Complete"/>
+          <p:cNvSpPr txBox="1"/>
+          <p:nvPr/>
+        </p:nvSpPr>
+        <p:spPr>
+          <a:xfrm>
+            <a:off x="423212" y="6963885"/>
+            <a:ext cx="6436083" cy="431552"/>
+          </a:xfrm>
+          <a:prstGeom prst="rect">
+            <a:avLst/>
+          </a:prstGeom>
+          <a:ln w="12700">
+            <a:miter lim="400000"/>
+          </a:ln>
+          <a:extLst>
+            <a:ext uri="{C572A759-6A51-4108-AA02-DFA0A04FC94B}">
+              <ma14:wrappingTextBoxFlag xmlns:ma14="http://schemas.microsoft.com/office/mac/drawingml/2011/main" val="1"/>
+            </a:ext>
+          </a:extLst>
+        </p:spPr>
+        <p:txBody>
+          <a:bodyPr wrap="none" lIns="50800" tIns="50800" rIns="50800" bIns="50800" anchor="ctr">
+            <a:spAutoFit/>
+          </a:bodyPr>
+          <a:lstStyle>
+            <a:lvl1pPr>
+              <a:defRPr sz="2400"/>
+            </a:lvl1pPr>
+          </a:lstStyle>
+          <a:p>
+            <a:pPr/>
+            <a:r>
+              <a:t>DAA/Backtracking, Branch&amp;Bound, NP-Complete</a:t>
+            </a:r>
+          </a:p>
+        </p:txBody>
+      </p:sp>
+      <p:sp>
+        <p:nvSpPr>
+          <p:cNvPr id="291" name="RPR/"/>
+          <p:cNvSpPr txBox="1"/>
+          <p:nvPr/>
+        </p:nvSpPr>
+        <p:spPr>
+          <a:xfrm>
+            <a:off x="7535212" y="6988206"/>
+            <a:ext cx="705605" cy="382910"/>
+          </a:xfrm>
+          <a:prstGeom prst="rect">
+            <a:avLst/>
+          </a:prstGeom>
+          <a:ln w="12700">
+            <a:miter lim="400000"/>
+          </a:ln>
+          <a:extLst>
+            <a:ext uri="{C572A759-6A51-4108-AA02-DFA0A04FC94B}">
+              <ma14:wrappingTextBoxFlag xmlns:ma14="http://schemas.microsoft.com/office/mac/drawingml/2011/main" val="1"/>
+            </a:ext>
+          </a:extLst>
+        </p:spPr>
+        <p:txBody>
+          <a:bodyPr wrap="none" lIns="50800" tIns="50800" rIns="50800" bIns="50800" anchor="ctr">
+            <a:spAutoFit/>
+          </a:bodyPr>
+          <a:lstStyle>
+            <a:lvl1pPr>
+              <a:defRPr sz="2000"/>
+            </a:lvl1pPr>
+          </a:lstStyle>
+          <a:p>
+            <a:pPr/>
+            <a:r>
+              <a:t>RPR/</a:t>
+            </a:r>
+          </a:p>
+        </p:txBody>
+      </p:sp>
+    </p:spTree>
+  </p:cSld>
+  <p:clrMapOvr>
+    <a:masterClrMapping/>
+  </p:clrMapOvr>
+  <p:transition xmlns:p14="http://schemas.microsoft.com/office/powerpoint/2010/main" spd="med" advClick="1"/>
+  <p:timing>
+    <p:tnLst>
+      <p:par>
+        <p:cTn id="1" nodeType="tmRoot" restart="never" dur="indefinite" fill="hold">
+          <p:childTnLst>
+            <p:seq concurrent="1" prevAc="none" nextAc="seek">
+              <p:cTn id="2" nodeType="mainSeq" dur="indefinite" fill="hold">
+                <p:childTnLst>
+                  <p:par>
+                    <p:cTn id="3" fill="hold">
+                      <p:stCondLst>
+                        <p:cond delay="indefinite"/>
+                      </p:stCondLst>
+                      <p:childTnLst>
+                        <p:par>
+                          <p:cTn id="4" fill="hold">
+                            <p:stCondLst>
+                              <p:cond delay="0"/>
+                            </p:stCondLst>
+                            <p:childTnLst>
+                              <p:par>
+                                <p:cTn id="5" presetClass="entr" nodeType="clickEffect" presetSubtype="0" presetID="1" grpId="1" fill="hold">
+                                  <p:stCondLst>
+                                    <p:cond delay="0"/>
+                                  </p:stCondLst>
+                                  <p:iterate type="el" backwards="0">
+                                    <p:tmAbs val="0"/>
+                                  </p:iterate>
+                                  <p:childTnLst>
+                                    <p:set>
+                                      <p:cBhvr>
+                                        <p:cTn id="6" fill="hold"/>
+                                        <p:tgtEl>
+                                          <p:spTgt spid="288">
+                                            <p:bg/>
+                                          </p:spTgt>
+                                        </p:tgtEl>
+                                        <p:attrNameLst>
+                                          <p:attrName>style.visibility</p:attrName>
+                                        </p:attrNameLst>
+                                      </p:cBhvr>
+                                      <p:to>
+                                        <p:strVal val="visible"/>
+                                      </p:to>
+                                    </p:set>
+                                  </p:childTnLst>
+                                </p:cTn>
+                              </p:par>
+                              <p:par>
+                                <p:cTn id="7" presetClass="entr" nodeType="withEffect" presetSubtype="0" presetID="1" grpId="1" fill="hold">
+                                  <p:stCondLst>
+                                    <p:cond delay="0"/>
+                                  </p:stCondLst>
+                                  <p:iterate type="el" backwards="0">
+                                    <p:tmAbs val="0"/>
+                                  </p:iterate>
+                                  <p:childTnLst>
+                                    <p:set>
+                                      <p:cBhvr>
+                                        <p:cTn id="8" fill="hold"/>
+                                        <p:tgtEl>
+                                          <p:spTgt spid="288">
+                                            <p:txEl>
+                                              <p:pRg st="0" end="0"/>
+                                            </p:txEl>
+                                          </p:spTgt>
+                                        </p:tgtEl>
+                                        <p:attrNameLst>
+                                          <p:attrName>style.visibility</p:attrName>
+                                        </p:attrNameLst>
+                                      </p:cBhvr>
+                                      <p:to>
+                                        <p:strVal val="visible"/>
+                                      </p:to>
+                                    </p:set>
+                                  </p:childTnLst>
+                                </p:cTn>
+                              </p:par>
+                            </p:childTnLst>
+                          </p:cTn>
+                        </p:par>
+                      </p:childTnLst>
+                    </p:cTn>
+                  </p:par>
+                  <p:par>
+                    <p:cTn id="9" fill="hold">
+                      <p:stCondLst>
+                        <p:cond delay="indefinite"/>
+                      </p:stCondLst>
+                      <p:childTnLst>
+                        <p:par>
+                          <p:cTn id="10" fill="hold">
+                            <p:stCondLst>
+                              <p:cond delay="0"/>
+                            </p:stCondLst>
+                            <p:childTnLst>
+                              <p:par>
+                                <p:cTn id="11" presetClass="entr" nodeType="clickEffect" presetSubtype="0" presetID="1" grpId="1" fill="hold">
+                                  <p:stCondLst>
+                                    <p:cond delay="0"/>
+                                  </p:stCondLst>
+                                  <p:iterate type="el" backwards="0">
+                                    <p:tmAbs val="0"/>
+                                  </p:iterate>
+                                  <p:childTnLst>
+                                    <p:set>
+                                      <p:cBhvr>
+                                        <p:cTn id="12" fill="hold"/>
+                                        <p:tgtEl>
+                                          <p:spTgt spid="288">
+                                            <p:txEl>
+                                              <p:pRg st="1" end="1"/>
+                                            </p:txEl>
+                                          </p:spTgt>
+                                        </p:tgtEl>
+                                        <p:attrNameLst>
+                                          <p:attrName>style.visibility</p:attrName>
+                                        </p:attrNameLst>
+                                      </p:cBhvr>
+                                      <p:to>
+                                        <p:strVal val="visible"/>
+                                      </p:to>
+                                    </p:set>
+                                  </p:childTnLst>
+                                </p:cTn>
+                              </p:par>
+                            </p:childTnLst>
+                          </p:cTn>
+                        </p:par>
+                      </p:childTnLst>
+                    </p:cTn>
+                  </p:par>
+                  <p:par>
+                    <p:cTn id="13" fill="hold">
+                      <p:stCondLst>
+                        <p:cond delay="indefinite"/>
+                      </p:stCondLst>
+                      <p:childTnLst>
+                        <p:par>
+                          <p:cTn id="14" fill="hold">
+                            <p:stCondLst>
+                              <p:cond delay="0"/>
+                            </p:stCondLst>
+                            <p:childTnLst>
+                              <p:par>
+                                <p:cTn id="15" presetClass="entr" nodeType="clickEffect" presetSubtype="0" presetID="1" grpId="1" fill="hold">
+                                  <p:stCondLst>
+                                    <p:cond delay="0"/>
+                                  </p:stCondLst>
+                                  <p:iterate type="el" backwards="0">
+                                    <p:tmAbs val="0"/>
+                                  </p:iterate>
+                                  <p:childTnLst>
+                                    <p:set>
+                                      <p:cBhvr>
+                                        <p:cTn id="16" fill="hold"/>
+                                        <p:tgtEl>
+                                          <p:spTgt spid="288">
+                                            <p:txEl>
+                                              <p:pRg st="2" end="2"/>
+                                            </p:txEl>
+                                          </p:spTgt>
+                                        </p:tgtEl>
+                                        <p:attrNameLst>
+                                          <p:attrName>style.visibility</p:attrName>
+                                        </p:attrNameLst>
+                                      </p:cBhvr>
+                                      <p:to>
+                                        <p:strVal val="visible"/>
+                                      </p:to>
+                                    </p:set>
+                                  </p:childTnLst>
+                                </p:cTn>
+                              </p:par>
+                            </p:childTnLst>
+                          </p:cTn>
+                        </p:par>
+                      </p:childTnLst>
+                    </p:cTn>
+                  </p:par>
+                  <p:par>
+                    <p:cTn id="17" fill="hold">
+                      <p:stCondLst>
+                        <p:cond delay="indefinite"/>
+                      </p:stCondLst>
+                      <p:childTnLst>
+                        <p:par>
+                          <p:cTn id="18" fill="hold">
+                            <p:stCondLst>
+                              <p:cond delay="0"/>
+                            </p:stCondLst>
+                            <p:childTnLst>
+                              <p:par>
+                                <p:cTn id="19" presetClass="entr" nodeType="clickEffect" presetSubtype="0" presetID="1" grpId="1" fill="hold">
+                                  <p:stCondLst>
+                                    <p:cond delay="0"/>
+                                  </p:stCondLst>
+                                  <p:iterate type="el" backwards="0">
+                                    <p:tmAbs val="0"/>
+                                  </p:iterate>
+                                  <p:childTnLst>
+                                    <p:set>
+                                      <p:cBhvr>
+                                        <p:cTn id="20" fill="hold"/>
+                                        <p:tgtEl>
+                                          <p:spTgt spid="288">
+                                            <p:txEl>
+                                              <p:pRg st="3" end="3"/>
+                                            </p:txEl>
+                                          </p:spTgt>
+                                        </p:tgtEl>
+                                        <p:attrNameLst>
+                                          <p:attrName>style.visibility</p:attrName>
+                                        </p:attrNameLst>
+                                      </p:cBhvr>
+                                      <p:to>
+                                        <p:strVal val="visible"/>
+                                      </p:to>
+                                    </p:set>
+                                  </p:childTnLst>
+                                </p:cTn>
+                              </p:par>
+                            </p:childTnLst>
+                          </p:cTn>
+                        </p:par>
+                      </p:childTnLst>
+                    </p:cTn>
+                  </p:par>
+                  <p:par>
+                    <p:cTn id="21" fill="hold">
+                      <p:stCondLst>
+                        <p:cond delay="indefinite"/>
+                      </p:stCondLst>
+                      <p:childTnLst>
+                        <p:par>
+                          <p:cTn id="22" fill="hold">
+                            <p:stCondLst>
+                              <p:cond delay="0"/>
+                            </p:stCondLst>
+                            <p:childTnLst>
+                              <p:par>
+                                <p:cTn id="23" presetClass="entr" nodeType="clickEffect" presetSubtype="0" presetID="1" grpId="1" fill="hold">
+                                  <p:stCondLst>
+                                    <p:cond delay="0"/>
+                                  </p:stCondLst>
+                                  <p:iterate type="el" backwards="0">
+                                    <p:tmAbs val="0"/>
+                                  </p:iterate>
+                                  <p:childTnLst>
+                                    <p:set>
+                                      <p:cBhvr>
+                                        <p:cTn id="24" fill="hold"/>
+                                        <p:tgtEl>
+                                          <p:spTgt spid="288">
+                                            <p:txEl>
+                                              <p:pRg st="4" end="4"/>
+                                            </p:txEl>
+                                          </p:spTgt>
+                                        </p:tgtEl>
+                                        <p:attrNameLst>
+                                          <p:attrName>style.visibility</p:attrName>
+                                        </p:attrNameLst>
+                                      </p:cBhvr>
+                                      <p:to>
+                                        <p:strVal val="visible"/>
+                                      </p:to>
+                                    </p:set>
+                                  </p:childTnLst>
+                                </p:cTn>
+                              </p:par>
+                            </p:childTnLst>
+                          </p:cTn>
+                        </p:par>
+                      </p:childTnLst>
+                    </p:cTn>
+                  </p:par>
+                  <p:par>
+                    <p:cTn id="25" fill="hold">
+                      <p:stCondLst>
+                        <p:cond delay="indefinite"/>
+                      </p:stCondLst>
+                      <p:childTnLst>
+                        <p:par>
+                          <p:cTn id="26" fill="hold">
+                            <p:stCondLst>
+                              <p:cond delay="0"/>
+                            </p:stCondLst>
+                            <p:childTnLst>
+                              <p:par>
+                                <p:cTn id="27" presetClass="entr" nodeType="clickEffect" presetSubtype="0" presetID="1" grpId="1" fill="hold">
+                                  <p:stCondLst>
+                                    <p:cond delay="0"/>
+                                  </p:stCondLst>
+                                  <p:iterate type="el" backwards="0">
+                                    <p:tmAbs val="0"/>
+                                  </p:iterate>
+                                  <p:childTnLst>
+                                    <p:set>
+                                      <p:cBhvr>
+                                        <p:cTn id="28" fill="hold"/>
+                                        <p:tgtEl>
+                                          <p:spTgt spid="288">
+                                            <p:txEl>
+                                              <p:pRg st="5" end="5"/>
+                                            </p:txEl>
+                                          </p:spTgt>
+                                        </p:tgtEl>
+                                        <p:attrNameLst>
+                                          <p:attrName>style.visibility</p:attrName>
+                                        </p:attrNameLst>
+                                      </p:cBhvr>
+                                      <p:to>
+                                        <p:strVal val="visible"/>
+                                      </p:to>
+                                    </p:set>
+                                  </p:childTnLst>
+                                </p:cTn>
+                              </p:par>
+                            </p:childTnLst>
+                          </p:cTn>
+                        </p:par>
+                      </p:childTnLst>
+                    </p:cTn>
+                  </p:par>
+                  <p:par>
+                    <p:cTn id="29" fill="hold">
+                      <p:stCondLst>
+                        <p:cond delay="indefinite"/>
+                      </p:stCondLst>
+                      <p:childTnLst>
+                        <p:par>
+                          <p:cTn id="30" fill="hold">
+                            <p:stCondLst>
+                              <p:cond delay="0"/>
+                            </p:stCondLst>
+                            <p:childTnLst>
+                              <p:par>
+                                <p:cTn id="31" presetClass="entr" nodeType="clickEffect" presetSubtype="0" presetID="1" grpId="1" fill="hold">
+                                  <p:stCondLst>
+                                    <p:cond delay="0"/>
+                                  </p:stCondLst>
+                                  <p:iterate type="el" backwards="0">
+                                    <p:tmAbs val="0"/>
+                                  </p:iterate>
+                                  <p:childTnLst>
+                                    <p:set>
+                                      <p:cBhvr>
+                                        <p:cTn id="32" fill="hold"/>
+                                        <p:tgtEl>
+                                          <p:spTgt spid="288">
+                                            <p:txEl>
+                                              <p:pRg st="6" end="6"/>
+                                            </p:txEl>
+                                          </p:spTgt>
+                                        </p:tgtEl>
+                                        <p:attrNameLst>
+                                          <p:attrName>style.visibility</p:attrName>
+                                        </p:attrNameLst>
+                                      </p:cBhvr>
+                                      <p:to>
+                                        <p:strVal val="visible"/>
+                                      </p:to>
+                                    </p:set>
+                                  </p:childTnLst>
+                                </p:cTn>
+                              </p:par>
+                            </p:childTnLst>
+                          </p:cTn>
+                        </p:par>
+                      </p:childTnLst>
+                    </p:cTn>
+                  </p:par>
+                  <p:par>
+                    <p:cTn id="33" fill="hold">
+                      <p:stCondLst>
+                        <p:cond delay="indefinite"/>
+                      </p:stCondLst>
+                      <p:childTnLst>
+                        <p:par>
+                          <p:cTn id="34" fill="hold">
+                            <p:stCondLst>
+                              <p:cond delay="0"/>
+                            </p:stCondLst>
+                            <p:childTnLst>
+                              <p:par>
+                                <p:cTn id="35" presetClass="entr" nodeType="clickEffect" presetSubtype="0" presetID="1" grpId="1" fill="hold">
+                                  <p:stCondLst>
+                                    <p:cond delay="0"/>
+                                  </p:stCondLst>
+                                  <p:iterate type="el" backwards="0">
+                                    <p:tmAbs val="0"/>
+                                  </p:iterate>
+                                  <p:childTnLst>
+                                    <p:set>
+                                      <p:cBhvr>
+                                        <p:cTn id="36" fill="hold"/>
+                                        <p:tgtEl>
+                                          <p:spTgt spid="288">
+                                            <p:txEl>
+                                              <p:pRg st="7" end="7"/>
+                                            </p:txEl>
+                                          </p:spTgt>
+                                        </p:tgtEl>
+                                        <p:attrNameLst>
+                                          <p:attrName>style.visibility</p:attrName>
+                                        </p:attrNameLst>
+                                      </p:cBhvr>
+                                      <p:to>
+                                        <p:strVal val="visible"/>
+                                      </p:to>
+                                    </p:set>
+                                  </p:childTnLst>
+                                </p:cTn>
+                              </p:par>
+                            </p:childTnLst>
+                          </p:cTn>
+                        </p:par>
+                      </p:childTnLst>
+                    </p:cTn>
+                  </p:par>
+                  <p:par>
+                    <p:cTn id="37" fill="hold">
+                      <p:stCondLst>
+                        <p:cond delay="indefinite"/>
+                      </p:stCondLst>
+                      <p:childTnLst>
+                        <p:par>
+                          <p:cTn id="38" fill="hold">
+                            <p:stCondLst>
+                              <p:cond delay="0"/>
+                            </p:stCondLst>
+                            <p:childTnLst>
+                              <p:par>
+                                <p:cTn id="39" presetClass="entr" nodeType="clickEffect" presetSubtype="0" presetID="1" grpId="1" fill="hold">
+                                  <p:stCondLst>
+                                    <p:cond delay="0"/>
+                                  </p:stCondLst>
+                                  <p:iterate type="el" backwards="0">
+                                    <p:tmAbs val="0"/>
+                                  </p:iterate>
+                                  <p:childTnLst>
+                                    <p:set>
+                                      <p:cBhvr>
+                                        <p:cTn id="40" fill="hold"/>
+                                        <p:tgtEl>
+                                          <p:spTgt spid="288">
                                             <p:txEl>
                                               <p:pRg st="8" end="8"/>
                                             </p:txEl>
@@ -12256,7 +14363,7 @@
                                       <p:cBhvr>
                                         <p:cTn id="44" fill="hold"/>
                                         <p:tgtEl>
-                                          <p:spTgt spid="261">
+                                          <p:spTgt spid="288">
                                             <p:txEl>
                                               <p:pRg st="9" end="9"/>
                                             </p:txEl>
@@ -12301,13 +14408,13 @@
       </p:par>
     </p:tnLst>
     <p:bldLst>
-      <p:bldP build="p" bldLvl="5" animBg="1" rev="0" advAuto="0" spid="261" grpId="1"/>
+      <p:bldP build="p" bldLvl="5" animBg="1" rev="0" advAuto="0" spid="288" grpId="1"/>
     </p:bldLst>
   </p:timing>
 </p:sld>
 </file>
 
-<file path=ppt/slides/slide16.xml><?xml version="1.0" encoding="utf-8"?>
+<file path=ppt/slides/slide17.xml><?xml version="1.0" encoding="utf-8"?>
 <p:sld xmlns:a="http://schemas.openxmlformats.org/drawingml/2006/main" xmlns:r="http://schemas.openxmlformats.org/officeDocument/2006/relationships" xmlns:p="http://schemas.openxmlformats.org/presentationml/2006/main" xmlns:m="http://schemas.openxmlformats.org/officeDocument/2006/math" xmlns:a14="http://schemas.microsoft.com/office/drawing/2010/main" showMasterSp="1" showMasterPhAnim="1">
   <p:cSld>
     <p:spTree>
@@ -12326,7 +14433,7 @@
       </p:grpSpPr>
       <p:sp>
         <p:nvSpPr>
-          <p:cNvPr id="266" name="m-coloring of Graph"/>
+          <p:cNvPr id="293" name="m-coloring of Graph"/>
           <p:cNvSpPr txBox="1"/>
           <p:nvPr>
             <p:ph type="title"/>
@@ -12359,7 +14466,7 @@
       </p:sp>
       <p:sp>
         <p:nvSpPr>
-          <p:cNvPr id="267" name="For simplicity, consider that colors are represented as…"/>
+          <p:cNvPr id="294" name="For simplicity, consider that colors are represented as…"/>
           <p:cNvSpPr txBox="1"/>
           <p:nvPr>
             <p:ph type="body" idx="1"/>
@@ -12399,11 +14506,8 @@
           <a:p>
             <a:pPr/>
             <a:r>
-              <a:t>Solution of m-color problem is given by a tuple</a:t>
-            </a:r>
-          </a:p>
-          <a:p>
-            <a:pPr lvl="1"/>
+              <a:t>Solution of </a:t>
+            </a:r>
             <a:r>
               <a:rPr>
                 <a:latin typeface="Courier New"/>
@@ -12411,6 +14515,21 @@
                 <a:cs typeface="Courier New"/>
                 <a:sym typeface="Courier New"/>
               </a:rPr>
+              <a:t>m</a:t>
+            </a:r>
+            <a:r>
+              <a:t>-color problem is given by a tuple</a:t>
+            </a:r>
+          </a:p>
+          <a:p>
+            <a:pPr lvl="1"/>
+            <a:r>
+              <a:rPr>
+                <a:latin typeface="Courier New"/>
+                <a:ea typeface="Courier New"/>
+                <a:cs typeface="Courier New"/>
+                <a:sym typeface="Courier New"/>
+              </a:rPr>
               <a:t>x</a:t>
             </a:r>
             <a:r>
@@ -12480,19 +14599,7 @@
               <a:t>i</a:t>
             </a:r>
             <a:r>
-              <a:t> is the color of ith node</a:t>
-            </a:r>
-          </a:p>
-          <a:p>
-            <a:pPr/>
-            <a:r>
-              <a:t>Approach: Recursive backtracking formulation</a:t>
-            </a:r>
-          </a:p>
-          <a:p>
-            <a:pPr lvl="1"/>
-            <a:r>
-              <a:t>Consider state space tree of degree </a:t>
+              <a:t> is the color of </a:t>
             </a:r>
             <a:r>
               <a:rPr>
@@ -12501,19 +14608,31 @@
                 <a:cs typeface="Courier New"/>
                 <a:sym typeface="Courier New"/>
               </a:rPr>
-              <a:t>m</a:t>
-            </a:r>
-          </a:p>
-          <a:p>
-            <a:pPr lvl="2"/>
-            <a:r>
-              <a:t>Each edge represents color assignment to a node</a:t>
-            </a:r>
-          </a:p>
-          <a:p>
-            <a:pPr lvl="2"/>
-            <a:r>
-              <a:t>each intermediate node at level </a:t>
+              <a:t>i</a:t>
+            </a:r>
+            <a:r>
+              <a:rPr baseline="31999">
+                <a:latin typeface="Courier New"/>
+                <a:ea typeface="Courier New"/>
+                <a:cs typeface="Courier New"/>
+                <a:sym typeface="Courier New"/>
+              </a:rPr>
+              <a:t>th</a:t>
+            </a:r>
+            <a:r>
+              <a:t> node</a:t>
+            </a:r>
+          </a:p>
+          <a:p>
+            <a:pPr/>
+            <a:r>
+              <a:t>Approach: Recursive backtracking formulation</a:t>
+            </a:r>
+          </a:p>
+          <a:p>
+            <a:pPr lvl="1"/>
+            <a:r>
+              <a:t>Consider state space tree of degree </a:t>
             </a:r>
             <a:r>
               <a:rPr>
@@ -12522,10 +14641,19 @@
                 <a:cs typeface="Courier New"/>
                 <a:sym typeface="Courier New"/>
               </a:rPr>
-              <a:t>i</a:t>
-            </a:r>
-            <a:r>
-              <a:t> has </a:t>
+              <a:t>m</a:t>
+            </a:r>
+          </a:p>
+          <a:p>
+            <a:pPr lvl="2"/>
+            <a:r>
+              <a:t>Each edge represents color assignment to a node</a:t>
+            </a:r>
+          </a:p>
+          <a:p>
+            <a:pPr lvl="2"/>
+            <a:r>
+              <a:t>each intermediate node at level </a:t>
             </a:r>
             <a:r>
               <a:rPr>
@@ -12534,16 +14662,10 @@
                 <a:cs typeface="Courier New"/>
                 <a:sym typeface="Courier New"/>
               </a:rPr>
-              <a:t>m</a:t>
-            </a:r>
-            <a:r>
-              <a:t> children.</a:t>
-            </a:r>
-          </a:p>
-          <a:p>
-            <a:pPr lvl="3"/>
-            <a:r>
-              <a:t>corresponding to </a:t>
+              <a:t>i</a:t>
+            </a:r>
+            <a:r>
+              <a:t> has </a:t>
             </a:r>
             <a:r>
               <a:rPr>
@@ -12555,7 +14677,13 @@
               <a:t>m</a:t>
             </a:r>
             <a:r>
-              <a:t> possible values for </a:t>
+              <a:t> children.</a:t>
+            </a:r>
+          </a:p>
+          <a:p>
+            <a:pPr lvl="3"/>
+            <a:r>
+              <a:t>corresponding to </a:t>
             </a:r>
             <a:r>
               <a:rPr>
@@ -12564,6 +14692,18 @@
                 <a:cs typeface="Courier New"/>
                 <a:sym typeface="Courier New"/>
               </a:rPr>
+              <a:t>m</a:t>
+            </a:r>
+            <a:r>
+              <a:t> possible values for </a:t>
+            </a:r>
+            <a:r>
+              <a:rPr>
+                <a:latin typeface="Courier New"/>
+                <a:ea typeface="Courier New"/>
+                <a:cs typeface="Courier New"/>
+                <a:sym typeface="Courier New"/>
+              </a:rPr>
               <a:t>x</a:t>
             </a:r>
             <a:r>
@@ -12616,7 +14756,7 @@
       </p:sp>
       <p:sp>
         <p:nvSpPr>
-          <p:cNvPr id="268" name="Slide Number"/>
+          <p:cNvPr id="295" name="Slide Number"/>
           <p:cNvSpPr txBox="1"/>
           <p:nvPr>
             <p:ph type="sldNum" sz="quarter" idx="2"/>
@@ -12643,7 +14783,7 @@
       </p:sp>
       <p:sp>
         <p:nvSpPr>
-          <p:cNvPr id="269" name="DAA/Backtracking, Branch&amp;Bound, NP-Complete"/>
+          <p:cNvPr id="296" name="DAA/Backtracking, Branch&amp;Bound, NP-Complete"/>
           <p:cNvSpPr txBox="1"/>
           <p:nvPr/>
         </p:nvSpPr>
@@ -12683,7 +14823,7 @@
       </p:sp>
       <p:sp>
         <p:nvSpPr>
-          <p:cNvPr id="270" name="RPR/"/>
+          <p:cNvPr id="297" name="RPR/"/>
           <p:cNvSpPr txBox="1"/>
           <p:nvPr/>
         </p:nvSpPr>
@@ -12760,7 +14900,7 @@
                                       <p:cBhvr>
                                         <p:cTn id="6" fill="hold"/>
                                         <p:tgtEl>
-                                          <p:spTgt spid="267">
+                                          <p:spTgt spid="294">
                                             <p:bg/>
                                           </p:spTgt>
                                         </p:tgtEl>
@@ -12788,7 +14928,7 @@
                                       <p:cBhvr>
                                         <p:cTn id="8" fill="hold"/>
                                         <p:tgtEl>
-                                          <p:spTgt spid="267">
+                                          <p:spTgt spid="294">
                                             <p:txEl>
                                               <p:pRg st="0" end="0"/>
                                             </p:txEl>
@@ -12836,7 +14976,7 @@
                                       <p:cBhvr>
                                         <p:cTn id="12" fill="hold"/>
                                         <p:tgtEl>
-                                          <p:spTgt spid="267">
+                                          <p:spTgt spid="294">
                                             <p:txEl>
                                               <p:pRg st="1" end="1"/>
                                             </p:txEl>
@@ -12884,7 +15024,7 @@
                                       <p:cBhvr>
                                         <p:cTn id="16" fill="hold"/>
                                         <p:tgtEl>
-                                          <p:spTgt spid="267">
+                                          <p:spTgt spid="294">
                                             <p:txEl>
                                               <p:pRg st="2" end="2"/>
                                             </p:txEl>
@@ -12932,7 +15072,7 @@
                                       <p:cBhvr>
                                         <p:cTn id="20" fill="hold"/>
                                         <p:tgtEl>
-                                          <p:spTgt spid="267">
+                                          <p:spTgt spid="294">
                                             <p:txEl>
                                               <p:pRg st="3" end="3"/>
                                             </p:txEl>
@@ -12980,7 +15120,7 @@
                                       <p:cBhvr>
                                         <p:cTn id="24" fill="hold"/>
                                         <p:tgtEl>
-                                          <p:spTgt spid="267">
+                                          <p:spTgt spid="294">
                                             <p:txEl>
                                               <p:pRg st="4" end="4"/>
                                             </p:txEl>
@@ -13028,7 +15168,7 @@
                                       <p:cBhvr>
                                         <p:cTn id="28" fill="hold"/>
                                         <p:tgtEl>
-                                          <p:spTgt spid="267">
+                                          <p:spTgt spid="294">
                                             <p:txEl>
                                               <p:pRg st="5" end="5"/>
                                             </p:txEl>
@@ -13076,7 +15216,7 @@
                                       <p:cBhvr>
                                         <p:cTn id="32" fill="hold"/>
                                         <p:tgtEl>
-                                          <p:spTgt spid="267">
+                                          <p:spTgt spid="294">
                                             <p:txEl>
                                               <p:pRg st="6" end="6"/>
                                             </p:txEl>
@@ -13124,7 +15264,7 @@
                                       <p:cBhvr>
                                         <p:cTn id="36" fill="hold"/>
                                         <p:tgtEl>
-                                          <p:spTgt spid="267">
+                                          <p:spTgt spid="294">
                                             <p:txEl>
                                               <p:pRg st="7" end="7"/>
                                             </p:txEl>
@@ -13172,7 +15312,7 @@
                                       <p:cBhvr>
                                         <p:cTn id="40" fill="hold"/>
                                         <p:tgtEl>
-                                          <p:spTgt spid="267">
+                                          <p:spTgt spid="294">
                                             <p:txEl>
                                               <p:pRg st="8" end="8"/>
                                             </p:txEl>
@@ -13220,7 +15360,7 @@
                                       <p:cBhvr>
                                         <p:cTn id="44" fill="hold"/>
                                         <p:tgtEl>
-                                          <p:spTgt spid="267">
+                                          <p:spTgt spid="294">
                                             <p:txEl>
                                               <p:pRg st="9" end="9"/>
                                             </p:txEl>
@@ -13268,7 +15408,7 @@
                                       <p:cBhvr>
                                         <p:cTn id="48" fill="hold"/>
                                         <p:tgtEl>
-                                          <p:spTgt spid="267">
+                                          <p:spTgt spid="294">
                                             <p:txEl>
                                               <p:pRg st="10" end="10"/>
                                             </p:txEl>
@@ -13313,13 +15453,13 @@
       </p:par>
     </p:tnLst>
     <p:bldLst>
-      <p:bldP build="p" bldLvl="5" animBg="1" rev="0" advAuto="0" spid="267" grpId="1"/>
+      <p:bldP build="p" bldLvl="5" animBg="1" rev="0" advAuto="0" spid="294" grpId="1"/>
     </p:bldLst>
   </p:timing>
 </p:sld>
 </file>
 
-<file path=ppt/slides/slide17.xml><?xml version="1.0" encoding="utf-8"?>
+<file path=ppt/slides/slide18.xml><?xml version="1.0" encoding="utf-8"?>
 <p:sld xmlns:a="http://schemas.openxmlformats.org/drawingml/2006/main" xmlns:r="http://schemas.openxmlformats.org/officeDocument/2006/relationships" xmlns:p="http://schemas.openxmlformats.org/presentationml/2006/main" xmlns:m="http://schemas.openxmlformats.org/officeDocument/2006/math" xmlns:a14="http://schemas.microsoft.com/office/drawing/2010/main" showMasterSp="1" showMasterPhAnim="1">
   <p:cSld>
     <p:spTree>
@@ -13338,7 +15478,7 @@
       </p:grpSpPr>
       <p:sp>
         <p:nvSpPr>
-          <p:cNvPr id="272" name="Algo mColoring…"/>
+          <p:cNvPr id="299" name="Algo mColoring…"/>
           <p:cNvSpPr txBox="1"/>
           <p:nvPr>
             <p:ph type="title"/>
@@ -13371,7 +15511,7 @@
       </p:sp>
       <p:sp>
         <p:nvSpPr>
-          <p:cNvPr id="273" name="Algo mColoring(k)…"/>
+          <p:cNvPr id="300" name="Algo mColoring(k)…"/>
           <p:cNvSpPr txBox="1"/>
           <p:nvPr>
             <p:ph type="body" idx="1"/>
@@ -13787,7 +15927,19 @@
               </a:defRPr>
             </a:pPr>
             <a:r>
-              <a:t>print(x[i])</a:t>
+              <a:t>print(</a:t>
+            </a:r>
+            <a:r>
+              <a:rPr>
+                <a:latin typeface="Courier New"/>
+                <a:ea typeface="Courier New"/>
+                <a:cs typeface="Courier New"/>
+                <a:sym typeface="Courier New"/>
+              </a:rPr>
+              <a:t>x[i]</a:t>
+            </a:r>
+            <a:r>
+              <a:t>)</a:t>
             </a:r>
           </a:p>
           <a:p>
@@ -13857,7 +16009,7 @@
       </p:sp>
       <p:sp>
         <p:nvSpPr>
-          <p:cNvPr id="274" name="Slide Number"/>
+          <p:cNvPr id="301" name="Slide Number"/>
           <p:cNvSpPr txBox="1"/>
           <p:nvPr>
             <p:ph type="sldNum" sz="quarter" idx="2"/>
@@ -13884,7 +16036,7 @@
       </p:sp>
       <p:sp>
         <p:nvSpPr>
-          <p:cNvPr id="275" name="DAA/Backtracking, Branch&amp;Bound, NP-Complete"/>
+          <p:cNvPr id="302" name="DAA/Backtracking, Branch&amp;Bound, NP-Complete"/>
           <p:cNvSpPr txBox="1"/>
           <p:nvPr/>
         </p:nvSpPr>
@@ -13924,7 +16076,7 @@
       </p:sp>
       <p:sp>
         <p:nvSpPr>
-          <p:cNvPr id="276" name="RPR/"/>
+          <p:cNvPr id="303" name="RPR/"/>
           <p:cNvSpPr txBox="1"/>
           <p:nvPr/>
         </p:nvSpPr>
@@ -14001,7 +16153,7 @@
                                       <p:cBhvr>
                                         <p:cTn id="6" fill="hold"/>
                                         <p:tgtEl>
-                                          <p:spTgt spid="273"/>
+                                          <p:spTgt spid="300"/>
                                         </p:tgtEl>
                                         <p:attrNameLst>
                                           <p:attrName>style.visibility</p:attrName>
@@ -14042,13 +16194,13 @@
       </p:par>
     </p:tnLst>
     <p:bldLst>
-      <p:bldP build="whole" bldLvl="1" animBg="1" rev="0" advAuto="0" spid="273" grpId="1"/>
+      <p:bldP build="whole" bldLvl="1" animBg="1" rev="0" advAuto="0" spid="300" grpId="1"/>
     </p:bldLst>
   </p:timing>
 </p:sld>
 </file>
 
-<file path=ppt/slides/slide18.xml><?xml version="1.0" encoding="utf-8"?>
+<file path=ppt/slides/slide19.xml><?xml version="1.0" encoding="utf-8"?>
 <p:sld xmlns:a="http://schemas.openxmlformats.org/drawingml/2006/main" xmlns:r="http://schemas.openxmlformats.org/officeDocument/2006/relationships" xmlns:p="http://schemas.openxmlformats.org/presentationml/2006/main" xmlns:m="http://schemas.openxmlformats.org/officeDocument/2006/math" xmlns:a14="http://schemas.microsoft.com/office/drawing/2010/main" showMasterSp="1" showMasterPhAnim="1">
   <p:cSld>
     <p:spTree>
@@ -14067,7 +16219,7 @@
       </p:grpSpPr>
       <p:sp>
         <p:nvSpPr>
-          <p:cNvPr id="278" name="Algo mColoring…"/>
+          <p:cNvPr id="305" name="Algo mColoring…"/>
           <p:cNvSpPr txBox="1"/>
           <p:nvPr>
             <p:ph type="title"/>
@@ -14100,7 +16252,7 @@
       </p:sp>
       <p:sp>
         <p:nvSpPr>
-          <p:cNvPr id="279" name="proc NextColor(k)…"/>
+          <p:cNvPr id="306" name="proc NextColor(k)…"/>
           <p:cNvSpPr txBox="1"/>
           <p:nvPr>
             <p:ph type="body" idx="1"/>
@@ -14750,7 +16902,7 @@
       </p:sp>
       <p:sp>
         <p:nvSpPr>
-          <p:cNvPr id="280" name="Slide Number"/>
+          <p:cNvPr id="307" name="Slide Number"/>
           <p:cNvSpPr txBox="1"/>
           <p:nvPr>
             <p:ph type="sldNum" sz="quarter" idx="2"/>
@@ -14777,7 +16929,7 @@
       </p:sp>
       <p:sp>
         <p:nvSpPr>
-          <p:cNvPr id="281" name="DAA/Backtracking, Branch&amp;Bound, NP-Complete"/>
+          <p:cNvPr id="308" name="DAA/Backtracking, Branch&amp;Bound, NP-Complete"/>
           <p:cNvSpPr txBox="1"/>
           <p:nvPr/>
         </p:nvSpPr>
@@ -14817,7 +16969,7 @@
       </p:sp>
       <p:sp>
         <p:nvSpPr>
-          <p:cNvPr id="282" name="RPR/"/>
+          <p:cNvPr id="309" name="RPR/"/>
           <p:cNvSpPr txBox="1"/>
           <p:nvPr/>
         </p:nvSpPr>
@@ -14894,7 +17046,7 @@
                                       <p:cBhvr>
                                         <p:cTn id="6" fill="hold"/>
                                         <p:tgtEl>
-                                          <p:spTgt spid="279"/>
+                                          <p:spTgt spid="306"/>
                                         </p:tgtEl>
                                         <p:attrNameLst>
                                           <p:attrName>style.visibility</p:attrName>
@@ -14935,13 +17087,13 @@
       </p:par>
     </p:tnLst>
     <p:bldLst>
-      <p:bldP build="whole" bldLvl="1" animBg="1" rev="0" advAuto="0" spid="279" grpId="1"/>
+      <p:bldP build="whole" bldLvl="1" animBg="1" rev="0" advAuto="0" spid="306" grpId="1"/>
     </p:bldLst>
   </p:timing>
 </p:sld>
 </file>
 
-<file path=ppt/slides/slide19.xml><?xml version="1.0" encoding="utf-8"?>
+<file path=ppt/slides/slide2.xml><?xml version="1.0" encoding="utf-8"?>
 <p:sld xmlns:a="http://schemas.openxmlformats.org/drawingml/2006/main" xmlns:r="http://schemas.openxmlformats.org/officeDocument/2006/relationships" xmlns:p="http://schemas.openxmlformats.org/presentationml/2006/main" xmlns:m="http://schemas.openxmlformats.org/officeDocument/2006/math" xmlns:a14="http://schemas.microsoft.com/office/drawing/2010/main" showMasterSp="1" showMasterPhAnim="1">
   <p:cSld>
     <p:spTree>
@@ -14960,7 +17112,7 @@
       </p:grpSpPr>
       <p:sp>
         <p:nvSpPr>
-          <p:cNvPr id="284" name="Complexity Analysis: mColoring"/>
+          <p:cNvPr id="47" name="Resources"/>
           <p:cNvSpPr txBox="1"/>
           <p:nvPr>
             <p:ph type="title"/>
@@ -14975,33 +17127,26 @@
           <a:bodyPr/>
           <a:lstStyle/>
           <a:p>
-            <a:pPr>
-              <a:defRPr sz="4600"/>
-            </a:pPr>
-            <a:r>
-              <a:t>Complexity Analysis: </a:t>
-            </a:r>
-            <a:r>
-              <a:rPr>
-                <a:latin typeface="Courier New"/>
-                <a:ea typeface="Courier New"/>
-                <a:cs typeface="Courier New"/>
-                <a:sym typeface="Courier New"/>
-              </a:rPr>
-              <a:t>mColoring</a:t>
+            <a:pPr/>
+            <a:r>
+              <a:t>Resources</a:t>
             </a:r>
           </a:p>
         </p:txBody>
       </p:sp>
       <p:sp>
         <p:nvSpPr>
-          <p:cNvPr id="285" name="Number of internal nodes in state space tree…"/>
+          <p:cNvPr id="48" name="Text book 2: Horowitz…"/>
           <p:cNvSpPr txBox="1"/>
           <p:nvPr>
             <p:ph type="body" idx="1"/>
           </p:nvPr>
         </p:nvSpPr>
         <p:spPr>
+          <a:xfrm>
+            <a:off x="679425" y="938113"/>
+            <a:ext cx="9048800" cy="5891610"/>
+          </a:xfrm>
           <a:prstGeom prst="rect">
             <a:avLst/>
           </a:prstGeom>
@@ -15012,30 +17157,14 @@
           <a:p>
             <a:pPr/>
             <a:r>
-              <a:t>Number of internal nodes in state space tree</a:t>
-            </a:r>
-          </a:p>
-          <a:p>
-            <a:pPr lvl="1" marL="0" marR="0" indent="228600" defTabSz="457200">
-              <a:lnSpc>
-                <a:spcPct val="100000"/>
-              </a:lnSpc>
-              <a:spcBef>
-                <a:spcPts val="400"/>
-              </a:spcBef>
-              <a:buSzTx/>
-              <a:buNone/>
-              <a:defRPr sz="2800">
-                <a:solidFill>
-                  <a:srgbClr val="222222"/>
-                </a:solidFill>
-                <a:uFillTx/>
-                <a:latin typeface="Gill Sans MT"/>
-                <a:ea typeface="Gill Sans MT"/>
-                <a:cs typeface="Gill Sans MT"/>
-                <a:sym typeface="Gill Sans MT"/>
-              </a:defRPr>
-            </a:pPr>
+              <a:t>Text book 2: Horowitz</a:t>
+            </a:r>
+          </a:p>
+          <a:p>
+            <a:pPr lvl="1"/>
+            <a:r>
+              <a:t>Sec </a:t>
+            </a:r>
             <a:r>
               <a:rPr>
                 <a:latin typeface="Courier New"/>
@@ -15043,63 +17172,16 @@
                 <a:cs typeface="Courier New"/>
                 <a:sym typeface="Courier New"/>
               </a:rPr>
-              <a:t>Σ</a:t>
-            </a:r>
-            <a:r>
-              <a:rPr baseline="-5999">
+              <a:t>7.1,7.2,7.3,7.4,</a:t>
+            </a:r>
+            <a:r>
+              <a:rPr b="1" i="1" u="sng">
                 <a:latin typeface="Courier New"/>
                 <a:ea typeface="Courier New"/>
                 <a:cs typeface="Courier New"/>
                 <a:sym typeface="Courier New"/>
               </a:rPr>
-              <a:t>0≤i≤n-1 </a:t>
-            </a:r>
-            <a:r>
-              <a:rPr sz="3000">
-                <a:latin typeface="Courier New"/>
-                <a:ea typeface="Courier New"/>
-                <a:cs typeface="Courier New"/>
-                <a:sym typeface="Courier New"/>
-              </a:rPr>
-              <a:t>m</a:t>
-            </a:r>
-            <a:r>
-              <a:rPr baseline="31999">
-                <a:latin typeface="Courier New"/>
-                <a:ea typeface="Courier New"/>
-                <a:cs typeface="Courier New"/>
-                <a:sym typeface="Courier New"/>
-              </a:rPr>
-              <a:t>i</a:t>
-            </a:r>
-            <a:endParaRPr baseline="31999">
-              <a:latin typeface="Courier New"/>
-              <a:ea typeface="Courier New"/>
-              <a:cs typeface="Courier New"/>
-              <a:sym typeface="Courier New"/>
-            </a:endParaRPr>
-          </a:p>
-          <a:p>
-            <a:pPr marL="342246" marR="0" indent="-302558" defTabSz="457200">
-              <a:lnSpc>
-                <a:spcPct val="100000"/>
-              </a:lnSpc>
-              <a:spcBef>
-                <a:spcPts val="400"/>
-              </a:spcBef>
-              <a:defRPr sz="3000">
-                <a:solidFill>
-                  <a:srgbClr val="222222"/>
-                </a:solidFill>
-                <a:uFillTx/>
-                <a:latin typeface="Gill Sans MT"/>
-                <a:ea typeface="Gill Sans MT"/>
-                <a:cs typeface="Gill Sans MT"/>
-                <a:sym typeface="Gill Sans MT"/>
-              </a:defRPr>
-            </a:pPr>
-            <a:r>
-              <a:t>At each node, </a:t>
+              <a:t>7.5</a:t>
             </a:r>
             <a:r>
               <a:rPr>
@@ -15108,10 +17190,31 @@
                 <a:cs typeface="Courier New"/>
                 <a:sym typeface="Courier New"/>
               </a:rPr>
-              <a:t>O(mn)</a:t>
-            </a:r>
-            <a:r>
-              <a:t> time is spent by </a:t>
+              <a:t>,8.2,11.1</a:t>
+            </a:r>
+          </a:p>
+          <a:p>
+            <a:pPr/>
+            <a:r>
+              <a:t>Text book </a:t>
+            </a:r>
+            <a:r>
+              <a:rPr>
+                <a:latin typeface="Arial"/>
+                <a:ea typeface="Arial"/>
+                <a:cs typeface="Arial"/>
+                <a:sym typeface="Arial"/>
+              </a:rPr>
+              <a:t>1</a:t>
+            </a:r>
+            <a:r>
+              <a:t>: Levitin</a:t>
+            </a:r>
+          </a:p>
+          <a:p>
+            <a:pPr lvl="1"/>
+            <a:r>
+              <a:t>Sec </a:t>
             </a:r>
             <a:r>
               <a:rPr>
@@ -15120,384 +17223,26 @@
                 <a:cs typeface="Courier New"/>
                 <a:sym typeface="Courier New"/>
               </a:rPr>
-              <a:t>NextColor</a:t>
-            </a:r>
-          </a:p>
-          <a:p>
-            <a:pPr lvl="1" marL="663178" marR="0" indent="-267890" defTabSz="457200">
-              <a:lnSpc>
-                <a:spcPct val="100000"/>
-              </a:lnSpc>
-              <a:spcBef>
-                <a:spcPts val="400"/>
-              </a:spcBef>
-              <a:buChar char="•"/>
-              <a:defRPr>
-                <a:solidFill>
-                  <a:srgbClr val="222222"/>
-                </a:solidFill>
-                <a:uFillTx/>
-                <a:latin typeface="Gill Sans MT"/>
-                <a:ea typeface="Gill Sans MT"/>
-                <a:cs typeface="Gill Sans MT"/>
-                <a:sym typeface="Gill Sans MT"/>
-              </a:defRPr>
-            </a:pPr>
-            <a:r>
-              <a:t>to determine children corresponding legal coloring</a:t>
-            </a:r>
-          </a:p>
-          <a:p>
-            <a:pPr marL="342246" marR="0" indent="-302558" defTabSz="457200">
-              <a:lnSpc>
-                <a:spcPct val="100000"/>
-              </a:lnSpc>
-              <a:spcBef>
-                <a:spcPts val="400"/>
-              </a:spcBef>
-              <a:defRPr sz="3000">
-                <a:solidFill>
-                  <a:srgbClr val="222222"/>
-                </a:solidFill>
-                <a:uFillTx/>
-                <a:latin typeface="Gill Sans MT"/>
-                <a:ea typeface="Gill Sans MT"/>
-                <a:cs typeface="Gill Sans MT"/>
-                <a:sym typeface="Gill Sans MT"/>
-              </a:defRPr>
-            </a:pPr>
-            <a:r>
-              <a:t>Thus, total time complexity is given by</a:t>
-            </a:r>
-          </a:p>
-          <a:p>
-            <a:pPr lvl="2" marL="0" marR="0" indent="457200" defTabSz="457200">
-              <a:lnSpc>
-                <a:spcPct val="100000"/>
-              </a:lnSpc>
-              <a:spcBef>
-                <a:spcPts val="400"/>
-              </a:spcBef>
-              <a:buSzTx/>
-              <a:buNone/>
-              <a:defRPr sz="3200">
-                <a:solidFill>
-                  <a:srgbClr val="222222"/>
-                </a:solidFill>
-                <a:uFillTx/>
-                <a:latin typeface="Gill Sans MT"/>
-                <a:ea typeface="Gill Sans MT"/>
-                <a:cs typeface="Gill Sans MT"/>
-                <a:sym typeface="Gill Sans MT"/>
-              </a:defRPr>
-            </a:pPr>
-            <a:r>
-              <a:rPr>
-                <a:latin typeface="Courier New"/>
-                <a:ea typeface="Courier New"/>
-                <a:cs typeface="Courier New"/>
-                <a:sym typeface="Courier New"/>
-              </a:rPr>
-              <a:t>Σ</a:t>
-            </a:r>
-            <a:r>
-              <a:rPr baseline="-5999">
-                <a:latin typeface="Courier New"/>
-                <a:ea typeface="Courier New"/>
-                <a:cs typeface="Courier New"/>
-                <a:sym typeface="Courier New"/>
-              </a:rPr>
-              <a:t>0≤i≤n-1 </a:t>
-            </a:r>
-            <a:r>
-              <a:rPr>
-                <a:latin typeface="Courier New"/>
-                <a:ea typeface="Courier New"/>
-                <a:cs typeface="Courier New"/>
-                <a:sym typeface="Courier New"/>
-              </a:rPr>
-              <a:t>m</a:t>
-            </a:r>
-            <a:r>
-              <a:rPr baseline="31999">
-                <a:latin typeface="Courier New"/>
-                <a:ea typeface="Courier New"/>
-                <a:cs typeface="Courier New"/>
-                <a:sym typeface="Courier New"/>
-              </a:rPr>
-              <a:t>i</a:t>
-            </a:r>
-            <a:r>
-              <a:rPr>
-                <a:latin typeface="Courier New"/>
-                <a:ea typeface="Courier New"/>
-                <a:cs typeface="Courier New"/>
-                <a:sym typeface="Courier New"/>
-              </a:rPr>
-              <a:t>*mn</a:t>
-            </a:r>
-            <a:endParaRPr>
-              <a:latin typeface="Courier New"/>
-              <a:ea typeface="Courier New"/>
-              <a:cs typeface="Courier New"/>
-              <a:sym typeface="Courier New"/>
-            </a:endParaRPr>
-          </a:p>
-          <a:p>
-            <a:pPr lvl="2" marL="0" marR="0" indent="457200" defTabSz="457200">
-              <a:lnSpc>
-                <a:spcPct val="100000"/>
-              </a:lnSpc>
-              <a:spcBef>
-                <a:spcPts val="400"/>
-              </a:spcBef>
-              <a:buSzTx/>
-              <a:buNone/>
-              <a:defRPr sz="3200">
-                <a:solidFill>
-                  <a:srgbClr val="222222"/>
-                </a:solidFill>
-                <a:uFillTx/>
-                <a:latin typeface="Gill Sans MT"/>
-                <a:ea typeface="Gill Sans MT"/>
-                <a:cs typeface="Gill Sans MT"/>
-                <a:sym typeface="Gill Sans MT"/>
-              </a:defRPr>
-            </a:pPr>
-            <a:r>
-              <a:rPr>
-                <a:latin typeface="Courier New"/>
-                <a:ea typeface="Courier New"/>
-                <a:cs typeface="Courier New"/>
-                <a:sym typeface="Courier New"/>
-              </a:rPr>
-              <a:t>=Σ</a:t>
-            </a:r>
-            <a:r>
-              <a:rPr baseline="-5999">
-                <a:latin typeface="Courier New"/>
-                <a:ea typeface="Courier New"/>
-                <a:cs typeface="Courier New"/>
-                <a:sym typeface="Courier New"/>
-              </a:rPr>
-              <a:t>0≤i≤n-1 </a:t>
-            </a:r>
-            <a:r>
-              <a:rPr>
-                <a:latin typeface="Courier New"/>
-                <a:ea typeface="Courier New"/>
-                <a:cs typeface="Courier New"/>
-                <a:sym typeface="Courier New"/>
-              </a:rPr>
-              <a:t>m</a:t>
-            </a:r>
-            <a:r>
-              <a:rPr baseline="31999">
-                <a:latin typeface="Courier New"/>
-                <a:ea typeface="Courier New"/>
-                <a:cs typeface="Courier New"/>
-                <a:sym typeface="Courier New"/>
-              </a:rPr>
-              <a:t>i+1</a:t>
-            </a:r>
-            <a:r>
-              <a:rPr>
-                <a:latin typeface="Courier New"/>
-                <a:ea typeface="Courier New"/>
-                <a:cs typeface="Courier New"/>
-                <a:sym typeface="Courier New"/>
-              </a:rPr>
-              <a:t>*n</a:t>
-            </a:r>
-            <a:endParaRPr>
-              <a:latin typeface="Courier New"/>
-              <a:ea typeface="Courier New"/>
-              <a:cs typeface="Courier New"/>
-              <a:sym typeface="Courier New"/>
-            </a:endParaRPr>
-          </a:p>
-          <a:p>
-            <a:pPr lvl="2" marL="0" marR="0" indent="457200" defTabSz="457200">
-              <a:lnSpc>
-                <a:spcPct val="100000"/>
-              </a:lnSpc>
-              <a:spcBef>
-                <a:spcPts val="400"/>
-              </a:spcBef>
-              <a:buSzTx/>
-              <a:buNone/>
-              <a:defRPr sz="3200">
-                <a:solidFill>
-                  <a:srgbClr val="222222"/>
-                </a:solidFill>
-                <a:uFillTx/>
-                <a:latin typeface="Gill Sans MT"/>
-                <a:ea typeface="Gill Sans MT"/>
-                <a:cs typeface="Gill Sans MT"/>
-                <a:sym typeface="Gill Sans MT"/>
-              </a:defRPr>
-            </a:pPr>
-            <a:r>
-              <a:rPr>
-                <a:latin typeface="Courier New"/>
-                <a:ea typeface="Courier New"/>
-                <a:cs typeface="Courier New"/>
-                <a:sym typeface="Courier New"/>
-              </a:rPr>
-              <a:t>=n((Σ</a:t>
-            </a:r>
-            <a:r>
-              <a:rPr baseline="-5999">
-                <a:latin typeface="Courier New"/>
-                <a:ea typeface="Courier New"/>
-                <a:cs typeface="Courier New"/>
-                <a:sym typeface="Courier New"/>
-              </a:rPr>
-              <a:t>0≤i≤n </a:t>
-            </a:r>
-            <a:r>
-              <a:rPr>
-                <a:latin typeface="Courier New"/>
-                <a:ea typeface="Courier New"/>
-                <a:cs typeface="Courier New"/>
-                <a:sym typeface="Courier New"/>
-              </a:rPr>
-              <a:t>m</a:t>
-            </a:r>
-            <a:r>
-              <a:rPr baseline="31999">
-                <a:latin typeface="Courier New"/>
-                <a:ea typeface="Courier New"/>
-                <a:cs typeface="Courier New"/>
-                <a:sym typeface="Courier New"/>
-              </a:rPr>
-              <a:t>i</a:t>
-            </a:r>
-            <a:r>
-              <a:rPr>
-                <a:latin typeface="Courier New"/>
-                <a:ea typeface="Courier New"/>
-                <a:cs typeface="Courier New"/>
-                <a:sym typeface="Courier New"/>
-              </a:rPr>
-              <a:t>)- 1)</a:t>
-            </a:r>
-            <a:endParaRPr>
-              <a:latin typeface="Courier New"/>
-              <a:ea typeface="Courier New"/>
-              <a:cs typeface="Courier New"/>
-              <a:sym typeface="Courier New"/>
-            </a:endParaRPr>
-          </a:p>
-          <a:p>
-            <a:pPr lvl="2" marL="0" marR="0" indent="457200" defTabSz="457200">
-              <a:lnSpc>
-                <a:spcPct val="100000"/>
-              </a:lnSpc>
-              <a:spcBef>
-                <a:spcPts val="400"/>
-              </a:spcBef>
-              <a:buSzTx/>
-              <a:buNone/>
-              <a:defRPr sz="3200">
-                <a:solidFill>
-                  <a:srgbClr val="222222"/>
-                </a:solidFill>
-                <a:uFillTx/>
-                <a:latin typeface="Gill Sans MT"/>
-                <a:ea typeface="Gill Sans MT"/>
-                <a:cs typeface="Gill Sans MT"/>
-                <a:sym typeface="Gill Sans MT"/>
-              </a:defRPr>
-            </a:pPr>
-            <a:r>
-              <a:rPr>
-                <a:latin typeface="Courier New"/>
-                <a:ea typeface="Courier New"/>
-                <a:cs typeface="Courier New"/>
-                <a:sym typeface="Courier New"/>
-              </a:rPr>
-              <a:t>=n[(m</a:t>
-            </a:r>
-            <a:r>
-              <a:rPr baseline="31999">
-                <a:latin typeface="Courier New"/>
-                <a:ea typeface="Courier New"/>
-                <a:cs typeface="Courier New"/>
-                <a:sym typeface="Courier New"/>
-              </a:rPr>
-              <a:t>n+1</a:t>
-            </a:r>
-            <a:r>
-              <a:rPr>
-                <a:latin typeface="Courier New"/>
-                <a:ea typeface="Courier New"/>
-                <a:cs typeface="Courier New"/>
-                <a:sym typeface="Courier New"/>
-              </a:rPr>
-              <a:t>-1)/(m-1)-1]</a:t>
-            </a:r>
-            <a:endParaRPr>
-              <a:latin typeface="Courier New"/>
-              <a:ea typeface="Courier New"/>
-              <a:cs typeface="Courier New"/>
-              <a:sym typeface="Courier New"/>
-            </a:endParaRPr>
-          </a:p>
-          <a:p>
-            <a:pPr lvl="2" marL="0" marR="0" indent="457200" defTabSz="457200">
-              <a:lnSpc>
-                <a:spcPct val="100000"/>
-              </a:lnSpc>
-              <a:spcBef>
-                <a:spcPts val="400"/>
-              </a:spcBef>
-              <a:buSzTx/>
-              <a:buNone/>
-              <a:defRPr sz="3200">
-                <a:solidFill>
-                  <a:srgbClr val="222222"/>
-                </a:solidFill>
-                <a:uFillTx/>
-                <a:latin typeface="Gill Sans MT"/>
-                <a:ea typeface="Gill Sans MT"/>
-                <a:cs typeface="Gill Sans MT"/>
-                <a:sym typeface="Gill Sans MT"/>
-              </a:defRPr>
-            </a:pPr>
-            <a:r>
-              <a:rPr>
-                <a:latin typeface="Courier New"/>
-                <a:ea typeface="Courier New"/>
-                <a:cs typeface="Courier New"/>
-                <a:sym typeface="Courier New"/>
-              </a:rPr>
-              <a:t>=O(nm</a:t>
-            </a:r>
-            <a:r>
-              <a:rPr baseline="31999">
-                <a:latin typeface="Courier New"/>
-                <a:ea typeface="Courier New"/>
-                <a:cs typeface="Courier New"/>
-                <a:sym typeface="Courier New"/>
-              </a:rPr>
-              <a:t>n</a:t>
-            </a:r>
-            <a:r>
-              <a:rPr>
-                <a:latin typeface="Courier New"/>
-                <a:ea typeface="Courier New"/>
-                <a:cs typeface="Courier New"/>
-                <a:sym typeface="Courier New"/>
-              </a:rPr>
-              <a:t>)</a:t>
+              <a:t>12.1,12.2</a:t>
+            </a:r>
+          </a:p>
+          <a:p>
+            <a:pPr/>
+            <a:r>
+              <a:t>R1: Introduction to Algorithms</a:t>
+            </a:r>
+          </a:p>
+          <a:p>
+            <a:pPr lvl="2"/>
+            <a:r>
+              <a:t>Cormen et al.</a:t>
             </a:r>
           </a:p>
         </p:txBody>
       </p:sp>
       <p:sp>
         <p:nvSpPr>
-          <p:cNvPr id="286" name="Slide Number"/>
+          <p:cNvPr id="49" name="Slide Number"/>
           <p:cNvSpPr txBox="1"/>
           <p:nvPr>
             <p:ph type="sldNum" sz="quarter" idx="2"/>
@@ -15524,7 +17269,7 @@
       </p:sp>
       <p:sp>
         <p:nvSpPr>
-          <p:cNvPr id="287" name="DAA/Backtracking, Branch&amp;Bound, NP-Complete"/>
+          <p:cNvPr id="50" name="DAA/Backtracking, Branch&amp;Bound, NP-Complete"/>
           <p:cNvSpPr txBox="1"/>
           <p:nvPr/>
         </p:nvSpPr>
@@ -15564,7 +17309,688 @@
       </p:sp>
       <p:sp>
         <p:nvSpPr>
-          <p:cNvPr id="288" name="RPR/"/>
+          <p:cNvPr id="51" name="RPR/"/>
+          <p:cNvSpPr txBox="1"/>
+          <p:nvPr/>
+        </p:nvSpPr>
+        <p:spPr>
+          <a:xfrm>
+            <a:off x="7535212" y="6988206"/>
+            <a:ext cx="705605" cy="382910"/>
+          </a:xfrm>
+          <a:prstGeom prst="rect">
+            <a:avLst/>
+          </a:prstGeom>
+          <a:ln w="12700">
+            <a:miter lim="400000"/>
+          </a:ln>
+          <a:extLst>
+            <a:ext uri="{C572A759-6A51-4108-AA02-DFA0A04FC94B}">
+              <ma14:wrappingTextBoxFlag xmlns:ma14="http://schemas.microsoft.com/office/mac/drawingml/2011/main" val="1"/>
+            </a:ext>
+          </a:extLst>
+        </p:spPr>
+        <p:txBody>
+          <a:bodyPr wrap="none" lIns="50800" tIns="50800" rIns="50800" bIns="50800" anchor="ctr">
+            <a:spAutoFit/>
+          </a:bodyPr>
+          <a:lstStyle>
+            <a:lvl1pPr>
+              <a:defRPr sz="2000"/>
+            </a:lvl1pPr>
+          </a:lstStyle>
+          <a:p>
+            <a:pPr/>
+            <a:r>
+              <a:t>RPR/</a:t>
+            </a:r>
+          </a:p>
+        </p:txBody>
+      </p:sp>
+    </p:spTree>
+  </p:cSld>
+  <p:clrMapOvr>
+    <a:masterClrMapping/>
+  </p:clrMapOvr>
+  <mc:AlternateContent xmlns:mc="http://schemas.openxmlformats.org/markup-compatibility/2006">
+    <mc:Choice xmlns:p14="http://schemas.microsoft.com/office/powerpoint/2010/main" Requires="p14">
+      <p:transition spd="med" advClick="1" p14:dur="899">
+        <p:wipe dir="l"/>
+      </p:transition>
+    </mc:Choice>
+    <mc:Fallback>
+      <p:transition spd="med">
+        <p:fade/>
+      </p:transition>
+    </mc:Fallback>
+  </mc:AlternateContent>
+</p:sld>
+</file>
+
+<file path=ppt/slides/slide20.xml><?xml version="1.0" encoding="utf-8"?>
+<p:sld xmlns:a="http://schemas.openxmlformats.org/drawingml/2006/main" xmlns:r="http://schemas.openxmlformats.org/officeDocument/2006/relationships" xmlns:p="http://schemas.openxmlformats.org/presentationml/2006/main" xmlns:m="http://schemas.openxmlformats.org/officeDocument/2006/math" xmlns:a14="http://schemas.microsoft.com/office/drawing/2010/main" showMasterSp="1" showMasterPhAnim="1">
+  <p:cSld>
+    <p:spTree>
+      <p:nvGrpSpPr>
+        <p:cNvPr id="1" name=""/>
+        <p:cNvGrpSpPr/>
+        <p:nvPr/>
+      </p:nvGrpSpPr>
+      <p:grpSpPr>
+        <a:xfrm>
+          <a:off x="0" y="0"/>
+          <a:ext cx="0" cy="0"/>
+          <a:chOff x="0" y="0"/>
+          <a:chExt cx="0" cy="0"/>
+        </a:xfrm>
+      </p:grpSpPr>
+      <p:sp>
+        <p:nvSpPr>
+          <p:cNvPr id="311" name="Complexity Analysis: mColoring"/>
+          <p:cNvSpPr txBox="1"/>
+          <p:nvPr>
+            <p:ph type="title"/>
+          </p:nvPr>
+        </p:nvSpPr>
+        <p:spPr>
+          <a:prstGeom prst="rect">
+            <a:avLst/>
+          </a:prstGeom>
+        </p:spPr>
+        <p:txBody>
+          <a:bodyPr/>
+          <a:lstStyle/>
+          <a:p>
+            <a:pPr>
+              <a:defRPr sz="4600"/>
+            </a:pPr>
+            <a:r>
+              <a:t>Complexity Analysis: </a:t>
+            </a:r>
+            <a:r>
+              <a:rPr>
+                <a:latin typeface="Courier New"/>
+                <a:ea typeface="Courier New"/>
+                <a:cs typeface="Courier New"/>
+                <a:sym typeface="Courier New"/>
+              </a:rPr>
+              <a:t>mColoring</a:t>
+            </a:r>
+          </a:p>
+        </p:txBody>
+      </p:sp>
+      <p:sp>
+        <p:nvSpPr>
+          <p:cNvPr id="312" name="Number of internal nodes in state space tree…"/>
+          <p:cNvSpPr txBox="1"/>
+          <p:nvPr>
+            <p:ph type="body" idx="1"/>
+          </p:nvPr>
+        </p:nvSpPr>
+        <p:spPr>
+          <a:prstGeom prst="rect">
+            <a:avLst/>
+          </a:prstGeom>
+        </p:spPr>
+        <p:txBody>
+          <a:bodyPr/>
+          <a:lstStyle/>
+          <a:p>
+            <a:pPr/>
+            <a:r>
+              <a:t>Number of internal nodes in state space tree</a:t>
+            </a:r>
+          </a:p>
+          <a:p>
+            <a:pPr lvl="1" marL="0" marR="0" indent="228600" defTabSz="457200">
+              <a:lnSpc>
+                <a:spcPct val="100000"/>
+              </a:lnSpc>
+              <a:spcBef>
+                <a:spcPts val="400"/>
+              </a:spcBef>
+              <a:buSzTx/>
+              <a:buNone/>
+              <a:defRPr sz="2800">
+                <a:solidFill>
+                  <a:srgbClr val="222222"/>
+                </a:solidFill>
+                <a:uFillTx/>
+                <a:latin typeface="Gill Sans MT"/>
+                <a:ea typeface="Gill Sans MT"/>
+                <a:cs typeface="Gill Sans MT"/>
+                <a:sym typeface="Gill Sans MT"/>
+              </a:defRPr>
+            </a:pPr>
+            <a:r>
+              <a:rPr>
+                <a:latin typeface="Courier New"/>
+                <a:ea typeface="Courier New"/>
+                <a:cs typeface="Courier New"/>
+                <a:sym typeface="Courier New"/>
+              </a:rPr>
+              <a:t>Σ</a:t>
+            </a:r>
+            <a:r>
+              <a:rPr baseline="-5999">
+                <a:latin typeface="Courier New"/>
+                <a:ea typeface="Courier New"/>
+                <a:cs typeface="Courier New"/>
+                <a:sym typeface="Courier New"/>
+              </a:rPr>
+              <a:t>0≤i≤n-1 </a:t>
+            </a:r>
+            <a:r>
+              <a:rPr sz="3000">
+                <a:latin typeface="Courier New"/>
+                <a:ea typeface="Courier New"/>
+                <a:cs typeface="Courier New"/>
+                <a:sym typeface="Courier New"/>
+              </a:rPr>
+              <a:t>m</a:t>
+            </a:r>
+            <a:r>
+              <a:rPr baseline="31999">
+                <a:latin typeface="Courier New"/>
+                <a:ea typeface="Courier New"/>
+                <a:cs typeface="Courier New"/>
+                <a:sym typeface="Courier New"/>
+              </a:rPr>
+              <a:t>i</a:t>
+            </a:r>
+            <a:endParaRPr baseline="31999">
+              <a:latin typeface="Courier New"/>
+              <a:ea typeface="Courier New"/>
+              <a:cs typeface="Courier New"/>
+              <a:sym typeface="Courier New"/>
+            </a:endParaRPr>
+          </a:p>
+          <a:p>
+            <a:pPr marL="342246" marR="0" indent="-302558" defTabSz="457200">
+              <a:lnSpc>
+                <a:spcPct val="100000"/>
+              </a:lnSpc>
+              <a:spcBef>
+                <a:spcPts val="400"/>
+              </a:spcBef>
+              <a:defRPr sz="3000">
+                <a:solidFill>
+                  <a:srgbClr val="222222"/>
+                </a:solidFill>
+                <a:uFillTx/>
+                <a:latin typeface="Gill Sans MT"/>
+                <a:ea typeface="Gill Sans MT"/>
+                <a:cs typeface="Gill Sans MT"/>
+                <a:sym typeface="Gill Sans MT"/>
+              </a:defRPr>
+            </a:pPr>
+            <a:r>
+              <a:t>At each node, </a:t>
+            </a:r>
+            <a:r>
+              <a:rPr>
+                <a:latin typeface="Courier New"/>
+                <a:ea typeface="Courier New"/>
+                <a:cs typeface="Courier New"/>
+                <a:sym typeface="Courier New"/>
+              </a:rPr>
+              <a:t>O(mn)</a:t>
+            </a:r>
+            <a:r>
+              <a:t> time is spent by </a:t>
+            </a:r>
+            <a:r>
+              <a:rPr>
+                <a:latin typeface="Courier New"/>
+                <a:ea typeface="Courier New"/>
+                <a:cs typeface="Courier New"/>
+                <a:sym typeface="Courier New"/>
+              </a:rPr>
+              <a:t>NextColor</a:t>
+            </a:r>
+          </a:p>
+          <a:p>
+            <a:pPr lvl="1" marL="663178" marR="0" indent="-267890" defTabSz="457200">
+              <a:lnSpc>
+                <a:spcPct val="100000"/>
+              </a:lnSpc>
+              <a:spcBef>
+                <a:spcPts val="400"/>
+              </a:spcBef>
+              <a:buChar char="•"/>
+              <a:defRPr>
+                <a:solidFill>
+                  <a:srgbClr val="222222"/>
+                </a:solidFill>
+                <a:uFillTx/>
+                <a:latin typeface="Gill Sans MT"/>
+                <a:ea typeface="Gill Sans MT"/>
+                <a:cs typeface="Gill Sans MT"/>
+                <a:sym typeface="Gill Sans MT"/>
+              </a:defRPr>
+            </a:pPr>
+            <a:r>
+              <a:t>to determine children corresponding legal coloring</a:t>
+            </a:r>
+          </a:p>
+          <a:p>
+            <a:pPr marL="342246" marR="0" indent="-302558" defTabSz="457200">
+              <a:lnSpc>
+                <a:spcPct val="100000"/>
+              </a:lnSpc>
+              <a:spcBef>
+                <a:spcPts val="400"/>
+              </a:spcBef>
+              <a:defRPr sz="3000">
+                <a:solidFill>
+                  <a:srgbClr val="222222"/>
+                </a:solidFill>
+                <a:uFillTx/>
+                <a:latin typeface="Gill Sans MT"/>
+                <a:ea typeface="Gill Sans MT"/>
+                <a:cs typeface="Gill Sans MT"/>
+                <a:sym typeface="Gill Sans MT"/>
+              </a:defRPr>
+            </a:pPr>
+            <a:r>
+              <a:t>Thus, total time complexity is given by</a:t>
+            </a:r>
+          </a:p>
+          <a:p>
+            <a:pPr lvl="2" marL="0" marR="0" indent="457200" defTabSz="457200">
+              <a:lnSpc>
+                <a:spcPct val="100000"/>
+              </a:lnSpc>
+              <a:spcBef>
+                <a:spcPts val="400"/>
+              </a:spcBef>
+              <a:buSzTx/>
+              <a:buNone/>
+              <a:defRPr sz="3200">
+                <a:solidFill>
+                  <a:srgbClr val="222222"/>
+                </a:solidFill>
+                <a:uFillTx/>
+                <a:latin typeface="Gill Sans MT"/>
+                <a:ea typeface="Gill Sans MT"/>
+                <a:cs typeface="Gill Sans MT"/>
+                <a:sym typeface="Gill Sans MT"/>
+              </a:defRPr>
+            </a:pPr>
+            <a:r>
+              <a:rPr>
+                <a:latin typeface="Courier New"/>
+                <a:ea typeface="Courier New"/>
+                <a:cs typeface="Courier New"/>
+                <a:sym typeface="Courier New"/>
+              </a:rPr>
+              <a:t>Σ</a:t>
+            </a:r>
+            <a:r>
+              <a:rPr baseline="-5999">
+                <a:latin typeface="Courier New"/>
+                <a:ea typeface="Courier New"/>
+                <a:cs typeface="Courier New"/>
+                <a:sym typeface="Courier New"/>
+              </a:rPr>
+              <a:t>0≤i≤n-1 </a:t>
+            </a:r>
+            <a:r>
+              <a:rPr>
+                <a:latin typeface="Courier New"/>
+                <a:ea typeface="Courier New"/>
+                <a:cs typeface="Courier New"/>
+                <a:sym typeface="Courier New"/>
+              </a:rPr>
+              <a:t>m</a:t>
+            </a:r>
+            <a:r>
+              <a:rPr baseline="31999">
+                <a:latin typeface="Courier New"/>
+                <a:ea typeface="Courier New"/>
+                <a:cs typeface="Courier New"/>
+                <a:sym typeface="Courier New"/>
+              </a:rPr>
+              <a:t>i</a:t>
+            </a:r>
+            <a:r>
+              <a:rPr>
+                <a:latin typeface="Courier New"/>
+                <a:ea typeface="Courier New"/>
+                <a:cs typeface="Courier New"/>
+                <a:sym typeface="Courier New"/>
+              </a:rPr>
+              <a:t>*mn</a:t>
+            </a:r>
+            <a:endParaRPr>
+              <a:latin typeface="Courier New"/>
+              <a:ea typeface="Courier New"/>
+              <a:cs typeface="Courier New"/>
+              <a:sym typeface="Courier New"/>
+            </a:endParaRPr>
+          </a:p>
+          <a:p>
+            <a:pPr lvl="2" marL="0" marR="0" indent="457200" defTabSz="457200">
+              <a:lnSpc>
+                <a:spcPct val="100000"/>
+              </a:lnSpc>
+              <a:spcBef>
+                <a:spcPts val="400"/>
+              </a:spcBef>
+              <a:buSzTx/>
+              <a:buNone/>
+              <a:defRPr sz="3200">
+                <a:solidFill>
+                  <a:srgbClr val="222222"/>
+                </a:solidFill>
+                <a:uFillTx/>
+                <a:latin typeface="Gill Sans MT"/>
+                <a:ea typeface="Gill Sans MT"/>
+                <a:cs typeface="Gill Sans MT"/>
+                <a:sym typeface="Gill Sans MT"/>
+              </a:defRPr>
+            </a:pPr>
+            <a:r>
+              <a:rPr>
+                <a:latin typeface="Courier New"/>
+                <a:ea typeface="Courier New"/>
+                <a:cs typeface="Courier New"/>
+                <a:sym typeface="Courier New"/>
+              </a:rPr>
+              <a:t>=Σ</a:t>
+            </a:r>
+            <a:r>
+              <a:rPr baseline="-5999">
+                <a:latin typeface="Courier New"/>
+                <a:ea typeface="Courier New"/>
+                <a:cs typeface="Courier New"/>
+                <a:sym typeface="Courier New"/>
+              </a:rPr>
+              <a:t>0≤i≤n-1 </a:t>
+            </a:r>
+            <a:r>
+              <a:rPr>
+                <a:latin typeface="Courier New"/>
+                <a:ea typeface="Courier New"/>
+                <a:cs typeface="Courier New"/>
+                <a:sym typeface="Courier New"/>
+              </a:rPr>
+              <a:t>m</a:t>
+            </a:r>
+            <a:r>
+              <a:rPr baseline="31999">
+                <a:latin typeface="Courier New"/>
+                <a:ea typeface="Courier New"/>
+                <a:cs typeface="Courier New"/>
+                <a:sym typeface="Courier New"/>
+              </a:rPr>
+              <a:t>i+1</a:t>
+            </a:r>
+            <a:r>
+              <a:rPr>
+                <a:latin typeface="Courier New"/>
+                <a:ea typeface="Courier New"/>
+                <a:cs typeface="Courier New"/>
+                <a:sym typeface="Courier New"/>
+              </a:rPr>
+              <a:t>*n</a:t>
+            </a:r>
+            <a:endParaRPr>
+              <a:latin typeface="Courier New"/>
+              <a:ea typeface="Courier New"/>
+              <a:cs typeface="Courier New"/>
+              <a:sym typeface="Courier New"/>
+            </a:endParaRPr>
+          </a:p>
+          <a:p>
+            <a:pPr lvl="2" marL="0" marR="0" indent="457200" defTabSz="457200">
+              <a:lnSpc>
+                <a:spcPct val="100000"/>
+              </a:lnSpc>
+              <a:spcBef>
+                <a:spcPts val="400"/>
+              </a:spcBef>
+              <a:buSzTx/>
+              <a:buNone/>
+              <a:defRPr sz="3200">
+                <a:solidFill>
+                  <a:srgbClr val="222222"/>
+                </a:solidFill>
+                <a:uFillTx/>
+                <a:latin typeface="Gill Sans MT"/>
+                <a:ea typeface="Gill Sans MT"/>
+                <a:cs typeface="Gill Sans MT"/>
+                <a:sym typeface="Gill Sans MT"/>
+              </a:defRPr>
+            </a:pPr>
+            <a:r>
+              <a:rPr>
+                <a:latin typeface="Courier New"/>
+                <a:ea typeface="Courier New"/>
+                <a:cs typeface="Courier New"/>
+                <a:sym typeface="Courier New"/>
+              </a:rPr>
+              <a:t>=n((Σ</a:t>
+            </a:r>
+            <a:r>
+              <a:rPr baseline="-5999">
+                <a:latin typeface="Courier New"/>
+                <a:ea typeface="Courier New"/>
+                <a:cs typeface="Courier New"/>
+                <a:sym typeface="Courier New"/>
+              </a:rPr>
+              <a:t>0≤i≤n </a:t>
+            </a:r>
+            <a:r>
+              <a:rPr>
+                <a:latin typeface="Courier New"/>
+                <a:ea typeface="Courier New"/>
+                <a:cs typeface="Courier New"/>
+                <a:sym typeface="Courier New"/>
+              </a:rPr>
+              <a:t>m</a:t>
+            </a:r>
+            <a:r>
+              <a:rPr baseline="31999">
+                <a:latin typeface="Courier New"/>
+                <a:ea typeface="Courier New"/>
+                <a:cs typeface="Courier New"/>
+                <a:sym typeface="Courier New"/>
+              </a:rPr>
+              <a:t>i</a:t>
+            </a:r>
+            <a:r>
+              <a:rPr>
+                <a:latin typeface="Courier New"/>
+                <a:ea typeface="Courier New"/>
+                <a:cs typeface="Courier New"/>
+                <a:sym typeface="Courier New"/>
+              </a:rPr>
+              <a:t>)- 1)</a:t>
+            </a:r>
+            <a:endParaRPr>
+              <a:latin typeface="Courier New"/>
+              <a:ea typeface="Courier New"/>
+              <a:cs typeface="Courier New"/>
+              <a:sym typeface="Courier New"/>
+            </a:endParaRPr>
+          </a:p>
+          <a:p>
+            <a:pPr lvl="2" marL="0" marR="0" indent="457200" defTabSz="457200">
+              <a:lnSpc>
+                <a:spcPct val="100000"/>
+              </a:lnSpc>
+              <a:spcBef>
+                <a:spcPts val="400"/>
+              </a:spcBef>
+              <a:buSzTx/>
+              <a:buNone/>
+              <a:defRPr sz="3200">
+                <a:solidFill>
+                  <a:srgbClr val="222222"/>
+                </a:solidFill>
+                <a:uFillTx/>
+                <a:latin typeface="Gill Sans MT"/>
+                <a:ea typeface="Gill Sans MT"/>
+                <a:cs typeface="Gill Sans MT"/>
+                <a:sym typeface="Gill Sans MT"/>
+              </a:defRPr>
+            </a:pPr>
+            <a:r>
+              <a:rPr>
+                <a:latin typeface="Courier New"/>
+                <a:ea typeface="Courier New"/>
+                <a:cs typeface="Courier New"/>
+                <a:sym typeface="Courier New"/>
+              </a:rPr>
+              <a:t>=n[(m</a:t>
+            </a:r>
+            <a:r>
+              <a:rPr baseline="31999">
+                <a:latin typeface="Courier New"/>
+                <a:ea typeface="Courier New"/>
+                <a:cs typeface="Courier New"/>
+                <a:sym typeface="Courier New"/>
+              </a:rPr>
+              <a:t>n+1</a:t>
+            </a:r>
+            <a:r>
+              <a:rPr>
+                <a:latin typeface="Courier New"/>
+                <a:ea typeface="Courier New"/>
+                <a:cs typeface="Courier New"/>
+                <a:sym typeface="Courier New"/>
+              </a:rPr>
+              <a:t>-1)/(m-1)-1]</a:t>
+            </a:r>
+            <a:endParaRPr>
+              <a:latin typeface="Courier New"/>
+              <a:ea typeface="Courier New"/>
+              <a:cs typeface="Courier New"/>
+              <a:sym typeface="Courier New"/>
+            </a:endParaRPr>
+          </a:p>
+          <a:p>
+            <a:pPr lvl="2" marL="0" marR="0" indent="457200" defTabSz="457200">
+              <a:lnSpc>
+                <a:spcPct val="100000"/>
+              </a:lnSpc>
+              <a:spcBef>
+                <a:spcPts val="400"/>
+              </a:spcBef>
+              <a:buSzTx/>
+              <a:buNone/>
+              <a:defRPr sz="3200">
+                <a:solidFill>
+                  <a:srgbClr val="222222"/>
+                </a:solidFill>
+                <a:uFillTx/>
+                <a:latin typeface="Gill Sans MT"/>
+                <a:ea typeface="Gill Sans MT"/>
+                <a:cs typeface="Gill Sans MT"/>
+                <a:sym typeface="Gill Sans MT"/>
+              </a:defRPr>
+            </a:pPr>
+            <a:r>
+              <a:rPr>
+                <a:latin typeface="Courier New"/>
+                <a:ea typeface="Courier New"/>
+                <a:cs typeface="Courier New"/>
+                <a:sym typeface="Courier New"/>
+              </a:rPr>
+              <a:t>=O(nm</a:t>
+            </a:r>
+            <a:r>
+              <a:rPr baseline="31999">
+                <a:latin typeface="Courier New"/>
+                <a:ea typeface="Courier New"/>
+                <a:cs typeface="Courier New"/>
+                <a:sym typeface="Courier New"/>
+              </a:rPr>
+              <a:t>n</a:t>
+            </a:r>
+            <a:r>
+              <a:rPr>
+                <a:latin typeface="Courier New"/>
+                <a:ea typeface="Courier New"/>
+                <a:cs typeface="Courier New"/>
+                <a:sym typeface="Courier New"/>
+              </a:rPr>
+              <a:t>)</a:t>
+            </a:r>
+          </a:p>
+        </p:txBody>
+      </p:sp>
+      <p:sp>
+        <p:nvSpPr>
+          <p:cNvPr id="313" name="Slide Number"/>
+          <p:cNvSpPr txBox="1"/>
+          <p:nvPr>
+            <p:ph type="sldNum" sz="quarter" idx="2"/>
+          </p:nvPr>
+        </p:nvSpPr>
+        <p:spPr>
+          <a:prstGeom prst="rect">
+            <a:avLst/>
+          </a:prstGeom>
+          <a:extLst>
+            <a:ext uri="{C572A759-6A51-4108-AA02-DFA0A04FC94B}">
+              <ma14:wrappingTextBoxFlag xmlns:ma14="http://schemas.microsoft.com/office/mac/drawingml/2011/main" val="1"/>
+            </a:ext>
+          </a:extLst>
+        </p:spPr>
+        <p:txBody>
+          <a:bodyPr/>
+          <a:lstStyle/>
+          <a:p>
+            <a:pPr/>
+            <a:fld id="{86CB4B4D-7CA3-9044-876B-883B54F8677D}" type="slidenum"/>
+          </a:p>
+        </p:txBody>
+      </p:sp>
+      <p:sp>
+        <p:nvSpPr>
+          <p:cNvPr id="314" name="DAA/Backtracking, Branch&amp;Bound, NP-Complete"/>
+          <p:cNvSpPr txBox="1"/>
+          <p:nvPr/>
+        </p:nvSpPr>
+        <p:spPr>
+          <a:xfrm>
+            <a:off x="423212" y="6963885"/>
+            <a:ext cx="6436083" cy="431552"/>
+          </a:xfrm>
+          <a:prstGeom prst="rect">
+            <a:avLst/>
+          </a:prstGeom>
+          <a:ln w="12700">
+            <a:miter lim="400000"/>
+          </a:ln>
+          <a:extLst>
+            <a:ext uri="{C572A759-6A51-4108-AA02-DFA0A04FC94B}">
+              <ma14:wrappingTextBoxFlag xmlns:ma14="http://schemas.microsoft.com/office/mac/drawingml/2011/main" val="1"/>
+            </a:ext>
+          </a:extLst>
+        </p:spPr>
+        <p:txBody>
+          <a:bodyPr wrap="none" lIns="50800" tIns="50800" rIns="50800" bIns="50800" anchor="ctr">
+            <a:spAutoFit/>
+          </a:bodyPr>
+          <a:lstStyle>
+            <a:lvl1pPr>
+              <a:defRPr sz="2400"/>
+            </a:lvl1pPr>
+          </a:lstStyle>
+          <a:p>
+            <a:pPr/>
+            <a:r>
+              <a:t>DAA/Backtracking, Branch&amp;Bound, NP-Complete</a:t>
+            </a:r>
+          </a:p>
+        </p:txBody>
+      </p:sp>
+      <p:sp>
+        <p:nvSpPr>
+          <p:cNvPr id="315" name="RPR/"/>
           <p:cNvSpPr txBox="1"/>
           <p:nvPr/>
         </p:nvSpPr>
@@ -15641,7 +18067,7 @@
                                       <p:cBhvr>
                                         <p:cTn id="6" fill="hold"/>
                                         <p:tgtEl>
-                                          <p:spTgt spid="285">
+                                          <p:spTgt spid="312">
                                             <p:bg/>
                                           </p:spTgt>
                                         </p:tgtEl>
@@ -15669,7 +18095,7 @@
                                       <p:cBhvr>
                                         <p:cTn id="8" fill="hold"/>
                                         <p:tgtEl>
-                                          <p:spTgt spid="285">
+                                          <p:spTgt spid="312">
                                             <p:txEl>
                                               <p:pRg st="0" end="0"/>
                                             </p:txEl>
@@ -15717,7 +18143,7 @@
                                       <p:cBhvr>
                                         <p:cTn id="12" fill="hold"/>
                                         <p:tgtEl>
-                                          <p:spTgt spid="285">
+                                          <p:spTgt spid="312">
                                             <p:txEl>
                                               <p:pRg st="1" end="1"/>
                                             </p:txEl>
@@ -15765,7 +18191,7 @@
                                       <p:cBhvr>
                                         <p:cTn id="16" fill="hold"/>
                                         <p:tgtEl>
-                                          <p:spTgt spid="285">
+                                          <p:spTgt spid="312">
                                             <p:txEl>
                                               <p:pRg st="2" end="2"/>
                                             </p:txEl>
@@ -15813,7 +18239,7 @@
                                       <p:cBhvr>
                                         <p:cTn id="20" fill="hold"/>
                                         <p:tgtEl>
-                                          <p:spTgt spid="285">
+                                          <p:spTgt spid="312">
                                             <p:txEl>
                                               <p:pRg st="3" end="3"/>
                                             </p:txEl>
@@ -15861,7 +18287,7 @@
                                       <p:cBhvr>
                                         <p:cTn id="24" fill="hold"/>
                                         <p:tgtEl>
-                                          <p:spTgt spid="285">
+                                          <p:spTgt spid="312">
                                             <p:txEl>
                                               <p:pRg st="4" end="4"/>
                                             </p:txEl>
@@ -15909,7 +18335,7 @@
                                       <p:cBhvr>
                                         <p:cTn id="28" fill="hold"/>
                                         <p:tgtEl>
-                                          <p:spTgt spid="285">
+                                          <p:spTgt spid="312">
                                             <p:txEl>
                                               <p:pRg st="5" end="5"/>
                                             </p:txEl>
@@ -15957,7 +18383,7 @@
                                       <p:cBhvr>
                                         <p:cTn id="32" fill="hold"/>
                                         <p:tgtEl>
-                                          <p:spTgt spid="285">
+                                          <p:spTgt spid="312">
                                             <p:txEl>
                                               <p:pRg st="6" end="6"/>
                                             </p:txEl>
@@ -16005,7 +18431,7 @@
                                       <p:cBhvr>
                                         <p:cTn id="36" fill="hold"/>
                                         <p:tgtEl>
-                                          <p:spTgt spid="285">
+                                          <p:spTgt spid="312">
                                             <p:txEl>
                                               <p:pRg st="7" end="7"/>
                                             </p:txEl>
@@ -16053,7 +18479,7 @@
                                       <p:cBhvr>
                                         <p:cTn id="40" fill="hold"/>
                                         <p:tgtEl>
-                                          <p:spTgt spid="285">
+                                          <p:spTgt spid="312">
                                             <p:txEl>
                                               <p:pRg st="8" end="8"/>
                                             </p:txEl>
@@ -16101,7 +18527,7 @@
                                       <p:cBhvr>
                                         <p:cTn id="44" fill="hold"/>
                                         <p:tgtEl>
-                                          <p:spTgt spid="285">
+                                          <p:spTgt spid="312">
                                             <p:txEl>
                                               <p:pRg st="9" end="9"/>
                                             </p:txEl>
@@ -16146,13 +18572,13 @@
       </p:par>
     </p:tnLst>
     <p:bldLst>
-      <p:bldP build="p" bldLvl="5" animBg="1" rev="0" advAuto="0" spid="285" grpId="1"/>
+      <p:bldP build="p" bldLvl="5" animBg="1" rev="0" advAuto="0" spid="312" grpId="1"/>
     </p:bldLst>
   </p:timing>
 </p:sld>
 </file>
 
-<file path=ppt/slides/slide2.xml><?xml version="1.0" encoding="utf-8"?>
+<file path=ppt/slides/slide21.xml><?xml version="1.0" encoding="utf-8"?>
 <p:sld xmlns:a="http://schemas.openxmlformats.org/drawingml/2006/main" xmlns:r="http://schemas.openxmlformats.org/officeDocument/2006/relationships" xmlns:p="http://schemas.openxmlformats.org/presentationml/2006/main" xmlns:m="http://schemas.openxmlformats.org/officeDocument/2006/math" xmlns:a14="http://schemas.microsoft.com/office/drawing/2010/main" showMasterSp="1" showMasterPhAnim="1">
   <p:cSld>
     <p:spTree>
@@ -16171,7 +18597,7 @@
       </p:grpSpPr>
       <p:sp>
         <p:nvSpPr>
-          <p:cNvPr id="47" name="Resources"/>
+          <p:cNvPr id="317" name="Summary"/>
           <p:cNvSpPr txBox="1"/>
           <p:nvPr>
             <p:ph type="title"/>
@@ -16188,24 +18614,20 @@
           <a:p>
             <a:pPr/>
             <a:r>
-              <a:t>Resources</a:t>
+              <a:t>Summary</a:t>
             </a:r>
           </a:p>
         </p:txBody>
       </p:sp>
       <p:sp>
         <p:nvSpPr>
-          <p:cNvPr id="48" name="Text book 2: Horowitz…"/>
+          <p:cNvPr id="318" name="Hamilotonian Cycles…"/>
           <p:cNvSpPr txBox="1"/>
           <p:nvPr>
             <p:ph type="body" idx="1"/>
           </p:nvPr>
         </p:nvSpPr>
         <p:spPr>
-          <a:xfrm>
-            <a:off x="679425" y="938113"/>
-            <a:ext cx="9048800" cy="5891610"/>
-          </a:xfrm>
           <a:prstGeom prst="rect">
             <a:avLst/>
           </a:prstGeom>
@@ -16216,92 +18638,20 @@
           <a:p>
             <a:pPr/>
             <a:r>
-              <a:t>Text book 2: Horowitz</a:t>
-            </a:r>
-          </a:p>
-          <a:p>
-            <a:pPr lvl="1"/>
-            <a:r>
-              <a:t>Sec </a:t>
-            </a:r>
-            <a:r>
-              <a:rPr>
-                <a:latin typeface="Courier New"/>
-                <a:ea typeface="Courier New"/>
-                <a:cs typeface="Courier New"/>
-                <a:sym typeface="Courier New"/>
-              </a:rPr>
-              <a:t>7.1,7.2,7.3,7.4,</a:t>
-            </a:r>
-            <a:r>
-              <a:rPr b="1" i="1" u="sng">
-                <a:latin typeface="Courier New"/>
-                <a:ea typeface="Courier New"/>
-                <a:cs typeface="Courier New"/>
-                <a:sym typeface="Courier New"/>
-              </a:rPr>
-              <a:t>7.5</a:t>
-            </a:r>
-            <a:r>
-              <a:rPr>
-                <a:latin typeface="Courier New"/>
-                <a:ea typeface="Courier New"/>
-                <a:cs typeface="Courier New"/>
-                <a:sym typeface="Courier New"/>
-              </a:rPr>
-              <a:t>,8.2,11.1</a:t>
+              <a:t>Hamilotonian Cycles</a:t>
             </a:r>
           </a:p>
           <a:p>
             <a:pPr/>
             <a:r>
-              <a:t>Text book </a:t>
-            </a:r>
-            <a:r>
-              <a:rPr>
-                <a:latin typeface="Arial"/>
-                <a:ea typeface="Arial"/>
-                <a:cs typeface="Arial"/>
-                <a:sym typeface="Arial"/>
-              </a:rPr>
-              <a:t>1</a:t>
-            </a:r>
-            <a:r>
-              <a:t>: Levitin</a:t>
-            </a:r>
-          </a:p>
-          <a:p>
-            <a:pPr lvl="1"/>
-            <a:r>
-              <a:t>Sec </a:t>
-            </a:r>
-            <a:r>
-              <a:rPr>
-                <a:latin typeface="Courier New"/>
-                <a:ea typeface="Courier New"/>
-                <a:cs typeface="Courier New"/>
-                <a:sym typeface="Courier New"/>
-              </a:rPr>
-              <a:t>12.1,12.2</a:t>
-            </a:r>
-          </a:p>
-          <a:p>
-            <a:pPr/>
-            <a:r>
-              <a:t>R1: Introduction to Algorithms</a:t>
-            </a:r>
-          </a:p>
-          <a:p>
-            <a:pPr lvl="2"/>
-            <a:r>
-              <a:t>Cormen et al.</a:t>
+              <a:t>m-Coloring of a graph</a:t>
             </a:r>
           </a:p>
         </p:txBody>
       </p:sp>
       <p:sp>
         <p:nvSpPr>
-          <p:cNvPr id="49" name="Slide Number"/>
+          <p:cNvPr id="319" name="Slide Number"/>
           <p:cNvSpPr txBox="1"/>
           <p:nvPr>
             <p:ph type="sldNum" sz="quarter" idx="2"/>
@@ -16328,7 +18678,7 @@
       </p:sp>
       <p:sp>
         <p:nvSpPr>
-          <p:cNvPr id="50" name="DAA/Backtracking, Branch&amp;Bound, NP-Complete"/>
+          <p:cNvPr id="320" name="DAA/Backtracking, Branch&amp;Bound, NP-Complete"/>
           <p:cNvSpPr txBox="1"/>
           <p:nvPr/>
         </p:nvSpPr>
@@ -16368,205 +18718,7 @@
       </p:sp>
       <p:sp>
         <p:nvSpPr>
-          <p:cNvPr id="51" name="RPR/"/>
-          <p:cNvSpPr txBox="1"/>
-          <p:nvPr/>
-        </p:nvSpPr>
-        <p:spPr>
-          <a:xfrm>
-            <a:off x="7535212" y="6988206"/>
-            <a:ext cx="705605" cy="382910"/>
-          </a:xfrm>
-          <a:prstGeom prst="rect">
-            <a:avLst/>
-          </a:prstGeom>
-          <a:ln w="12700">
-            <a:miter lim="400000"/>
-          </a:ln>
-          <a:extLst>
-            <a:ext uri="{C572A759-6A51-4108-AA02-DFA0A04FC94B}">
-              <ma14:wrappingTextBoxFlag xmlns:ma14="http://schemas.microsoft.com/office/mac/drawingml/2011/main" val="1"/>
-            </a:ext>
-          </a:extLst>
-        </p:spPr>
-        <p:txBody>
-          <a:bodyPr wrap="none" lIns="50800" tIns="50800" rIns="50800" bIns="50800" anchor="ctr">
-            <a:spAutoFit/>
-          </a:bodyPr>
-          <a:lstStyle>
-            <a:lvl1pPr>
-              <a:defRPr sz="2000"/>
-            </a:lvl1pPr>
-          </a:lstStyle>
-          <a:p>
-            <a:pPr/>
-            <a:r>
-              <a:t>RPR/</a:t>
-            </a:r>
-          </a:p>
-        </p:txBody>
-      </p:sp>
-    </p:spTree>
-  </p:cSld>
-  <p:clrMapOvr>
-    <a:masterClrMapping/>
-  </p:clrMapOvr>
-  <mc:AlternateContent xmlns:mc="http://schemas.openxmlformats.org/markup-compatibility/2006">
-    <mc:Choice xmlns:p14="http://schemas.microsoft.com/office/powerpoint/2010/main" Requires="p14">
-      <p:transition spd="med" advClick="1" p14:dur="899">
-        <p:wipe dir="l"/>
-      </p:transition>
-    </mc:Choice>
-    <mc:Fallback>
-      <p:transition spd="med">
-        <p:fade/>
-      </p:transition>
-    </mc:Fallback>
-  </mc:AlternateContent>
-</p:sld>
-</file>
-
-<file path=ppt/slides/slide20.xml><?xml version="1.0" encoding="utf-8"?>
-<p:sld xmlns:a="http://schemas.openxmlformats.org/drawingml/2006/main" xmlns:r="http://schemas.openxmlformats.org/officeDocument/2006/relationships" xmlns:p="http://schemas.openxmlformats.org/presentationml/2006/main" xmlns:m="http://schemas.openxmlformats.org/officeDocument/2006/math" xmlns:a14="http://schemas.microsoft.com/office/drawing/2010/main" showMasterSp="1" showMasterPhAnim="1">
-  <p:cSld>
-    <p:spTree>
-      <p:nvGrpSpPr>
-        <p:cNvPr id="1" name=""/>
-        <p:cNvGrpSpPr/>
-        <p:nvPr/>
-      </p:nvGrpSpPr>
-      <p:grpSpPr>
-        <a:xfrm>
-          <a:off x="0" y="0"/>
-          <a:ext cx="0" cy="0"/>
-          <a:chOff x="0" y="0"/>
-          <a:chExt cx="0" cy="0"/>
-        </a:xfrm>
-      </p:grpSpPr>
-      <p:sp>
-        <p:nvSpPr>
-          <p:cNvPr id="290" name="Summary"/>
-          <p:cNvSpPr txBox="1"/>
-          <p:nvPr>
-            <p:ph type="title"/>
-          </p:nvPr>
-        </p:nvSpPr>
-        <p:spPr>
-          <a:prstGeom prst="rect">
-            <a:avLst/>
-          </a:prstGeom>
-        </p:spPr>
-        <p:txBody>
-          <a:bodyPr/>
-          <a:lstStyle/>
-          <a:p>
-            <a:pPr/>
-            <a:r>
-              <a:t>Summary</a:t>
-            </a:r>
-          </a:p>
-        </p:txBody>
-      </p:sp>
-      <p:sp>
-        <p:nvSpPr>
-          <p:cNvPr id="291" name="Hamilotonian Cycles…"/>
-          <p:cNvSpPr txBox="1"/>
-          <p:nvPr>
-            <p:ph type="body" idx="1"/>
-          </p:nvPr>
-        </p:nvSpPr>
-        <p:spPr>
-          <a:prstGeom prst="rect">
-            <a:avLst/>
-          </a:prstGeom>
-        </p:spPr>
-        <p:txBody>
-          <a:bodyPr/>
-          <a:lstStyle/>
-          <a:p>
-            <a:pPr/>
-            <a:r>
-              <a:t>Hamilotonian Cycles</a:t>
-            </a:r>
-          </a:p>
-          <a:p>
-            <a:pPr/>
-            <a:r>
-              <a:t>m-Coloring of a graph</a:t>
-            </a:r>
-          </a:p>
-        </p:txBody>
-      </p:sp>
-      <p:sp>
-        <p:nvSpPr>
-          <p:cNvPr id="292" name="Slide Number"/>
-          <p:cNvSpPr txBox="1"/>
-          <p:nvPr>
-            <p:ph type="sldNum" sz="quarter" idx="2"/>
-          </p:nvPr>
-        </p:nvSpPr>
-        <p:spPr>
-          <a:prstGeom prst="rect">
-            <a:avLst/>
-          </a:prstGeom>
-          <a:extLst>
-            <a:ext uri="{C572A759-6A51-4108-AA02-DFA0A04FC94B}">
-              <ma14:wrappingTextBoxFlag xmlns:ma14="http://schemas.microsoft.com/office/mac/drawingml/2011/main" val="1"/>
-            </a:ext>
-          </a:extLst>
-        </p:spPr>
-        <p:txBody>
-          <a:bodyPr/>
-          <a:lstStyle/>
-          <a:p>
-            <a:pPr/>
-            <a:fld id="{86CB4B4D-7CA3-9044-876B-883B54F8677D}" type="slidenum"/>
-          </a:p>
-        </p:txBody>
-      </p:sp>
-      <p:sp>
-        <p:nvSpPr>
-          <p:cNvPr id="293" name="DAA/Backtracking, Branch&amp;Bound, NP-Complete"/>
-          <p:cNvSpPr txBox="1"/>
-          <p:nvPr/>
-        </p:nvSpPr>
-        <p:spPr>
-          <a:xfrm>
-            <a:off x="423212" y="6963885"/>
-            <a:ext cx="6436083" cy="431552"/>
-          </a:xfrm>
-          <a:prstGeom prst="rect">
-            <a:avLst/>
-          </a:prstGeom>
-          <a:ln w="12700">
-            <a:miter lim="400000"/>
-          </a:ln>
-          <a:extLst>
-            <a:ext uri="{C572A759-6A51-4108-AA02-DFA0A04FC94B}">
-              <ma14:wrappingTextBoxFlag xmlns:ma14="http://schemas.microsoft.com/office/mac/drawingml/2011/main" val="1"/>
-            </a:ext>
-          </a:extLst>
-        </p:spPr>
-        <p:txBody>
-          <a:bodyPr wrap="none" lIns="50800" tIns="50800" rIns="50800" bIns="50800" anchor="ctr">
-            <a:spAutoFit/>
-          </a:bodyPr>
-          <a:lstStyle>
-            <a:lvl1pPr>
-              <a:defRPr sz="2400"/>
-            </a:lvl1pPr>
-          </a:lstStyle>
-          <a:p>
-            <a:pPr/>
-            <a:r>
-              <a:t>DAA/Backtracking, Branch&amp;Bound, NP-Complete</a:t>
-            </a:r>
-          </a:p>
-        </p:txBody>
-      </p:sp>
-      <p:sp>
-        <p:nvSpPr>
-          <p:cNvPr id="294" name="RPR/"/>
+          <p:cNvPr id="321" name="RPR/"/>
           <p:cNvSpPr txBox="1"/>
           <p:nvPr/>
         </p:nvSpPr>
@@ -16643,7 +18795,7 @@
                                       <p:cBhvr>
                                         <p:cTn id="6" fill="hold"/>
                                         <p:tgtEl>
-                                          <p:spTgt spid="291">
+                                          <p:spTgt spid="318">
                                             <p:bg/>
                                           </p:spTgt>
                                         </p:tgtEl>
@@ -16671,7 +18823,7 @@
                                       <p:cBhvr>
                                         <p:cTn id="8" fill="hold"/>
                                         <p:tgtEl>
-                                          <p:spTgt spid="291">
+                                          <p:spTgt spid="318">
                                             <p:txEl>
                                               <p:pRg st="0" end="0"/>
                                             </p:txEl>
@@ -16719,7 +18871,7 @@
                                       <p:cBhvr>
                                         <p:cTn id="12" fill="hold"/>
                                         <p:tgtEl>
-                                          <p:spTgt spid="291">
+                                          <p:spTgt spid="318">
                                             <p:txEl>
                                               <p:pRg st="1" end="1"/>
                                             </p:txEl>
@@ -16764,7 +18916,7 @@
       </p:par>
     </p:tnLst>
     <p:bldLst>
-      <p:bldP build="p" bldLvl="5" animBg="1" rev="0" advAuto="0" spid="291" grpId="1"/>
+      <p:bldP build="p" bldLvl="5" animBg="1" rev="0" advAuto="0" spid="318" grpId="1"/>
     </p:bldLst>
   </p:timing>
 </p:sld>
@@ -16834,27 +18986,60 @@
             </a:r>
           </a:p>
           <a:p>
+            <a:pPr/>
+            <a:r>
+              <a:t>Given a graph </a:t>
+            </a:r>
+            <a:r>
+              <a:rPr>
+                <a:latin typeface="Courier New"/>
+                <a:ea typeface="Courier New"/>
+                <a:cs typeface="Courier New"/>
+                <a:sym typeface="Courier New"/>
+              </a:rPr>
+              <a:t>G=(V,E)</a:t>
+            </a:r>
+            <a:r>
+              <a:t>, a hamiltonian cycle is</a:t>
+            </a:r>
+          </a:p>
+          <a:p>
             <a:pPr lvl="1"/>
             <a:r>
-              <a:t>Given a graph G=(V,E), a hamiltonian cycle is</a:t>
+              <a:t>a round trip path along </a:t>
+            </a:r>
+            <a:r>
+              <a:rPr>
+                <a:latin typeface="Courier New"/>
+                <a:ea typeface="Courier New"/>
+                <a:cs typeface="Courier New"/>
+                <a:sym typeface="Courier New"/>
+              </a:rPr>
+              <a:t>n</a:t>
+            </a:r>
+            <a:r>
+              <a:t> edges of </a:t>
+            </a:r>
+            <a:r>
+              <a:rPr>
+                <a:latin typeface="Courier New"/>
+                <a:ea typeface="Courier New"/>
+                <a:cs typeface="Courier New"/>
+                <a:sym typeface="Courier New"/>
+              </a:rPr>
+              <a:t>G</a:t>
             </a:r>
           </a:p>
           <a:p>
             <a:pPr lvl="1"/>
             <a:r>
-              <a:t>a round trip path along n edges of G</a:t>
+              <a:t>that visits each vertex once, and </a:t>
             </a:r>
           </a:p>
           <a:p>
             <a:pPr lvl="1"/>
             <a:r>
-              <a:t>that visits each vertex once, and </a:t>
-            </a:r>
-          </a:p>
-          <a:p>
-            <a:pPr lvl="1"/>
-            <a:r>
-              <a:t>returns to starting position.</a:t>
+              <a:t>returns to starting vertex.</a:t>
             </a:r>
           </a:p>
           <a:p>
@@ -19212,9 +21397,9 @@
       </p:par>
     </p:tnLst>
     <p:bldLst>
+      <p:bldP build="whole" bldLvl="1" animBg="1" rev="0" advAuto="0" spid="60" grpId="1"/>
       <p:bldP build="whole" bldLvl="1" animBg="1" rev="0" advAuto="0" spid="83" grpId="2"/>
       <p:bldP build="p" bldLvl="5" animBg="1" rev="0" advAuto="0" spid="84" grpId="3"/>
-      <p:bldP build="whole" bldLvl="1" animBg="1" rev="0" advAuto="0" spid="60" grpId="1"/>
     </p:bldLst>
   </p:timing>
 </p:sld>
@@ -21440,13 +23625,13 @@
       </p:par>
     </p:tnLst>
     <p:bldLst>
+      <p:bldP build="whole" bldLvl="1" animBg="1" rev="0" advAuto="0" spid="117" grpId="5"/>
       <p:bldP build="whole" bldLvl="1" animBg="1" rev="0" advAuto="0" spid="104" grpId="4"/>
+      <p:bldP build="whole" bldLvl="1" animBg="1" rev="0" advAuto="0" spid="103" grpId="2"/>
       <p:bldP build="whole" bldLvl="1" animBg="1" rev="0" advAuto="0" spid="88" grpId="1"/>
-      <p:bldP build="whole" bldLvl="1" animBg="1" rev="0" advAuto="0" spid="117" grpId="5"/>
+      <p:bldP build="p" bldLvl="5" animBg="1" rev="0" advAuto="0" spid="120" grpId="7"/>
       <p:bldP build="whole" bldLvl="1" animBg="1" rev="0" advAuto="0" spid="119" grpId="6"/>
       <p:bldP build="whole" bldLvl="1" animBg="1" rev="0" advAuto="0" spid="118" grpId="3"/>
-      <p:bldP build="p" bldLvl="5" animBg="1" rev="0" advAuto="0" spid="120" grpId="7"/>
-      <p:bldP build="whole" bldLvl="1" animBg="1" rev="0" advAuto="0" spid="103" grpId="2"/>
     </p:bldLst>
   </p:timing>
 </p:sld>
@@ -22522,7 +24707,16 @@
               <a:t>1 </a:t>
             </a:r>
             <a:r>
-              <a:t>can be any vertex</a:t>
+              <a:t>can be any vertex </a:t>
+            </a:r>
+            <a:r>
+              <a:rPr>
+                <a:latin typeface="Courier New"/>
+                <a:ea typeface="Courier New"/>
+                <a:cs typeface="Courier New"/>
+                <a:sym typeface="Courier New"/>
+              </a:rPr>
+              <a:t>v∈V</a:t>
             </a:r>
           </a:p>
           <a:p>
@@ -22747,7 +24941,7 @@
                 <a:cs typeface="Courier New"/>
                 <a:sym typeface="Courier New"/>
               </a:rPr>
-              <a:t>k-1</a:t>
+              <a:t>k-1 </a:t>
             </a:r>
             <a:r>
               <a:rPr>
@@ -23759,42 +25953,55 @@
               <a:t>//</a:t>
             </a:r>
             <a:r>
+              <a:rPr sz="2200">
+                <a:latin typeface="Courier New"/>
+                <a:ea typeface="Courier New"/>
+                <a:cs typeface="Courier New"/>
+                <a:sym typeface="Courier New"/>
+              </a:rPr>
+              <a:t>x[k]</a:t>
+            </a:r>
+            <a:r>
+              <a:rPr sz="2600"/>
+              <a:t> </a:t>
+            </a:r>
+            <a:r>
+              <a:rPr sz="2400"/>
+              <a:t>is a vertex not in </a:t>
+            </a:r>
+            <a:r>
+              <a:rPr sz="2300">
+                <a:latin typeface="Courier New"/>
+                <a:ea typeface="Courier New"/>
+                <a:cs typeface="Courier New"/>
+                <a:sym typeface="Courier New"/>
+              </a:rPr>
+              <a:t>x[1],…,x[k-1]</a:t>
+            </a:r>
+            <a:r>
+              <a:rPr sz="2300"/>
+              <a:t>,</a:t>
+            </a:r>
+            <a:r>
+              <a:rPr sz="2500"/>
+              <a:t> </a:t>
+            </a:r>
+            <a:r>
+              <a:rPr sz="2400"/>
+              <a:t>and connected to</a:t>
+            </a:r>
+            <a:r>
+              <a:rPr sz="2500"/>
+              <a:t> </a:t>
+            </a:r>
+            <a:r>
               <a:rPr sz="2400">
                 <a:latin typeface="Courier New"/>
                 <a:ea typeface="Courier New"/>
                 <a:cs typeface="Courier New"/>
                 <a:sym typeface="Courier New"/>
               </a:rPr>
-              <a:t>x[k]</a:t>
-            </a:r>
-            <a:r>
-              <a:t> is a vertex not in </a:t>
-            </a:r>
-            <a:r>
-              <a:rPr sz="2300">
-                <a:latin typeface="Courier New"/>
-                <a:ea typeface="Courier New"/>
-                <a:cs typeface="Courier New"/>
-                <a:sym typeface="Courier New"/>
-              </a:rPr>
-              <a:t>x[1],…,x[k-1]</a:t>
-            </a:r>
-            <a:r>
-              <a:rPr sz="2300"/>
-              <a:t>,</a:t>
-            </a:r>
-            <a:r>
-              <a:rPr sz="2500"/>
-              <a:t> and connected to </a:t>
-            </a:r>
-            <a:r>
-              <a:rPr sz="2400">
-                <a:latin typeface="Courier New"/>
-                <a:ea typeface="Courier New"/>
-                <a:cs typeface="Courier New"/>
-                <a:sym typeface="Courier New"/>
-              </a:rPr>
-              <a:t>x[k]</a:t>
+              <a:t>x[k-1]</a:t>
             </a:r>
             <a:endParaRPr>
               <a:latin typeface="Courier New"/>

--- a/Slides-RPR/2019-H1-DAA-L43-BackTrack-algos.pptx
+++ b/Slides-RPR/2019-H1-DAA-L43-BackTrack-algos.pptx
@@ -4579,8 +4579,8 @@
       </p:par>
     </p:tnLst>
     <p:bldLst>
+      <p:bldP build="whole" bldLvl="1" animBg="1" rev="0" advAuto="0" spid="170" grpId="2"/>
       <p:bldP build="p" bldLvl="5" animBg="1" rev="0" advAuto="0" spid="147" grpId="1"/>
-      <p:bldP build="whole" bldLvl="1" animBg="1" rev="0" advAuto="0" spid="170" grpId="2"/>
     </p:bldLst>
   </p:timing>
 </p:sld>
@@ -17238,6 +17238,20 @@
               <a:t>Cormen et al.</a:t>
             </a:r>
           </a:p>
+          <a:p>
+            <a:pPr/>
+            <a:r>
+              <a:t>Youtube link of video lecture recording</a:t>
+            </a:r>
+          </a:p>
+          <a:p>
+            <a:pPr lvl="1">
+              <a:defRPr sz="2800"/>
+            </a:pPr>
+            <a:r>
+              <a:t>https://www.youtube.com/watch?v=LgLrJJ3CaiQ</a:t>
+            </a:r>
+          </a:p>
         </p:txBody>
       </p:sp>
       <p:sp>
@@ -21398,8 +21412,8 @@
     </p:tnLst>
     <p:bldLst>
       <p:bldP build="whole" bldLvl="1" animBg="1" rev="0" advAuto="0" spid="60" grpId="1"/>
+      <p:bldP build="p" bldLvl="5" animBg="1" rev="0" advAuto="0" spid="84" grpId="3"/>
       <p:bldP build="whole" bldLvl="1" animBg="1" rev="0" advAuto="0" spid="83" grpId="2"/>
-      <p:bldP build="p" bldLvl="5" animBg="1" rev="0" advAuto="0" spid="84" grpId="3"/>
     </p:bldLst>
   </p:timing>
 </p:sld>
@@ -23625,13 +23639,13 @@
       </p:par>
     </p:tnLst>
     <p:bldLst>
+      <p:bldP build="whole" bldLvl="1" animBg="1" rev="0" advAuto="0" spid="104" grpId="4"/>
+      <p:bldP build="whole" bldLvl="1" animBg="1" rev="0" advAuto="0" spid="88" grpId="1"/>
+      <p:bldP build="whole" bldLvl="1" animBg="1" rev="0" advAuto="0" spid="103" grpId="2"/>
       <p:bldP build="whole" bldLvl="1" animBg="1" rev="0" advAuto="0" spid="117" grpId="5"/>
-      <p:bldP build="whole" bldLvl="1" animBg="1" rev="0" advAuto="0" spid="104" grpId="4"/>
-      <p:bldP build="whole" bldLvl="1" animBg="1" rev="0" advAuto="0" spid="103" grpId="2"/>
-      <p:bldP build="whole" bldLvl="1" animBg="1" rev="0" advAuto="0" spid="88" grpId="1"/>
+      <p:bldP build="whole" bldLvl="1" animBg="1" rev="0" advAuto="0" spid="118" grpId="3"/>
       <p:bldP build="p" bldLvl="5" animBg="1" rev="0" advAuto="0" spid="120" grpId="7"/>
       <p:bldP build="whole" bldLvl="1" animBg="1" rev="0" advAuto="0" spid="119" grpId="6"/>
-      <p:bldP build="whole" bldLvl="1" animBg="1" rev="0" advAuto="0" spid="118" grpId="3"/>
     </p:bldLst>
   </p:timing>
 </p:sld>
